--- a/DD1/F_Mar13/B_Decision Trees.pptx
+++ b/DD1/F_Mar13/B_Decision Trees.pptx
@@ -5,45 +5,44 @@
     <p:sldMasterId id="2147483660" r:id="rId1"/>
   </p:sldMasterIdLst>
   <p:notesMasterIdLst>
-    <p:notesMasterId r:id="rId38"/>
+    <p:notesMasterId r:id="rId37"/>
   </p:notesMasterIdLst>
   <p:sldIdLst>
     <p:sldId id="297" r:id="rId2"/>
     <p:sldId id="358" r:id="rId3"/>
-    <p:sldId id="259" r:id="rId4"/>
-    <p:sldId id="300" r:id="rId5"/>
-    <p:sldId id="317" r:id="rId6"/>
-    <p:sldId id="302" r:id="rId7"/>
-    <p:sldId id="370" r:id="rId8"/>
-    <p:sldId id="303" r:id="rId9"/>
-    <p:sldId id="318" r:id="rId10"/>
-    <p:sldId id="305" r:id="rId11"/>
-    <p:sldId id="306" r:id="rId12"/>
-    <p:sldId id="307" r:id="rId13"/>
-    <p:sldId id="308" r:id="rId14"/>
-    <p:sldId id="310" r:id="rId15"/>
-    <p:sldId id="301" r:id="rId16"/>
-    <p:sldId id="311" r:id="rId17"/>
-    <p:sldId id="321" r:id="rId18"/>
-    <p:sldId id="312" r:id="rId19"/>
-    <p:sldId id="313" r:id="rId20"/>
-    <p:sldId id="314" r:id="rId21"/>
-    <p:sldId id="315" r:id="rId22"/>
-    <p:sldId id="316" r:id="rId23"/>
-    <p:sldId id="322" r:id="rId24"/>
-    <p:sldId id="323" r:id="rId25"/>
-    <p:sldId id="324" r:id="rId26"/>
-    <p:sldId id="325" r:id="rId27"/>
-    <p:sldId id="319" r:id="rId28"/>
-    <p:sldId id="341" r:id="rId29"/>
-    <p:sldId id="342" r:id="rId30"/>
-    <p:sldId id="343" r:id="rId31"/>
-    <p:sldId id="344" r:id="rId32"/>
-    <p:sldId id="345" r:id="rId33"/>
-    <p:sldId id="371" r:id="rId34"/>
-    <p:sldId id="372" r:id="rId35"/>
-    <p:sldId id="329" r:id="rId36"/>
-    <p:sldId id="361" r:id="rId37"/>
+    <p:sldId id="300" r:id="rId4"/>
+    <p:sldId id="317" r:id="rId5"/>
+    <p:sldId id="302" r:id="rId6"/>
+    <p:sldId id="370" r:id="rId7"/>
+    <p:sldId id="303" r:id="rId8"/>
+    <p:sldId id="318" r:id="rId9"/>
+    <p:sldId id="305" r:id="rId10"/>
+    <p:sldId id="306" r:id="rId11"/>
+    <p:sldId id="307" r:id="rId12"/>
+    <p:sldId id="308" r:id="rId13"/>
+    <p:sldId id="310" r:id="rId14"/>
+    <p:sldId id="301" r:id="rId15"/>
+    <p:sldId id="311" r:id="rId16"/>
+    <p:sldId id="321" r:id="rId17"/>
+    <p:sldId id="312" r:id="rId18"/>
+    <p:sldId id="313" r:id="rId19"/>
+    <p:sldId id="314" r:id="rId20"/>
+    <p:sldId id="315" r:id="rId21"/>
+    <p:sldId id="316" r:id="rId22"/>
+    <p:sldId id="322" r:id="rId23"/>
+    <p:sldId id="323" r:id="rId24"/>
+    <p:sldId id="324" r:id="rId25"/>
+    <p:sldId id="325" r:id="rId26"/>
+    <p:sldId id="319" r:id="rId27"/>
+    <p:sldId id="341" r:id="rId28"/>
+    <p:sldId id="342" r:id="rId29"/>
+    <p:sldId id="343" r:id="rId30"/>
+    <p:sldId id="344" r:id="rId31"/>
+    <p:sldId id="345" r:id="rId32"/>
+    <p:sldId id="371" r:id="rId33"/>
+    <p:sldId id="372" r:id="rId34"/>
+    <p:sldId id="329" r:id="rId35"/>
+    <p:sldId id="361" r:id="rId36"/>
   </p:sldIdLst>
   <p:sldSz cx="9144000" cy="6858000" type="screen4x3"/>
   <p:notesSz cx="6858000" cy="9144000"/>
@@ -629,7 +628,7 @@
                 </a:spcAft>
                 <a:defRPr/>
               </a:pPr>
-              <a:t>5</a:t>
+              <a:t>4</a:t>
             </a:fld>
             <a:endParaRPr lang="en-US">
               <a:cs typeface="Arial" charset="0"/>
@@ -766,7 +765,7 @@
                 </a:spcAft>
                 <a:defRPr/>
               </a:pPr>
-              <a:t>9</a:t>
+              <a:t>8</a:t>
             </a:fld>
             <a:endParaRPr lang="en-US">
               <a:cs typeface="Arial" charset="0"/>
@@ -852,7 +851,7 @@
           <a:p>
             <a:fld id="{24E9AA13-E3FC-4BB6-B68D-5F0F5803D716}" type="slidenum">
               <a:rPr lang="en-US" smtClean="0"/>
-              <a:t>12</a:t>
+              <a:t>11</a:t>
             </a:fld>
             <a:endParaRPr lang="en-US"/>
           </a:p>
@@ -987,7 +986,7 @@
                 </a:spcAft>
                 <a:defRPr/>
               </a:pPr>
-              <a:t>27</a:t>
+              <a:t>26</a:t>
             </a:fld>
             <a:endParaRPr lang="en-US">
               <a:cs typeface="Arial" charset="0"/>
@@ -4588,7 +4587,7 @@
         </p:nvSpPr>
         <p:spPr>
           <a:xfrm>
-            <a:off x="304799" y="5638800"/>
+            <a:off x="304799" y="5901397"/>
             <a:ext cx="8729545" cy="424423"/>
           </a:xfrm>
           <a:prstGeom prst="rect">
@@ -4690,17 +4689,17 @@
           <a:p>
             <a:r>
               <a:rPr lang="en-US" i="0" dirty="0"/>
-              <a:t>Let’s classify offer acceptance among real bank customers using a decision tree.  Green means they accepted the offer to open a new deposit account.</a:t>
+              <a:t>There are a lot of accepted offers with account holders of duration &gt;635 days </a:t>
             </a:r>
           </a:p>
         </p:txBody>
       </p:sp>
       <p:pic>
         <p:nvPicPr>
-          <p:cNvPr id="8" name="Picture 7">
-            <a:extLst>
-              <a:ext uri="{FF2B5EF4-FFF2-40B4-BE49-F238E27FC236}">
-                <a16:creationId xmlns:a16="http://schemas.microsoft.com/office/drawing/2014/main" id="{164CECB3-DD05-4052-BCF4-56235F8AD871}"/>
+          <p:cNvPr id="6" name="Picture 5">
+            <a:extLst>
+              <a:ext uri="{FF2B5EF4-FFF2-40B4-BE49-F238E27FC236}">
+                <a16:creationId xmlns:a16="http://schemas.microsoft.com/office/drawing/2014/main" id="{913E9976-E815-41DA-9D6F-726DB1BE2803}"/>
               </a:ext>
             </a:extLst>
           </p:cNvPr>
@@ -4717,8 +4716,8 @@
         </p:blipFill>
         <p:spPr>
           <a:xfrm>
-            <a:off x="2160063" y="1136804"/>
-            <a:ext cx="4823875" cy="4468511"/>
+            <a:off x="2043729" y="1047124"/>
+            <a:ext cx="5056542" cy="4763753"/>
           </a:xfrm>
           <a:prstGeom prst="rect">
             <a:avLst/>
@@ -4727,45 +4726,69 @@
       </p:pic>
       <p:sp>
         <p:nvSpPr>
-          <p:cNvPr id="10" name="TextBox 9">
-            <a:extLst>
-              <a:ext uri="{FF2B5EF4-FFF2-40B4-BE49-F238E27FC236}">
-                <a16:creationId xmlns:a16="http://schemas.microsoft.com/office/drawing/2014/main" id="{1526015B-07AA-47E7-9557-22A116676EDC}"/>
-              </a:ext>
-            </a:extLst>
-          </p:cNvPr>
-          <p:cNvSpPr txBox="1"/>
+          <p:cNvPr id="8" name="Rectangle 7">
+            <a:extLst>
+              <a:ext uri="{FF2B5EF4-FFF2-40B4-BE49-F238E27FC236}">
+                <a16:creationId xmlns:a16="http://schemas.microsoft.com/office/drawing/2014/main" id="{C6EEC20D-2CE4-4DF4-B1B4-01D235023EEC}"/>
+              </a:ext>
+            </a:extLst>
+          </p:cNvPr>
+          <p:cNvSpPr/>
           <p:nvPr/>
         </p:nvSpPr>
         <p:spPr>
           <a:xfrm>
-            <a:off x="5474728" y="6033915"/>
-            <a:ext cx="3680944" cy="276999"/>
+            <a:off x="7100271" y="1981200"/>
+            <a:ext cx="1934073" cy="533400"/>
           </a:xfrm>
           <a:prstGeom prst="rect">
             <a:avLst/>
           </a:prstGeom>
-          <a:noFill/>
+          <a:solidFill>
+            <a:schemeClr val="accent5"/>
+          </a:solidFill>
+          <a:ln>
+            <a:noFill/>
+          </a:ln>
         </p:spPr>
-        <p:txBody>
-          <a:bodyPr wrap="none" rtlCol="0">
-            <a:spAutoFit/>
-          </a:bodyPr>
+        <p:style>
+          <a:lnRef idx="2">
+            <a:schemeClr val="accent1">
+              <a:shade val="50000"/>
+            </a:schemeClr>
+          </a:lnRef>
+          <a:fillRef idx="1">
+            <a:schemeClr val="accent1"/>
+          </a:fillRef>
+          <a:effectRef idx="0">
+            <a:schemeClr val="accent1"/>
+          </a:effectRef>
+          <a:fontRef idx="minor">
+            <a:schemeClr val="lt1"/>
+          </a:fontRef>
+        </p:style>
+        <p:txBody>
+          <a:bodyPr rtlCol="0" anchor="ctr"/>
           <a:lstStyle/>
           <a:p>
-            <a:r>
-              <a:rPr lang="en-US" sz="1200" dirty="0"/>
-              <a:t>https://archive.ics.uci.edu/ml/datasets/bank+marketing</a:t>
-            </a:r>
-          </a:p>
-        </p:txBody>
-      </p:sp>
-      <p:sp>
-        <p:nvSpPr>
-          <p:cNvPr id="6" name="Footer Placeholder 4">
-            <a:extLst>
-              <a:ext uri="{FF2B5EF4-FFF2-40B4-BE49-F238E27FC236}">
-                <a16:creationId xmlns:a16="http://schemas.microsoft.com/office/drawing/2014/main" id="{22173D88-3E59-D48F-252A-89B303B22051}"/>
+            <a:pPr algn="ctr"/>
+            <a:r>
+              <a:rPr lang="en-US" sz="1400" dirty="0">
+                <a:solidFill>
+                  <a:schemeClr val="tx1"/>
+                </a:solidFill>
+              </a:rPr>
+              <a:t>Purity = 6 accepted among 8 offers</a:t>
+            </a:r>
+          </a:p>
+        </p:txBody>
+      </p:sp>
+      <p:sp>
+        <p:nvSpPr>
+          <p:cNvPr id="9" name="Footer Placeholder 4">
+            <a:extLst>
+              <a:ext uri="{FF2B5EF4-FFF2-40B4-BE49-F238E27FC236}">
+                <a16:creationId xmlns:a16="http://schemas.microsoft.com/office/drawing/2014/main" id="{2123F152-67E6-A5DD-845F-E684BDF2825E}"/>
               </a:ext>
             </a:extLst>
           </p:cNvPr>
@@ -4809,7 +4832,7 @@
     </p:spTree>
     <p:extLst>
       <p:ext uri="{BB962C8B-B14F-4D97-AF65-F5344CB8AC3E}">
-        <p14:creationId xmlns:p14="http://schemas.microsoft.com/office/powerpoint/2010/main" val="1918679248"/>
+        <p14:creationId xmlns:p14="http://schemas.microsoft.com/office/powerpoint/2010/main" val="105033231"/>
       </p:ext>
     </p:extLst>
   </p:cSld>
@@ -4888,7 +4911,7 @@
           <a:p>
             <a:r>
               <a:rPr lang="en-US" dirty="0"/>
-              <a:t>Suppose this is our data</a:t>
+              <a:t>Now another dimension of the data</a:t>
             </a:r>
           </a:p>
         </p:txBody>
@@ -5038,17 +5061,17 @@
           <a:p>
             <a:r>
               <a:rPr lang="en-US" i="0" dirty="0"/>
-              <a:t>There are a lot of accepted offers with account holders of duration &gt;635 days </a:t>
+              <a:t>Here we see another dimension, age of the account holder along with duration.</a:t>
             </a:r>
           </a:p>
         </p:txBody>
       </p:sp>
       <p:pic>
         <p:nvPicPr>
-          <p:cNvPr id="6" name="Picture 5">
-            <a:extLst>
-              <a:ext uri="{FF2B5EF4-FFF2-40B4-BE49-F238E27FC236}">
-                <a16:creationId xmlns:a16="http://schemas.microsoft.com/office/drawing/2014/main" id="{913E9976-E815-41DA-9D6F-726DB1BE2803}"/>
+          <p:cNvPr id="8" name="Picture 7">
+            <a:extLst>
+              <a:ext uri="{FF2B5EF4-FFF2-40B4-BE49-F238E27FC236}">
+                <a16:creationId xmlns:a16="http://schemas.microsoft.com/office/drawing/2014/main" id="{D88FFCAB-38DE-4B0E-8833-B1A9A01204CB}"/>
               </a:ext>
             </a:extLst>
           </p:cNvPr>
@@ -5058,15 +5081,15 @@
           <p:nvPr/>
         </p:nvPicPr>
         <p:blipFill>
-          <a:blip r:embed="rId2"/>
+          <a:blip r:embed="rId3"/>
           <a:stretch>
             <a:fillRect/>
           </a:stretch>
         </p:blipFill>
         <p:spPr>
           <a:xfrm>
-            <a:off x="2043729" y="1047124"/>
-            <a:ext cx="5056542" cy="4763753"/>
+            <a:off x="2070480" y="1072099"/>
+            <a:ext cx="5003041" cy="4713803"/>
           </a:xfrm>
           <a:prstGeom prst="rect">
             <a:avLst/>
@@ -5075,69 +5098,10 @@
       </p:pic>
       <p:sp>
         <p:nvSpPr>
-          <p:cNvPr id="8" name="Rectangle 7">
-            <a:extLst>
-              <a:ext uri="{FF2B5EF4-FFF2-40B4-BE49-F238E27FC236}">
-                <a16:creationId xmlns:a16="http://schemas.microsoft.com/office/drawing/2014/main" id="{C6EEC20D-2CE4-4DF4-B1B4-01D235023EEC}"/>
-              </a:ext>
-            </a:extLst>
-          </p:cNvPr>
-          <p:cNvSpPr/>
-          <p:nvPr/>
-        </p:nvSpPr>
-        <p:spPr>
-          <a:xfrm>
-            <a:off x="7100271" y="1981200"/>
-            <a:ext cx="1934073" cy="533400"/>
-          </a:xfrm>
-          <a:prstGeom prst="rect">
-            <a:avLst/>
-          </a:prstGeom>
-          <a:solidFill>
-            <a:schemeClr val="accent5"/>
-          </a:solidFill>
-          <a:ln>
-            <a:noFill/>
-          </a:ln>
-        </p:spPr>
-        <p:style>
-          <a:lnRef idx="2">
-            <a:schemeClr val="accent1">
-              <a:shade val="50000"/>
-            </a:schemeClr>
-          </a:lnRef>
-          <a:fillRef idx="1">
-            <a:schemeClr val="accent1"/>
-          </a:fillRef>
-          <a:effectRef idx="0">
-            <a:schemeClr val="accent1"/>
-          </a:effectRef>
-          <a:fontRef idx="minor">
-            <a:schemeClr val="lt1"/>
-          </a:fontRef>
-        </p:style>
-        <p:txBody>
-          <a:bodyPr rtlCol="0" anchor="ctr"/>
-          <a:lstStyle/>
-          <a:p>
-            <a:pPr algn="ctr"/>
-            <a:r>
-              <a:rPr lang="en-US" sz="1400" dirty="0">
-                <a:solidFill>
-                  <a:schemeClr val="tx1"/>
-                </a:solidFill>
-              </a:rPr>
-              <a:t>Purity = 6 accepted among 8 offers</a:t>
-            </a:r>
-          </a:p>
-        </p:txBody>
-      </p:sp>
-      <p:sp>
-        <p:nvSpPr>
-          <p:cNvPr id="9" name="Footer Placeholder 4">
-            <a:extLst>
-              <a:ext uri="{FF2B5EF4-FFF2-40B4-BE49-F238E27FC236}">
-                <a16:creationId xmlns:a16="http://schemas.microsoft.com/office/drawing/2014/main" id="{2123F152-67E6-A5DD-845F-E684BDF2825E}"/>
+          <p:cNvPr id="6" name="Footer Placeholder 4">
+            <a:extLst>
+              <a:ext uri="{FF2B5EF4-FFF2-40B4-BE49-F238E27FC236}">
+                <a16:creationId xmlns:a16="http://schemas.microsoft.com/office/drawing/2014/main" id="{26D2C7BC-8767-69B7-5D94-6BD5E609E5A8}"/>
               </a:ext>
             </a:extLst>
           </p:cNvPr>
@@ -5181,7 +5145,7 @@
     </p:spTree>
     <p:extLst>
       <p:ext uri="{BB962C8B-B14F-4D97-AF65-F5344CB8AC3E}">
-        <p14:creationId xmlns:p14="http://schemas.microsoft.com/office/powerpoint/2010/main" val="105033231"/>
+        <p14:creationId xmlns:p14="http://schemas.microsoft.com/office/powerpoint/2010/main" val="2579077671"/>
       </p:ext>
     </p:extLst>
   </p:cSld>
@@ -5260,7 +5224,7 @@
           <a:p>
             <a:r>
               <a:rPr lang="en-US" dirty="0"/>
-              <a:t>Now another dimension of the data</a:t>
+              <a:t>With the rule duration  &gt; 635</a:t>
             </a:r>
           </a:p>
         </p:txBody>
@@ -5410,17 +5374,17 @@
           <a:p>
             <a:r>
               <a:rPr lang="en-US" i="0" dirty="0"/>
-              <a:t>Here we see another dimension, age of the account holder along with duration.</a:t>
+              <a:t>The first rule still holds true but now we can think about adding new rule layers.</a:t>
             </a:r>
           </a:p>
         </p:txBody>
       </p:sp>
       <p:pic>
         <p:nvPicPr>
-          <p:cNvPr id="8" name="Picture 7">
-            <a:extLst>
-              <a:ext uri="{FF2B5EF4-FFF2-40B4-BE49-F238E27FC236}">
-                <a16:creationId xmlns:a16="http://schemas.microsoft.com/office/drawing/2014/main" id="{D88FFCAB-38DE-4B0E-8833-B1A9A01204CB}"/>
+          <p:cNvPr id="6" name="Picture 5">
+            <a:extLst>
+              <a:ext uri="{FF2B5EF4-FFF2-40B4-BE49-F238E27FC236}">
+                <a16:creationId xmlns:a16="http://schemas.microsoft.com/office/drawing/2014/main" id="{1EB25238-1F16-4E1D-867A-F77459962D2D}"/>
               </a:ext>
             </a:extLst>
           </p:cNvPr>
@@ -5430,15 +5394,15 @@
           <p:nvPr/>
         </p:nvPicPr>
         <p:blipFill>
-          <a:blip r:embed="rId3"/>
+          <a:blip r:embed="rId2"/>
           <a:stretch>
             <a:fillRect/>
           </a:stretch>
         </p:blipFill>
         <p:spPr>
           <a:xfrm>
-            <a:off x="2070480" y="1072099"/>
-            <a:ext cx="5003041" cy="4713803"/>
+            <a:off x="2133600" y="1134620"/>
+            <a:ext cx="4996224" cy="4730384"/>
           </a:xfrm>
           <a:prstGeom prst="rect">
             <a:avLst/>
@@ -5447,10 +5411,10 @@
       </p:pic>
       <p:sp>
         <p:nvSpPr>
-          <p:cNvPr id="6" name="Footer Placeholder 4">
-            <a:extLst>
-              <a:ext uri="{FF2B5EF4-FFF2-40B4-BE49-F238E27FC236}">
-                <a16:creationId xmlns:a16="http://schemas.microsoft.com/office/drawing/2014/main" id="{26D2C7BC-8767-69B7-5D94-6BD5E609E5A8}"/>
+          <p:cNvPr id="8" name="Footer Placeholder 4">
+            <a:extLst>
+              <a:ext uri="{FF2B5EF4-FFF2-40B4-BE49-F238E27FC236}">
+                <a16:creationId xmlns:a16="http://schemas.microsoft.com/office/drawing/2014/main" id="{83C2E4C9-630F-D6F6-450D-1A4A5DA3CA16}"/>
               </a:ext>
             </a:extLst>
           </p:cNvPr>
@@ -5494,7 +5458,7 @@
     </p:spTree>
     <p:extLst>
       <p:ext uri="{BB962C8B-B14F-4D97-AF65-F5344CB8AC3E}">
-        <p14:creationId xmlns:p14="http://schemas.microsoft.com/office/powerpoint/2010/main" val="2579077671"/>
+        <p14:creationId xmlns:p14="http://schemas.microsoft.com/office/powerpoint/2010/main" val="2429416831"/>
       </p:ext>
     </p:extLst>
   </p:cSld>
@@ -5573,7 +5537,7 @@
           <a:p>
             <a:r>
               <a:rPr lang="en-US" dirty="0"/>
-              <a:t>With the rule duration  &gt; 635</a:t>
+              <a:t>New Rule</a:t>
             </a:r>
           </a:p>
         </p:txBody>
@@ -5621,7 +5585,7 @@
         </p:nvSpPr>
         <p:spPr>
           <a:xfrm>
-            <a:off x="304799" y="5901397"/>
+            <a:off x="304799" y="5715000"/>
             <a:ext cx="8729545" cy="424423"/>
           </a:xfrm>
           <a:prstGeom prst="rect">
@@ -5723,17 +5687,17 @@
           <a:p>
             <a:r>
               <a:rPr lang="en-US" i="0" dirty="0"/>
-              <a:t>The first rule still holds true but now we can think about adding new rule layers.</a:t>
+              <a:t>In this toy example, we can add another rule stating age &gt; 68 to capture another positive response and create another rule.</a:t>
             </a:r>
           </a:p>
         </p:txBody>
       </p:sp>
       <p:pic>
         <p:nvPicPr>
-          <p:cNvPr id="6" name="Picture 5">
-            <a:extLst>
-              <a:ext uri="{FF2B5EF4-FFF2-40B4-BE49-F238E27FC236}">
-                <a16:creationId xmlns:a16="http://schemas.microsoft.com/office/drawing/2014/main" id="{1EB25238-1F16-4E1D-867A-F77459962D2D}"/>
+          <p:cNvPr id="8" name="Picture 7">
+            <a:extLst>
+              <a:ext uri="{FF2B5EF4-FFF2-40B4-BE49-F238E27FC236}">
+                <a16:creationId xmlns:a16="http://schemas.microsoft.com/office/drawing/2014/main" id="{7FEE7041-264E-43DB-8F61-D0FE99012EA3}"/>
               </a:ext>
             </a:extLst>
           </p:cNvPr>
@@ -5750,8 +5714,8 @@
         </p:blipFill>
         <p:spPr>
           <a:xfrm>
-            <a:off x="2133600" y="1134620"/>
-            <a:ext cx="4996224" cy="4730384"/>
+            <a:off x="2276415" y="1150203"/>
+            <a:ext cx="4786312" cy="4545869"/>
           </a:xfrm>
           <a:prstGeom prst="rect">
             <a:avLst/>
@@ -5760,10 +5724,148 @@
       </p:pic>
       <p:sp>
         <p:nvSpPr>
-          <p:cNvPr id="8" name="Footer Placeholder 4">
-            <a:extLst>
-              <a:ext uri="{FF2B5EF4-FFF2-40B4-BE49-F238E27FC236}">
-                <a16:creationId xmlns:a16="http://schemas.microsoft.com/office/drawing/2014/main" id="{83C2E4C9-630F-D6F6-450D-1A4A5DA3CA16}"/>
+          <p:cNvPr id="9" name="Rectangle 8">
+            <a:extLst>
+              <a:ext uri="{FF2B5EF4-FFF2-40B4-BE49-F238E27FC236}">
+                <a16:creationId xmlns:a16="http://schemas.microsoft.com/office/drawing/2014/main" id="{EF1D419C-169A-402D-9D6B-1B0FC587F385}"/>
+              </a:ext>
+            </a:extLst>
+          </p:cNvPr>
+          <p:cNvSpPr/>
+          <p:nvPr/>
+        </p:nvSpPr>
+        <p:spPr>
+          <a:xfrm>
+            <a:off x="7100271" y="1981200"/>
+            <a:ext cx="1934073" cy="838200"/>
+          </a:xfrm>
+          <a:prstGeom prst="rect">
+            <a:avLst/>
+          </a:prstGeom>
+          <a:solidFill>
+            <a:schemeClr val="accent5"/>
+          </a:solidFill>
+          <a:ln>
+            <a:noFill/>
+          </a:ln>
+        </p:spPr>
+        <p:style>
+          <a:lnRef idx="2">
+            <a:schemeClr val="accent1">
+              <a:shade val="50000"/>
+            </a:schemeClr>
+          </a:lnRef>
+          <a:fillRef idx="1">
+            <a:schemeClr val="accent1"/>
+          </a:fillRef>
+          <a:effectRef idx="0">
+            <a:schemeClr val="accent1"/>
+          </a:effectRef>
+          <a:fontRef idx="minor">
+            <a:schemeClr val="lt1"/>
+          </a:fontRef>
+        </p:style>
+        <p:txBody>
+          <a:bodyPr rtlCol="0" anchor="ctr"/>
+          <a:lstStyle/>
+          <a:p>
+            <a:pPr marL="117475" indent="-117475">
+              <a:buFont typeface="Arial" panose="020B0604020202020204" pitchFamily="34" charset="0"/>
+              <a:buChar char="•"/>
+            </a:pPr>
+            <a:r>
+              <a:rPr lang="en-US" sz="1200" dirty="0">
+                <a:solidFill>
+                  <a:schemeClr val="tx1"/>
+                </a:solidFill>
+              </a:rPr>
+              <a:t>Purity of split “A”= 6 accepted among 8 offers</a:t>
+            </a:r>
+          </a:p>
+          <a:p>
+            <a:pPr marL="117475" indent="-117475">
+              <a:buFont typeface="Arial" panose="020B0604020202020204" pitchFamily="34" charset="0"/>
+              <a:buChar char="•"/>
+            </a:pPr>
+            <a:r>
+              <a:rPr lang="en-US" sz="1200" dirty="0">
+                <a:solidFill>
+                  <a:schemeClr val="tx1"/>
+                </a:solidFill>
+              </a:rPr>
+              <a:t>Purity of split “B” = 1 of 1 </a:t>
+            </a:r>
+          </a:p>
+        </p:txBody>
+      </p:sp>
+      <p:sp>
+        <p:nvSpPr>
+          <p:cNvPr id="6" name="TextBox 5"/>
+          <p:cNvSpPr txBox="1"/>
+          <p:nvPr/>
+        </p:nvSpPr>
+        <p:spPr>
+          <a:xfrm>
+            <a:off x="4214813" y="1371600"/>
+            <a:ext cx="317716" cy="369332"/>
+          </a:xfrm>
+          <a:prstGeom prst="rect">
+            <a:avLst/>
+          </a:prstGeom>
+          <a:solidFill>
+            <a:schemeClr val="bg2"/>
+          </a:solidFill>
+        </p:spPr>
+        <p:txBody>
+          <a:bodyPr wrap="none" rtlCol="0">
+            <a:spAutoFit/>
+          </a:bodyPr>
+          <a:lstStyle/>
+          <a:p>
+            <a:r>
+              <a:rPr lang="en-US" dirty="0"/>
+              <a:t>A</a:t>
+            </a:r>
+          </a:p>
+        </p:txBody>
+      </p:sp>
+      <p:sp>
+        <p:nvSpPr>
+          <p:cNvPr id="10" name="TextBox 9"/>
+          <p:cNvSpPr txBox="1"/>
+          <p:nvPr/>
+        </p:nvSpPr>
+        <p:spPr>
+          <a:xfrm>
+            <a:off x="2724150" y="1838325"/>
+            <a:ext cx="309700" cy="369332"/>
+          </a:xfrm>
+          <a:prstGeom prst="rect">
+            <a:avLst/>
+          </a:prstGeom>
+          <a:solidFill>
+            <a:schemeClr val="bg2"/>
+          </a:solidFill>
+        </p:spPr>
+        <p:txBody>
+          <a:bodyPr wrap="none" rtlCol="0">
+            <a:spAutoFit/>
+          </a:bodyPr>
+          <a:lstStyle/>
+          <a:p>
+            <a:r>
+              <a:rPr lang="en-US" dirty="0"/>
+              <a:t>B</a:t>
+            </a:r>
+          </a:p>
+        </p:txBody>
+      </p:sp>
+      <p:sp>
+        <p:nvSpPr>
+          <p:cNvPr id="11" name="Footer Placeholder 4">
+            <a:extLst>
+              <a:ext uri="{FF2B5EF4-FFF2-40B4-BE49-F238E27FC236}">
+                <a16:creationId xmlns:a16="http://schemas.microsoft.com/office/drawing/2014/main" id="{58BF99DE-CE31-8365-7960-9C6A05358AA4}"/>
               </a:ext>
             </a:extLst>
           </p:cNvPr>
@@ -5807,7 +5909,7 @@
     </p:spTree>
     <p:extLst>
       <p:ext uri="{BB962C8B-B14F-4D97-AF65-F5344CB8AC3E}">
-        <p14:creationId xmlns:p14="http://schemas.microsoft.com/office/powerpoint/2010/main" val="2429416831"/>
+        <p14:creationId xmlns:p14="http://schemas.microsoft.com/office/powerpoint/2010/main" val="1662524954"/>
       </p:ext>
     </p:extLst>
   </p:cSld>
@@ -5839,7 +5941,7 @@
           <p:cNvPr id="2" name="Date Placeholder 1">
             <a:extLst>
               <a:ext uri="{FF2B5EF4-FFF2-40B4-BE49-F238E27FC236}">
-                <a16:creationId xmlns:a16="http://schemas.microsoft.com/office/drawing/2014/main" id="{FC1E04CA-2A57-4713-853C-788369A13485}"/>
+                <a16:creationId xmlns:a16="http://schemas.microsoft.com/office/drawing/2014/main" id="{74C6B2BB-1B0F-4469-9AFE-88BDEA233451}"/>
               </a:ext>
             </a:extLst>
           </p:cNvPr>
@@ -5855,7 +5957,7 @@
           <a:bodyPr/>
           <a:lstStyle/>
           <a:p>
-            <a:fld id="{6700A58B-DD98-43D0-B791-721480A02982}" type="datetime1">
+            <a:fld id="{7DB6E382-4F61-4E24-BE1A-377EC83D0E3A}" type="datetime1">
               <a:rPr lang="en-US" smtClean="0"/>
               <a:t>3/12/23</a:t>
             </a:fld>
@@ -5865,38 +5967,10 @@
       </p:sp>
       <p:sp>
         <p:nvSpPr>
-          <p:cNvPr id="3" name="Title 2">
-            <a:extLst>
-              <a:ext uri="{FF2B5EF4-FFF2-40B4-BE49-F238E27FC236}">
-                <a16:creationId xmlns:a16="http://schemas.microsoft.com/office/drawing/2014/main" id="{5076A9AB-36A3-4EEE-BABE-564991106A82}"/>
-              </a:ext>
-            </a:extLst>
-          </p:cNvPr>
-          <p:cNvSpPr>
-            <a:spLocks noGrp="1"/>
-          </p:cNvSpPr>
-          <p:nvPr>
-            <p:ph type="title"/>
-          </p:nvPr>
-        </p:nvSpPr>
-        <p:spPr/>
-        <p:txBody>
-          <a:bodyPr/>
-          <a:lstStyle/>
-          <a:p>
-            <a:r>
-              <a:rPr lang="en-US" dirty="0"/>
-              <a:t>New Rule</a:t>
-            </a:r>
-          </a:p>
-        </p:txBody>
-      </p:sp>
-      <p:sp>
-        <p:nvSpPr>
-          <p:cNvPr id="4" name="Slide Number Placeholder 3">
-            <a:extLst>
-              <a:ext uri="{FF2B5EF4-FFF2-40B4-BE49-F238E27FC236}">
-                <a16:creationId xmlns:a16="http://schemas.microsoft.com/office/drawing/2014/main" id="{3AA16FB6-4158-4A32-8D9D-2F3422374E78}"/>
+          <p:cNvPr id="3" name="Slide Number Placeholder 2">
+            <a:extLst>
+              <a:ext uri="{FF2B5EF4-FFF2-40B4-BE49-F238E27FC236}">
+                <a16:creationId xmlns:a16="http://schemas.microsoft.com/office/drawing/2014/main" id="{3D0C8680-CB2B-43D3-8BC1-B6B666E89CA2}"/>
               </a:ext>
             </a:extLst>
           </p:cNvPr>
@@ -5920,12 +5994,119 @@
           </a:p>
         </p:txBody>
       </p:sp>
+      <p:pic>
+        <p:nvPicPr>
+          <p:cNvPr id="11266" name="Picture 2" descr="Image result for plinko">
+            <a:extLst>
+              <a:ext uri="{FF2B5EF4-FFF2-40B4-BE49-F238E27FC236}">
+                <a16:creationId xmlns:a16="http://schemas.microsoft.com/office/drawing/2014/main" id="{009DA161-9D27-45C3-A99C-439118BE34A4}"/>
+              </a:ext>
+            </a:extLst>
+          </p:cNvPr>
+          <p:cNvPicPr>
+            <a:picLocks noChangeAspect="1" noChangeArrowheads="1"/>
+          </p:cNvPicPr>
+          <p:nvPr/>
+        </p:nvPicPr>
+        <p:blipFill>
+          <a:blip r:embed="rId2">
+            <a:extLst>
+              <a:ext uri="{28A0092B-C50C-407E-A947-70E740481C1C}">
+                <a14:useLocalDpi xmlns:a14="http://schemas.microsoft.com/office/drawing/2010/main" val="0"/>
+              </a:ext>
+            </a:extLst>
+          </a:blip>
+          <a:srcRect/>
+          <a:stretch>
+            <a:fillRect/>
+          </a:stretch>
+        </p:blipFill>
+        <p:spPr bwMode="auto">
+          <a:xfrm>
+            <a:off x="859899" y="1337850"/>
+            <a:ext cx="7424202" cy="4182300"/>
+          </a:xfrm>
+          <a:prstGeom prst="rect">
+            <a:avLst/>
+          </a:prstGeom>
+          <a:noFill/>
+          <a:extLst>
+            <a:ext uri="{909E8E84-426E-40DD-AFC4-6F175D3DCCD1}">
+              <a14:hiddenFill xmlns:a14="http://schemas.microsoft.com/office/drawing/2010/main">
+                <a:solidFill>
+                  <a:srgbClr val="FFFFFF"/>
+                </a:solidFill>
+              </a14:hiddenFill>
+            </a:ext>
+          </a:extLst>
+        </p:spPr>
+      </p:pic>
+      <p:sp>
+        <p:nvSpPr>
+          <p:cNvPr id="6" name="Title 2">
+            <a:extLst>
+              <a:ext uri="{FF2B5EF4-FFF2-40B4-BE49-F238E27FC236}">
+                <a16:creationId xmlns:a16="http://schemas.microsoft.com/office/drawing/2014/main" id="{55AFAFAA-8BE0-4720-B383-5B0D99774A7C}"/>
+              </a:ext>
+            </a:extLst>
+          </p:cNvPr>
+          <p:cNvSpPr txBox="1">
+            <a:spLocks/>
+          </p:cNvSpPr>
+          <p:nvPr/>
+        </p:nvSpPr>
+        <p:spPr>
+          <a:xfrm>
+            <a:off x="628650" y="365126"/>
+            <a:ext cx="7886700" cy="591477"/>
+          </a:xfrm>
+          <a:prstGeom prst="rect">
+            <a:avLst/>
+          </a:prstGeom>
+        </p:spPr>
+        <p:txBody>
+          <a:bodyPr/>
+          <a:lstStyle>
+            <a:lvl1pPr algn="l" defTabSz="685800" rtl="0" eaLnBrk="1" latinLnBrk="0" hangingPunct="1">
+              <a:lnSpc>
+                <a:spcPct val="90000"/>
+              </a:lnSpc>
+              <a:spcBef>
+                <a:spcPct val="0"/>
+              </a:spcBef>
+              <a:buNone/>
+              <a:defRPr sz="3300" kern="1200">
+                <a:solidFill>
+                  <a:schemeClr val="tx1"/>
+                </a:solidFill>
+                <a:latin typeface="+mj-lt"/>
+                <a:ea typeface="+mj-ea"/>
+                <a:cs typeface="+mj-cs"/>
+              </a:defRPr>
+            </a:lvl1pPr>
+          </a:lstStyle>
+          <a:p>
+            <a:r>
+              <a:rPr lang="en-US" dirty="0"/>
+              <a:t>Our rule set is like </a:t>
+            </a:r>
+            <a:r>
+              <a:rPr lang="en-US" dirty="0" err="1"/>
+              <a:t>Plinko</a:t>
+            </a:r>
+            <a:r>
+              <a:rPr lang="en-US" dirty="0"/>
+              <a:t>!</a:t>
+            </a:r>
+          </a:p>
+        </p:txBody>
+      </p:sp>
       <p:sp>
         <p:nvSpPr>
           <p:cNvPr id="7" name="TextBox 6">
             <a:extLst>
               <a:ext uri="{FF2B5EF4-FFF2-40B4-BE49-F238E27FC236}">
-                <a16:creationId xmlns:a16="http://schemas.microsoft.com/office/drawing/2014/main" id="{0609B832-5D0A-4804-B6E6-D6F066F912D5}"/>
+                <a16:creationId xmlns:a16="http://schemas.microsoft.com/office/drawing/2014/main" id="{1106C54C-7155-4B9F-B808-185C8ACD5EA5}"/>
               </a:ext>
             </a:extLst>
           </p:cNvPr>
@@ -6036,185 +6217,17 @@
           <a:p>
             <a:r>
               <a:rPr lang="en-US" i="0" dirty="0"/>
-              <a:t>In this toy example, we can add another rule stating age &gt; 68 to capture another positive response and create another rule.</a:t>
-            </a:r>
-          </a:p>
-        </p:txBody>
-      </p:sp>
-      <p:pic>
-        <p:nvPicPr>
-          <p:cNvPr id="8" name="Picture 7">
-            <a:extLst>
-              <a:ext uri="{FF2B5EF4-FFF2-40B4-BE49-F238E27FC236}">
-                <a16:creationId xmlns:a16="http://schemas.microsoft.com/office/drawing/2014/main" id="{7FEE7041-264E-43DB-8F61-D0FE99012EA3}"/>
-              </a:ext>
-            </a:extLst>
-          </p:cNvPr>
-          <p:cNvPicPr>
-            <a:picLocks noChangeAspect="1"/>
-          </p:cNvPicPr>
-          <p:nvPr/>
-        </p:nvPicPr>
-        <p:blipFill>
-          <a:blip r:embed="rId2"/>
-          <a:stretch>
-            <a:fillRect/>
-          </a:stretch>
-        </p:blipFill>
-        <p:spPr>
-          <a:xfrm>
-            <a:off x="2276415" y="1150203"/>
-            <a:ext cx="4786312" cy="4545869"/>
-          </a:xfrm>
-          <a:prstGeom prst="rect">
-            <a:avLst/>
-          </a:prstGeom>
-        </p:spPr>
-      </p:pic>
-      <p:sp>
-        <p:nvSpPr>
-          <p:cNvPr id="9" name="Rectangle 8">
-            <a:extLst>
-              <a:ext uri="{FF2B5EF4-FFF2-40B4-BE49-F238E27FC236}">
-                <a16:creationId xmlns:a16="http://schemas.microsoft.com/office/drawing/2014/main" id="{EF1D419C-169A-402D-9D6B-1B0FC587F385}"/>
-              </a:ext>
-            </a:extLst>
-          </p:cNvPr>
-          <p:cNvSpPr/>
-          <p:nvPr/>
-        </p:nvSpPr>
-        <p:spPr>
-          <a:xfrm>
-            <a:off x="7100271" y="1981200"/>
-            <a:ext cx="1934073" cy="838200"/>
-          </a:xfrm>
-          <a:prstGeom prst="rect">
-            <a:avLst/>
-          </a:prstGeom>
-          <a:solidFill>
-            <a:schemeClr val="accent5"/>
-          </a:solidFill>
-          <a:ln>
-            <a:noFill/>
-          </a:ln>
-        </p:spPr>
-        <p:style>
-          <a:lnRef idx="2">
-            <a:schemeClr val="accent1">
-              <a:shade val="50000"/>
-            </a:schemeClr>
-          </a:lnRef>
-          <a:fillRef idx="1">
-            <a:schemeClr val="accent1"/>
-          </a:fillRef>
-          <a:effectRef idx="0">
-            <a:schemeClr val="accent1"/>
-          </a:effectRef>
-          <a:fontRef idx="minor">
-            <a:schemeClr val="lt1"/>
-          </a:fontRef>
-        </p:style>
-        <p:txBody>
-          <a:bodyPr rtlCol="0" anchor="ctr"/>
-          <a:lstStyle/>
-          <a:p>
-            <a:pPr marL="117475" indent="-117475">
-              <a:buFont typeface="Arial" panose="020B0604020202020204" pitchFamily="34" charset="0"/>
-              <a:buChar char="•"/>
-            </a:pPr>
-            <a:r>
-              <a:rPr lang="en-US" sz="1200" dirty="0">
-                <a:solidFill>
-                  <a:schemeClr val="tx1"/>
-                </a:solidFill>
-              </a:rPr>
-              <a:t>Purity of split “A”= 6 accepted among 8 offers</a:t>
-            </a:r>
-          </a:p>
-          <a:p>
-            <a:pPr marL="117475" indent="-117475">
-              <a:buFont typeface="Arial" panose="020B0604020202020204" pitchFamily="34" charset="0"/>
-              <a:buChar char="•"/>
-            </a:pPr>
-            <a:r>
-              <a:rPr lang="en-US" sz="1200" dirty="0">
-                <a:solidFill>
-                  <a:schemeClr val="tx1"/>
-                </a:solidFill>
-              </a:rPr>
-              <a:t>Purity of split “B” = 1 of 1 </a:t>
-            </a:r>
-          </a:p>
-        </p:txBody>
-      </p:sp>
-      <p:sp>
-        <p:nvSpPr>
-          <p:cNvPr id="6" name="TextBox 5"/>
-          <p:cNvSpPr txBox="1"/>
-          <p:nvPr/>
-        </p:nvSpPr>
-        <p:spPr>
-          <a:xfrm>
-            <a:off x="4214813" y="1371600"/>
-            <a:ext cx="317716" cy="369332"/>
-          </a:xfrm>
-          <a:prstGeom prst="rect">
-            <a:avLst/>
-          </a:prstGeom>
-          <a:solidFill>
-            <a:schemeClr val="bg2"/>
-          </a:solidFill>
-        </p:spPr>
-        <p:txBody>
-          <a:bodyPr wrap="none" rtlCol="0">
-            <a:spAutoFit/>
-          </a:bodyPr>
-          <a:lstStyle/>
-          <a:p>
-            <a:r>
-              <a:rPr lang="en-US" dirty="0"/>
-              <a:t>A</a:t>
-            </a:r>
-          </a:p>
-        </p:txBody>
-      </p:sp>
-      <p:sp>
-        <p:nvSpPr>
-          <p:cNvPr id="10" name="TextBox 9"/>
-          <p:cNvSpPr txBox="1"/>
-          <p:nvPr/>
-        </p:nvSpPr>
-        <p:spPr>
-          <a:xfrm>
-            <a:off x="2724150" y="1838325"/>
-            <a:ext cx="309700" cy="369332"/>
-          </a:xfrm>
-          <a:prstGeom prst="rect">
-            <a:avLst/>
-          </a:prstGeom>
-          <a:solidFill>
-            <a:schemeClr val="bg2"/>
-          </a:solidFill>
-        </p:spPr>
-        <p:txBody>
-          <a:bodyPr wrap="none" rtlCol="0">
-            <a:spAutoFit/>
-          </a:bodyPr>
-          <a:lstStyle/>
-          <a:p>
-            <a:r>
-              <a:rPr lang="en-US" dirty="0"/>
-              <a:t>B</a:t>
-            </a:r>
-          </a:p>
-        </p:txBody>
-      </p:sp>
-      <p:sp>
-        <p:nvSpPr>
-          <p:cNvPr id="11" name="Footer Placeholder 4">
-            <a:extLst>
-              <a:ext uri="{FF2B5EF4-FFF2-40B4-BE49-F238E27FC236}">
-                <a16:creationId xmlns:a16="http://schemas.microsoft.com/office/drawing/2014/main" id="{58BF99DE-CE31-8365-7960-9C6A05358AA4}"/>
+              <a:t>With our rule tree we can score a new potential customer to call.</a:t>
+            </a:r>
+          </a:p>
+        </p:txBody>
+      </p:sp>
+      <p:sp>
+        <p:nvSpPr>
+          <p:cNvPr id="5" name="Footer Placeholder 4">
+            <a:extLst>
+              <a:ext uri="{FF2B5EF4-FFF2-40B4-BE49-F238E27FC236}">
+                <a16:creationId xmlns:a16="http://schemas.microsoft.com/office/drawing/2014/main" id="{03429E1D-C665-D873-E0B5-DFBB32EF3B4D}"/>
               </a:ext>
             </a:extLst>
           </p:cNvPr>
@@ -6258,7 +6271,7 @@
     </p:spTree>
     <p:extLst>
       <p:ext uri="{BB962C8B-B14F-4D97-AF65-F5344CB8AC3E}">
-        <p14:creationId xmlns:p14="http://schemas.microsoft.com/office/powerpoint/2010/main" val="1662524954"/>
+        <p14:creationId xmlns:p14="http://schemas.microsoft.com/office/powerpoint/2010/main" val="4104884691"/>
       </p:ext>
     </p:extLst>
   </p:cSld>
@@ -6290,7 +6303,7 @@
           <p:cNvPr id="2" name="Date Placeholder 1">
             <a:extLst>
               <a:ext uri="{FF2B5EF4-FFF2-40B4-BE49-F238E27FC236}">
-                <a16:creationId xmlns:a16="http://schemas.microsoft.com/office/drawing/2014/main" id="{74C6B2BB-1B0F-4469-9AFE-88BDEA233451}"/>
+                <a16:creationId xmlns:a16="http://schemas.microsoft.com/office/drawing/2014/main" id="{231DB28B-F86F-49C3-9E90-BBA54DEB762A}"/>
               </a:ext>
             </a:extLst>
           </p:cNvPr>
@@ -6306,7 +6319,7 @@
           <a:bodyPr/>
           <a:lstStyle/>
           <a:p>
-            <a:fld id="{7DB6E382-4F61-4E24-BE1A-377EC83D0E3A}" type="datetime1">
+            <a:fld id="{6700A58B-DD98-43D0-B791-721480A02982}" type="datetime1">
               <a:rPr lang="en-US" smtClean="0"/>
               <a:t>3/12/23</a:t>
             </a:fld>
@@ -6316,10 +6329,38 @@
       </p:sp>
       <p:sp>
         <p:nvSpPr>
-          <p:cNvPr id="3" name="Slide Number Placeholder 2">
-            <a:extLst>
-              <a:ext uri="{FF2B5EF4-FFF2-40B4-BE49-F238E27FC236}">
-                <a16:creationId xmlns:a16="http://schemas.microsoft.com/office/drawing/2014/main" id="{3D0C8680-CB2B-43D3-8BC1-B6B666E89CA2}"/>
+          <p:cNvPr id="3" name="Title 2">
+            <a:extLst>
+              <a:ext uri="{FF2B5EF4-FFF2-40B4-BE49-F238E27FC236}">
+                <a16:creationId xmlns:a16="http://schemas.microsoft.com/office/drawing/2014/main" id="{B10DF302-8836-406C-93BA-FC26714BD6C5}"/>
+              </a:ext>
+            </a:extLst>
+          </p:cNvPr>
+          <p:cNvSpPr>
+            <a:spLocks noGrp="1"/>
+          </p:cNvSpPr>
+          <p:nvPr>
+            <p:ph type="title"/>
+          </p:nvPr>
+        </p:nvSpPr>
+        <p:spPr/>
+        <p:txBody>
+          <a:bodyPr/>
+          <a:lstStyle/>
+          <a:p>
+            <a:r>
+              <a:rPr lang="en-US" dirty="0"/>
+              <a:t>2 Rule Tree</a:t>
+            </a:r>
+          </a:p>
+        </p:txBody>
+      </p:sp>
+      <p:sp>
+        <p:nvSpPr>
+          <p:cNvPr id="4" name="Slide Number Placeholder 3">
+            <a:extLst>
+              <a:ext uri="{FF2B5EF4-FFF2-40B4-BE49-F238E27FC236}">
+                <a16:creationId xmlns:a16="http://schemas.microsoft.com/office/drawing/2014/main" id="{C1A7BFED-0798-47F8-9058-CB0D619631DA}"/>
               </a:ext>
             </a:extLst>
           </p:cNvPr>
@@ -6338,396 +6379,6 @@
             <a:fld id="{37290FF7-652B-4475-AEAB-8B1A5D23AE09}" type="slidenum">
               <a:rPr lang="en-US" smtClean="0"/>
               <a:t>15</a:t>
-            </a:fld>
-            <a:endParaRPr lang="en-US"/>
-          </a:p>
-        </p:txBody>
-      </p:sp>
-      <p:pic>
-        <p:nvPicPr>
-          <p:cNvPr id="11266" name="Picture 2" descr="Image result for plinko">
-            <a:extLst>
-              <a:ext uri="{FF2B5EF4-FFF2-40B4-BE49-F238E27FC236}">
-                <a16:creationId xmlns:a16="http://schemas.microsoft.com/office/drawing/2014/main" id="{009DA161-9D27-45C3-A99C-439118BE34A4}"/>
-              </a:ext>
-            </a:extLst>
-          </p:cNvPr>
-          <p:cNvPicPr>
-            <a:picLocks noChangeAspect="1" noChangeArrowheads="1"/>
-          </p:cNvPicPr>
-          <p:nvPr/>
-        </p:nvPicPr>
-        <p:blipFill>
-          <a:blip r:embed="rId2">
-            <a:extLst>
-              <a:ext uri="{28A0092B-C50C-407E-A947-70E740481C1C}">
-                <a14:useLocalDpi xmlns:a14="http://schemas.microsoft.com/office/drawing/2010/main" val="0"/>
-              </a:ext>
-            </a:extLst>
-          </a:blip>
-          <a:srcRect/>
-          <a:stretch>
-            <a:fillRect/>
-          </a:stretch>
-        </p:blipFill>
-        <p:spPr bwMode="auto">
-          <a:xfrm>
-            <a:off x="859899" y="1337850"/>
-            <a:ext cx="7424202" cy="4182300"/>
-          </a:xfrm>
-          <a:prstGeom prst="rect">
-            <a:avLst/>
-          </a:prstGeom>
-          <a:noFill/>
-          <a:extLst>
-            <a:ext uri="{909E8E84-426E-40DD-AFC4-6F175D3DCCD1}">
-              <a14:hiddenFill xmlns:a14="http://schemas.microsoft.com/office/drawing/2010/main">
-                <a:solidFill>
-                  <a:srgbClr val="FFFFFF"/>
-                </a:solidFill>
-              </a14:hiddenFill>
-            </a:ext>
-          </a:extLst>
-        </p:spPr>
-      </p:pic>
-      <p:sp>
-        <p:nvSpPr>
-          <p:cNvPr id="6" name="Title 2">
-            <a:extLst>
-              <a:ext uri="{FF2B5EF4-FFF2-40B4-BE49-F238E27FC236}">
-                <a16:creationId xmlns:a16="http://schemas.microsoft.com/office/drawing/2014/main" id="{55AFAFAA-8BE0-4720-B383-5B0D99774A7C}"/>
-              </a:ext>
-            </a:extLst>
-          </p:cNvPr>
-          <p:cNvSpPr txBox="1">
-            <a:spLocks/>
-          </p:cNvSpPr>
-          <p:nvPr/>
-        </p:nvSpPr>
-        <p:spPr>
-          <a:xfrm>
-            <a:off x="628650" y="365126"/>
-            <a:ext cx="7886700" cy="591477"/>
-          </a:xfrm>
-          <a:prstGeom prst="rect">
-            <a:avLst/>
-          </a:prstGeom>
-        </p:spPr>
-        <p:txBody>
-          <a:bodyPr/>
-          <a:lstStyle>
-            <a:lvl1pPr algn="l" defTabSz="685800" rtl="0" eaLnBrk="1" latinLnBrk="0" hangingPunct="1">
-              <a:lnSpc>
-                <a:spcPct val="90000"/>
-              </a:lnSpc>
-              <a:spcBef>
-                <a:spcPct val="0"/>
-              </a:spcBef>
-              <a:buNone/>
-              <a:defRPr sz="3300" kern="1200">
-                <a:solidFill>
-                  <a:schemeClr val="tx1"/>
-                </a:solidFill>
-                <a:latin typeface="+mj-lt"/>
-                <a:ea typeface="+mj-ea"/>
-                <a:cs typeface="+mj-cs"/>
-              </a:defRPr>
-            </a:lvl1pPr>
-          </a:lstStyle>
-          <a:p>
-            <a:r>
-              <a:rPr lang="en-US" dirty="0"/>
-              <a:t>Our rule set is like </a:t>
-            </a:r>
-            <a:r>
-              <a:rPr lang="en-US" dirty="0" err="1"/>
-              <a:t>Plinko</a:t>
-            </a:r>
-            <a:r>
-              <a:rPr lang="en-US" dirty="0"/>
-              <a:t>!</a:t>
-            </a:r>
-          </a:p>
-        </p:txBody>
-      </p:sp>
-      <p:sp>
-        <p:nvSpPr>
-          <p:cNvPr id="7" name="TextBox 6">
-            <a:extLst>
-              <a:ext uri="{FF2B5EF4-FFF2-40B4-BE49-F238E27FC236}">
-                <a16:creationId xmlns:a16="http://schemas.microsoft.com/office/drawing/2014/main" id="{1106C54C-7155-4B9F-B808-185C8ACD5EA5}"/>
-              </a:ext>
-            </a:extLst>
-          </p:cNvPr>
-          <p:cNvSpPr txBox="1"/>
-          <p:nvPr/>
-        </p:nvSpPr>
-        <p:spPr>
-          <a:xfrm>
-            <a:off x="304799" y="5715000"/>
-            <a:ext cx="8729545" cy="424423"/>
-          </a:xfrm>
-          <a:prstGeom prst="rect">
-            <a:avLst/>
-          </a:prstGeom>
-          <a:solidFill>
-            <a:schemeClr val="accent3"/>
-          </a:solidFill>
-          <a:ln>
-            <a:noFill/>
-          </a:ln>
-        </p:spPr>
-        <p:style>
-          <a:lnRef idx="2">
-            <a:schemeClr val="accent1">
-              <a:shade val="50000"/>
-            </a:schemeClr>
-          </a:lnRef>
-          <a:fillRef idx="1">
-            <a:schemeClr val="accent1"/>
-          </a:fillRef>
-          <a:effectRef idx="0">
-            <a:schemeClr val="accent1"/>
-          </a:effectRef>
-          <a:fontRef idx="minor">
-            <a:schemeClr val="lt1"/>
-          </a:fontRef>
-        </p:style>
-        <p:txBody>
-          <a:bodyPr rtlCol="0" anchor="ctr"/>
-          <a:lstStyle>
-            <a:defPPr>
-              <a:defRPr lang="en-US"/>
-            </a:defPPr>
-            <a:lvl1pPr algn="ctr">
-              <a:defRPr sz="1400" i="1">
-                <a:solidFill>
-                  <a:schemeClr val="lt1"/>
-                </a:solidFill>
-              </a:defRPr>
-            </a:lvl1pPr>
-            <a:lvl2pPr>
-              <a:defRPr>
-                <a:solidFill>
-                  <a:schemeClr val="lt1"/>
-                </a:solidFill>
-              </a:defRPr>
-            </a:lvl2pPr>
-            <a:lvl3pPr>
-              <a:defRPr>
-                <a:solidFill>
-                  <a:schemeClr val="lt1"/>
-                </a:solidFill>
-              </a:defRPr>
-            </a:lvl3pPr>
-            <a:lvl4pPr>
-              <a:defRPr>
-                <a:solidFill>
-                  <a:schemeClr val="lt1"/>
-                </a:solidFill>
-              </a:defRPr>
-            </a:lvl4pPr>
-            <a:lvl5pPr>
-              <a:defRPr>
-                <a:solidFill>
-                  <a:schemeClr val="lt1"/>
-                </a:solidFill>
-              </a:defRPr>
-            </a:lvl5pPr>
-            <a:lvl6pPr>
-              <a:defRPr>
-                <a:solidFill>
-                  <a:schemeClr val="lt1"/>
-                </a:solidFill>
-              </a:defRPr>
-            </a:lvl6pPr>
-            <a:lvl7pPr>
-              <a:defRPr>
-                <a:solidFill>
-                  <a:schemeClr val="lt1"/>
-                </a:solidFill>
-              </a:defRPr>
-            </a:lvl7pPr>
-            <a:lvl8pPr>
-              <a:defRPr>
-                <a:solidFill>
-                  <a:schemeClr val="lt1"/>
-                </a:solidFill>
-              </a:defRPr>
-            </a:lvl8pPr>
-            <a:lvl9pPr>
-              <a:defRPr>
-                <a:solidFill>
-                  <a:schemeClr val="lt1"/>
-                </a:solidFill>
-              </a:defRPr>
-            </a:lvl9pPr>
-          </a:lstStyle>
-          <a:p>
-            <a:r>
-              <a:rPr lang="en-US" i="0" dirty="0"/>
-              <a:t>With our rule tree we can score a new potential customer to call.</a:t>
-            </a:r>
-          </a:p>
-        </p:txBody>
-      </p:sp>
-      <p:sp>
-        <p:nvSpPr>
-          <p:cNvPr id="5" name="Footer Placeholder 4">
-            <a:extLst>
-              <a:ext uri="{FF2B5EF4-FFF2-40B4-BE49-F238E27FC236}">
-                <a16:creationId xmlns:a16="http://schemas.microsoft.com/office/drawing/2014/main" id="{03429E1D-C665-D873-E0B5-DFBB32EF3B4D}"/>
-              </a:ext>
-            </a:extLst>
-          </p:cNvPr>
-          <p:cNvSpPr>
-            <a:spLocks noGrp="1"/>
-          </p:cNvSpPr>
-          <p:nvPr>
-            <p:ph type="ftr" sz="quarter" idx="3"/>
-          </p:nvPr>
-        </p:nvSpPr>
-        <p:spPr>
-          <a:xfrm>
-            <a:off x="3028950" y="6356351"/>
-            <a:ext cx="3086100" cy="365125"/>
-          </a:xfrm>
-          <a:prstGeom prst="rect">
-            <a:avLst/>
-          </a:prstGeom>
-        </p:spPr>
-        <p:txBody>
-          <a:bodyPr vert="horz" lIns="91440" tIns="45720" rIns="91440" bIns="45720" rtlCol="0" anchor="ctr"/>
-          <a:lstStyle>
-            <a:lvl1pPr algn="ctr">
-              <a:defRPr sz="900">
-                <a:solidFill>
-                  <a:schemeClr val="tx1">
-                    <a:tint val="75000"/>
-                  </a:schemeClr>
-                </a:solidFill>
-              </a:defRPr>
-            </a:lvl1pPr>
-          </a:lstStyle>
-          <a:p>
-            <a:r>
-              <a:rPr lang="en-US" dirty="0"/>
-              <a:t>Kwartler</a:t>
-            </a:r>
-          </a:p>
-        </p:txBody>
-      </p:sp>
-    </p:spTree>
-    <p:extLst>
-      <p:ext uri="{BB962C8B-B14F-4D97-AF65-F5344CB8AC3E}">
-        <p14:creationId xmlns:p14="http://schemas.microsoft.com/office/powerpoint/2010/main" val="4104884691"/>
-      </p:ext>
-    </p:extLst>
-  </p:cSld>
-  <p:clrMapOvr>
-    <a:masterClrMapping/>
-  </p:clrMapOvr>
-</p:sld>
-</file>
-
-<file path=ppt/slides/slide16.xml><?xml version="1.0" encoding="utf-8"?>
-<p:sld xmlns:a="http://schemas.openxmlformats.org/drawingml/2006/main" xmlns:r="http://schemas.openxmlformats.org/officeDocument/2006/relationships" xmlns:p="http://schemas.openxmlformats.org/presentationml/2006/main">
-  <p:cSld>
-    <p:spTree>
-      <p:nvGrpSpPr>
-        <p:cNvPr id="1" name=""/>
-        <p:cNvGrpSpPr/>
-        <p:nvPr/>
-      </p:nvGrpSpPr>
-      <p:grpSpPr>
-        <a:xfrm>
-          <a:off x="0" y="0"/>
-          <a:ext cx="0" cy="0"/>
-          <a:chOff x="0" y="0"/>
-          <a:chExt cx="0" cy="0"/>
-        </a:xfrm>
-      </p:grpSpPr>
-      <p:sp>
-        <p:nvSpPr>
-          <p:cNvPr id="2" name="Date Placeholder 1">
-            <a:extLst>
-              <a:ext uri="{FF2B5EF4-FFF2-40B4-BE49-F238E27FC236}">
-                <a16:creationId xmlns:a16="http://schemas.microsoft.com/office/drawing/2014/main" id="{231DB28B-F86F-49C3-9E90-BBA54DEB762A}"/>
-              </a:ext>
-            </a:extLst>
-          </p:cNvPr>
-          <p:cNvSpPr>
-            <a:spLocks noGrp="1"/>
-          </p:cNvSpPr>
-          <p:nvPr>
-            <p:ph type="dt" sz="half" idx="10"/>
-          </p:nvPr>
-        </p:nvSpPr>
-        <p:spPr/>
-        <p:txBody>
-          <a:bodyPr/>
-          <a:lstStyle/>
-          <a:p>
-            <a:fld id="{6700A58B-DD98-43D0-B791-721480A02982}" type="datetime1">
-              <a:rPr lang="en-US" smtClean="0"/>
-              <a:t>3/12/23</a:t>
-            </a:fld>
-            <a:endParaRPr lang="en-US"/>
-          </a:p>
-        </p:txBody>
-      </p:sp>
-      <p:sp>
-        <p:nvSpPr>
-          <p:cNvPr id="3" name="Title 2">
-            <a:extLst>
-              <a:ext uri="{FF2B5EF4-FFF2-40B4-BE49-F238E27FC236}">
-                <a16:creationId xmlns:a16="http://schemas.microsoft.com/office/drawing/2014/main" id="{B10DF302-8836-406C-93BA-FC26714BD6C5}"/>
-              </a:ext>
-            </a:extLst>
-          </p:cNvPr>
-          <p:cNvSpPr>
-            <a:spLocks noGrp="1"/>
-          </p:cNvSpPr>
-          <p:nvPr>
-            <p:ph type="title"/>
-          </p:nvPr>
-        </p:nvSpPr>
-        <p:spPr/>
-        <p:txBody>
-          <a:bodyPr/>
-          <a:lstStyle/>
-          <a:p>
-            <a:r>
-              <a:rPr lang="en-US" dirty="0"/>
-              <a:t>2 Rule Tree</a:t>
-            </a:r>
-          </a:p>
-        </p:txBody>
-      </p:sp>
-      <p:sp>
-        <p:nvSpPr>
-          <p:cNvPr id="4" name="Slide Number Placeholder 3">
-            <a:extLst>
-              <a:ext uri="{FF2B5EF4-FFF2-40B4-BE49-F238E27FC236}">
-                <a16:creationId xmlns:a16="http://schemas.microsoft.com/office/drawing/2014/main" id="{C1A7BFED-0798-47F8-9058-CB0D619631DA}"/>
-              </a:ext>
-            </a:extLst>
-          </p:cNvPr>
-          <p:cNvSpPr>
-            <a:spLocks noGrp="1"/>
-          </p:cNvSpPr>
-          <p:nvPr>
-            <p:ph type="sldNum" sz="quarter" idx="12"/>
-          </p:nvPr>
-        </p:nvSpPr>
-        <p:spPr/>
-        <p:txBody>
-          <a:bodyPr/>
-          <a:lstStyle/>
-          <a:p>
-            <a:fld id="{37290FF7-652B-4475-AEAB-8B1A5D23AE09}" type="slidenum">
-              <a:rPr lang="en-US" smtClean="0"/>
-              <a:t>16</a:t>
             </a:fld>
             <a:endParaRPr lang="en-US"/>
           </a:p>
@@ -7442,7 +7093,7 @@
 </p:sld>
 </file>
 
-<file path=ppt/slides/slide17.xml><?xml version="1.0" encoding="utf-8"?>
+<file path=ppt/slides/slide16.xml><?xml version="1.0" encoding="utf-8"?>
 <p:sld xmlns:a="http://schemas.openxmlformats.org/drawingml/2006/main" xmlns:r="http://schemas.openxmlformats.org/officeDocument/2006/relationships" xmlns:p="http://schemas.openxmlformats.org/presentationml/2006/main">
   <p:cSld>
     <p:spTree>
@@ -7539,7 +7190,7 @@
           <a:p>
             <a:fld id="{37290FF7-652B-4475-AEAB-8B1A5D23AE09}" type="slidenum">
               <a:rPr lang="en-US" smtClean="0"/>
-              <a:t>17</a:t>
+              <a:t>16</a:t>
             </a:fld>
             <a:endParaRPr lang="en-US"/>
           </a:p>
@@ -8381,7 +8032,7 @@
 </p:sld>
 </file>
 
-<file path=ppt/slides/slide18.xml><?xml version="1.0" encoding="utf-8"?>
+<file path=ppt/slides/slide17.xml><?xml version="1.0" encoding="utf-8"?>
 <p:sld xmlns:a="http://schemas.openxmlformats.org/drawingml/2006/main" xmlns:r="http://schemas.openxmlformats.org/officeDocument/2006/relationships" xmlns:p="http://schemas.openxmlformats.org/presentationml/2006/main">
   <p:cSld>
     <p:spTree>
@@ -8606,7 +8257,7 @@
           <a:p>
             <a:fld id="{37290FF7-652B-4475-AEAB-8B1A5D23AE09}" type="slidenum">
               <a:rPr lang="en-US" smtClean="0"/>
-              <a:t>18</a:t>
+              <a:t>17</a:t>
             </a:fld>
             <a:endParaRPr lang="en-US"/>
           </a:p>
@@ -9312,7 +8963,7 @@
 </p:sld>
 </file>
 
-<file path=ppt/slides/slide19.xml><?xml version="1.0" encoding="utf-8"?>
+<file path=ppt/slides/slide18.xml><?xml version="1.0" encoding="utf-8"?>
 <p:sld xmlns:a="http://schemas.openxmlformats.org/drawingml/2006/main" xmlns:r="http://schemas.openxmlformats.org/officeDocument/2006/relationships" xmlns:p="http://schemas.openxmlformats.org/presentationml/2006/main">
   <p:cSld>
     <p:spTree>
@@ -10058,7 +9709,7 @@
           <a:p>
             <a:fld id="{37290FF7-652B-4475-AEAB-8B1A5D23AE09}" type="slidenum">
               <a:rPr lang="en-US" smtClean="0"/>
-              <a:t>19</a:t>
+              <a:t>18</a:t>
             </a:fld>
             <a:endParaRPr lang="en-US"/>
           </a:p>
@@ -10228,528 +9879,7 @@
 </p:sld>
 </file>
 
-<file path=ppt/slides/slide2.xml><?xml version="1.0" encoding="utf-8"?>
-<p:sld xmlns:a="http://schemas.openxmlformats.org/drawingml/2006/main" xmlns:r="http://schemas.openxmlformats.org/officeDocument/2006/relationships" xmlns:p="http://schemas.openxmlformats.org/presentationml/2006/main">
-  <p:cSld>
-    <p:spTree>
-      <p:nvGrpSpPr>
-        <p:cNvPr id="1" name=""/>
-        <p:cNvGrpSpPr/>
-        <p:nvPr/>
-      </p:nvGrpSpPr>
-      <p:grpSpPr>
-        <a:xfrm>
-          <a:off x="0" y="0"/>
-          <a:ext cx="0" cy="0"/>
-          <a:chOff x="0" y="0"/>
-          <a:chExt cx="0" cy="0"/>
-        </a:xfrm>
-      </p:grpSpPr>
-      <p:cxnSp>
-        <p:nvCxnSpPr>
-          <p:cNvPr id="13" name="Straight Arrow Connector 12"/>
-          <p:cNvCxnSpPr/>
-          <p:nvPr/>
-        </p:nvCxnSpPr>
-        <p:spPr>
-          <a:xfrm>
-            <a:off x="653142" y="2253349"/>
-            <a:ext cx="0" cy="3200400"/>
-          </a:xfrm>
-          <a:prstGeom prst="straightConnector1">
-            <a:avLst/>
-          </a:prstGeom>
-          <a:ln>
-            <a:tailEnd type="triangle"/>
-          </a:ln>
-        </p:spPr>
-        <p:style>
-          <a:lnRef idx="1">
-            <a:schemeClr val="accent1"/>
-          </a:lnRef>
-          <a:fillRef idx="0">
-            <a:schemeClr val="accent1"/>
-          </a:fillRef>
-          <a:effectRef idx="0">
-            <a:schemeClr val="accent1"/>
-          </a:effectRef>
-          <a:fontRef idx="minor">
-            <a:schemeClr val="tx1"/>
-          </a:fontRef>
-        </p:style>
-      </p:cxnSp>
-      <p:sp>
-        <p:nvSpPr>
-          <p:cNvPr id="2" name="Date Placeholder 1"/>
-          <p:cNvSpPr>
-            <a:spLocks noGrp="1"/>
-          </p:cNvSpPr>
-          <p:nvPr>
-            <p:ph type="dt" sz="half" idx="10"/>
-          </p:nvPr>
-        </p:nvSpPr>
-        <p:spPr/>
-        <p:txBody>
-          <a:bodyPr/>
-          <a:lstStyle/>
-          <a:p>
-            <a:fld id="{6700A58B-DD98-43D0-B791-721480A02982}" type="datetime1">
-              <a:rPr lang="en-US" smtClean="0"/>
-              <a:t>3/12/23</a:t>
-            </a:fld>
-            <a:endParaRPr lang="en-US"/>
-          </a:p>
-        </p:txBody>
-      </p:sp>
-      <p:sp>
-        <p:nvSpPr>
-          <p:cNvPr id="3" name="Title 2"/>
-          <p:cNvSpPr>
-            <a:spLocks noGrp="1"/>
-          </p:cNvSpPr>
-          <p:nvPr>
-            <p:ph type="title"/>
-          </p:nvPr>
-        </p:nvSpPr>
-        <p:spPr/>
-        <p:txBody>
-          <a:bodyPr/>
-          <a:lstStyle/>
-          <a:p>
-            <a:r>
-              <a:rPr lang="en-US" dirty="0"/>
-              <a:t>Review steps</a:t>
-            </a:r>
-          </a:p>
-        </p:txBody>
-      </p:sp>
-      <p:sp>
-        <p:nvSpPr>
-          <p:cNvPr id="4" name="Slide Number Placeholder 3"/>
-          <p:cNvSpPr>
-            <a:spLocks noGrp="1"/>
-          </p:cNvSpPr>
-          <p:nvPr>
-            <p:ph type="sldNum" sz="quarter" idx="12"/>
-          </p:nvPr>
-        </p:nvSpPr>
-        <p:spPr/>
-        <p:txBody>
-          <a:bodyPr/>
-          <a:lstStyle/>
-          <a:p>
-            <a:fld id="{37290FF7-652B-4475-AEAB-8B1A5D23AE09}" type="slidenum">
-              <a:rPr lang="en-US" smtClean="0"/>
-              <a:t>2</a:t>
-            </a:fld>
-            <a:endParaRPr lang="en-US"/>
-          </a:p>
-        </p:txBody>
-      </p:sp>
-      <p:sp>
-        <p:nvSpPr>
-          <p:cNvPr id="6" name="TextBox 5"/>
-          <p:cNvSpPr txBox="1"/>
-          <p:nvPr/>
-        </p:nvSpPr>
-        <p:spPr>
-          <a:xfrm>
-            <a:off x="1387929" y="1077686"/>
-            <a:ext cx="8066315" cy="5047536"/>
-          </a:xfrm>
-          <a:prstGeom prst="rect">
-            <a:avLst/>
-          </a:prstGeom>
-          <a:noFill/>
-        </p:spPr>
-        <p:txBody>
-          <a:bodyPr wrap="square" rtlCol="0">
-            <a:spAutoFit/>
-          </a:bodyPr>
-          <a:lstStyle/>
-          <a:p>
-            <a:pPr marL="342900" indent="-342900">
-              <a:buFont typeface="+mj-lt"/>
-              <a:buAutoNum type="arabicPeriod"/>
-            </a:pPr>
-            <a:r>
-              <a:rPr lang="en-US" sz="2000" dirty="0"/>
-              <a:t>Load data</a:t>
-            </a:r>
-          </a:p>
-          <a:p>
-            <a:pPr marL="914400" lvl="1" indent="-457200">
-              <a:buFont typeface="Arial" panose="020B0604020202020204" pitchFamily="34" charset="0"/>
-              <a:buChar char="•"/>
-            </a:pPr>
-            <a:r>
-              <a:rPr lang="en-US" sz="1200" dirty="0"/>
-              <a:t>read.csv()</a:t>
-            </a:r>
-          </a:p>
-          <a:p>
-            <a:pPr marL="914400" lvl="1" indent="-457200">
-              <a:buFont typeface="Arial" panose="020B0604020202020204" pitchFamily="34" charset="0"/>
-              <a:buChar char="•"/>
-            </a:pPr>
-            <a:endParaRPr lang="en-US" sz="1600" dirty="0"/>
-          </a:p>
-          <a:p>
-            <a:pPr marL="342900" indent="-342900">
-              <a:buFont typeface="+mj-lt"/>
-              <a:buAutoNum type="arabicPeriod"/>
-            </a:pPr>
-            <a:r>
-              <a:rPr lang="en-US" sz="2000" dirty="0"/>
-              <a:t>Partition to avoid overfitting</a:t>
-            </a:r>
-          </a:p>
-          <a:p>
-            <a:pPr marL="914400" lvl="1" indent="-457200">
-              <a:buFont typeface="Arial" panose="020B0604020202020204" pitchFamily="34" charset="0"/>
-              <a:buChar char="•"/>
-            </a:pPr>
-            <a:r>
-              <a:rPr lang="en-US" sz="1200" dirty="0"/>
-              <a:t>sample(), </a:t>
-            </a:r>
-            <a:r>
-              <a:rPr lang="en-US" sz="1200" dirty="0" err="1"/>
-              <a:t>df</a:t>
-            </a:r>
-            <a:r>
-              <a:rPr lang="en-US" sz="1200" dirty="0"/>
-              <a:t>[</a:t>
-            </a:r>
-            <a:r>
-              <a:rPr lang="en-US" sz="1200" dirty="0" err="1"/>
-              <a:t>idx</a:t>
-            </a:r>
-            <a:r>
-              <a:rPr lang="en-US" sz="1200" dirty="0"/>
-              <a:t>, ] etc.</a:t>
-            </a:r>
-          </a:p>
-          <a:p>
-            <a:pPr lvl="1"/>
-            <a:endParaRPr lang="en-US" sz="1600" dirty="0"/>
-          </a:p>
-          <a:p>
-            <a:pPr marL="342900" indent="-342900">
-              <a:buFont typeface="+mj-lt"/>
-              <a:buAutoNum type="arabicPeriod"/>
-            </a:pPr>
-            <a:r>
-              <a:rPr lang="en-US" sz="2000" dirty="0"/>
-              <a:t>Exploratory Data Analysis</a:t>
-            </a:r>
-          </a:p>
-          <a:p>
-            <a:pPr marL="914400" lvl="1" indent="-457200">
-              <a:buFont typeface="Arial" panose="020B0604020202020204" pitchFamily="34" charset="0"/>
-              <a:buChar char="•"/>
-            </a:pPr>
-            <a:r>
-              <a:rPr lang="en-US" sz="1600" dirty="0"/>
-              <a:t>summary(), plot(), table() etc.</a:t>
-            </a:r>
-          </a:p>
-          <a:p>
-            <a:pPr lvl="1"/>
-            <a:endParaRPr lang="en-US" sz="1600" dirty="0"/>
-          </a:p>
-          <a:p>
-            <a:pPr marL="342900" indent="-342900">
-              <a:buFont typeface="+mj-lt"/>
-              <a:buAutoNum type="arabicPeriod"/>
-            </a:pPr>
-            <a:r>
-              <a:rPr lang="en-US" sz="2000" dirty="0"/>
-              <a:t>Prepare data for modeling</a:t>
-            </a:r>
-          </a:p>
-          <a:p>
-            <a:pPr marL="914400" lvl="1" indent="-457200">
-              <a:buFont typeface="Arial" panose="020B0604020202020204" pitchFamily="34" charset="0"/>
-              <a:buChar char="•"/>
-            </a:pPr>
-            <a:r>
-              <a:rPr lang="en-US" sz="1200" dirty="0" err="1"/>
-              <a:t>Vtreat:designTreatmentsC</a:t>
-            </a:r>
-            <a:r>
-              <a:rPr lang="en-US" sz="1200" dirty="0"/>
-              <a:t>/N(), prepare()</a:t>
-            </a:r>
-          </a:p>
-          <a:p>
-            <a:pPr marL="457200" indent="-457200">
-              <a:buFont typeface="Arial" panose="020B0604020202020204" pitchFamily="34" charset="0"/>
-              <a:buChar char="•"/>
-            </a:pPr>
-            <a:endParaRPr lang="en-US" sz="1600" dirty="0"/>
-          </a:p>
-          <a:p>
-            <a:r>
-              <a:rPr lang="en-US" sz="2000" dirty="0"/>
-              <a:t>5. Model</a:t>
-            </a:r>
-          </a:p>
-          <a:p>
-            <a:pPr marL="914400" lvl="1" indent="-457200">
-              <a:buFont typeface="Arial" panose="020B0604020202020204" pitchFamily="34" charset="0"/>
-              <a:buChar char="•"/>
-            </a:pPr>
-            <a:r>
-              <a:rPr lang="en-US" sz="1200" dirty="0"/>
-              <a:t>Regression, Logistic Regression, KNN etc.</a:t>
-            </a:r>
-          </a:p>
-          <a:p>
-            <a:endParaRPr lang="en-US" sz="1600" dirty="0"/>
-          </a:p>
-          <a:p>
-            <a:r>
-              <a:rPr lang="en-US" sz="2000" dirty="0"/>
-              <a:t>6. Get Results (classification or prediction)</a:t>
-            </a:r>
-          </a:p>
-          <a:p>
-            <a:pPr marL="914400" lvl="1" indent="-457200">
-              <a:buFont typeface="Arial" panose="020B0604020202020204" pitchFamily="34" charset="0"/>
-              <a:buChar char="•"/>
-            </a:pPr>
-            <a:r>
-              <a:rPr lang="en-US" sz="1200" dirty="0"/>
-              <a:t>predict()</a:t>
-            </a:r>
-          </a:p>
-          <a:p>
-            <a:endParaRPr lang="en-US" sz="1600" dirty="0"/>
-          </a:p>
-          <a:p>
-            <a:r>
-              <a:rPr lang="en-US" sz="2000" dirty="0"/>
-              <a:t>7. Key Performance Indicators</a:t>
-            </a:r>
-          </a:p>
-          <a:p>
-            <a:pPr marL="914400" lvl="1" indent="-457200">
-              <a:buFont typeface="Arial" panose="020B0604020202020204" pitchFamily="34" charset="0"/>
-              <a:buChar char="•"/>
-            </a:pPr>
-            <a:r>
-              <a:rPr lang="en-US" sz="1200" dirty="0"/>
-              <a:t>RMSE, Accuracy, MAPE</a:t>
-            </a:r>
-          </a:p>
-        </p:txBody>
-      </p:sp>
-      <p:sp>
-        <p:nvSpPr>
-          <p:cNvPr id="7" name="TextBox 6"/>
-          <p:cNvSpPr txBox="1"/>
-          <p:nvPr/>
-        </p:nvSpPr>
-        <p:spPr>
-          <a:xfrm>
-            <a:off x="49693" y="1828800"/>
-            <a:ext cx="1226041" cy="461665"/>
-          </a:xfrm>
-          <a:prstGeom prst="rect">
-            <a:avLst/>
-          </a:prstGeom>
-          <a:noFill/>
-        </p:spPr>
-        <p:txBody>
-          <a:bodyPr wrap="none" rtlCol="0">
-            <a:spAutoFit/>
-          </a:bodyPr>
-          <a:lstStyle/>
-          <a:p>
-            <a:r>
-              <a:rPr lang="en-US" sz="2400" b="1" u="sng" dirty="0"/>
-              <a:t>SAMPLE</a:t>
-            </a:r>
-          </a:p>
-        </p:txBody>
-      </p:sp>
-      <p:sp>
-        <p:nvSpPr>
-          <p:cNvPr id="8" name="TextBox 7"/>
-          <p:cNvSpPr txBox="1"/>
-          <p:nvPr/>
-        </p:nvSpPr>
-        <p:spPr>
-          <a:xfrm>
-            <a:off x="0" y="2667000"/>
-            <a:ext cx="1325427" cy="461665"/>
-          </a:xfrm>
-          <a:prstGeom prst="rect">
-            <a:avLst/>
-          </a:prstGeom>
-          <a:noFill/>
-        </p:spPr>
-        <p:txBody>
-          <a:bodyPr wrap="none" rtlCol="0">
-            <a:spAutoFit/>
-          </a:bodyPr>
-          <a:lstStyle/>
-          <a:p>
-            <a:r>
-              <a:rPr lang="en-US" sz="2400" b="1" u="sng" dirty="0"/>
-              <a:t>EXPLORE</a:t>
-            </a:r>
-          </a:p>
-        </p:txBody>
-      </p:sp>
-      <p:sp>
-        <p:nvSpPr>
-          <p:cNvPr id="9" name="TextBox 8"/>
-          <p:cNvSpPr txBox="1"/>
-          <p:nvPr/>
-        </p:nvSpPr>
-        <p:spPr>
-          <a:xfrm>
-            <a:off x="42992" y="3423557"/>
-            <a:ext cx="1239442" cy="461665"/>
-          </a:xfrm>
-          <a:prstGeom prst="rect">
-            <a:avLst/>
-          </a:prstGeom>
-          <a:noFill/>
-        </p:spPr>
-        <p:txBody>
-          <a:bodyPr wrap="none" rtlCol="0">
-            <a:spAutoFit/>
-          </a:bodyPr>
-          <a:lstStyle/>
-          <a:p>
-            <a:r>
-              <a:rPr lang="en-US" sz="2400" b="1" u="sng" dirty="0"/>
-              <a:t>MODIFY</a:t>
-            </a:r>
-          </a:p>
-        </p:txBody>
-      </p:sp>
-      <p:sp>
-        <p:nvSpPr>
-          <p:cNvPr id="10" name="TextBox 9"/>
-          <p:cNvSpPr txBox="1"/>
-          <p:nvPr/>
-        </p:nvSpPr>
-        <p:spPr>
-          <a:xfrm>
-            <a:off x="94288" y="4125686"/>
-            <a:ext cx="1136850" cy="461665"/>
-          </a:xfrm>
-          <a:prstGeom prst="rect">
-            <a:avLst/>
-          </a:prstGeom>
-          <a:noFill/>
-        </p:spPr>
-        <p:txBody>
-          <a:bodyPr wrap="none" rtlCol="0">
-            <a:spAutoFit/>
-          </a:bodyPr>
-          <a:lstStyle/>
-          <a:p>
-            <a:r>
-              <a:rPr lang="en-US" sz="2400" b="1" u="sng" dirty="0"/>
-              <a:t>MODEL</a:t>
-            </a:r>
-          </a:p>
-        </p:txBody>
-      </p:sp>
-      <p:sp>
-        <p:nvSpPr>
-          <p:cNvPr id="11" name="TextBox 10"/>
-          <p:cNvSpPr txBox="1"/>
-          <p:nvPr/>
-        </p:nvSpPr>
-        <p:spPr>
-          <a:xfrm>
-            <a:off x="3558" y="5502729"/>
-            <a:ext cx="1318310" cy="461665"/>
-          </a:xfrm>
-          <a:prstGeom prst="rect">
-            <a:avLst/>
-          </a:prstGeom>
-          <a:noFill/>
-        </p:spPr>
-        <p:txBody>
-          <a:bodyPr wrap="none" rtlCol="0">
-            <a:spAutoFit/>
-          </a:bodyPr>
-          <a:lstStyle/>
-          <a:p>
-            <a:r>
-              <a:rPr lang="en-US" sz="2400" b="1" u="sng" dirty="0"/>
-              <a:t>ANALYZE</a:t>
-            </a:r>
-          </a:p>
-        </p:txBody>
-      </p:sp>
-      <p:sp>
-        <p:nvSpPr>
-          <p:cNvPr id="12" name="Footer Placeholder 4">
-            <a:extLst>
-              <a:ext uri="{FF2B5EF4-FFF2-40B4-BE49-F238E27FC236}">
-                <a16:creationId xmlns:a16="http://schemas.microsoft.com/office/drawing/2014/main" id="{B05A96AF-972D-60A3-669F-7490F263F9B7}"/>
-              </a:ext>
-            </a:extLst>
-          </p:cNvPr>
-          <p:cNvSpPr>
-            <a:spLocks noGrp="1"/>
-          </p:cNvSpPr>
-          <p:nvPr>
-            <p:ph type="ftr" sz="quarter" idx="3"/>
-          </p:nvPr>
-        </p:nvSpPr>
-        <p:spPr>
-          <a:xfrm>
-            <a:off x="3028950" y="6356351"/>
-            <a:ext cx="3086100" cy="365125"/>
-          </a:xfrm>
-          <a:prstGeom prst="rect">
-            <a:avLst/>
-          </a:prstGeom>
-        </p:spPr>
-        <p:txBody>
-          <a:bodyPr vert="horz" lIns="91440" tIns="45720" rIns="91440" bIns="45720" rtlCol="0" anchor="ctr"/>
-          <a:lstStyle>
-            <a:lvl1pPr algn="ctr">
-              <a:defRPr sz="900">
-                <a:solidFill>
-                  <a:schemeClr val="tx1">
-                    <a:tint val="75000"/>
-                  </a:schemeClr>
-                </a:solidFill>
-              </a:defRPr>
-            </a:lvl1pPr>
-          </a:lstStyle>
-          <a:p>
-            <a:r>
-              <a:rPr lang="en-US" dirty="0"/>
-              <a:t>Kwartler</a:t>
-            </a:r>
-          </a:p>
-        </p:txBody>
-      </p:sp>
-    </p:spTree>
-    <p:extLst>
-      <p:ext uri="{BB962C8B-B14F-4D97-AF65-F5344CB8AC3E}">
-        <p14:creationId xmlns:p14="http://schemas.microsoft.com/office/powerpoint/2010/main" val="430253828"/>
-      </p:ext>
-    </p:extLst>
-  </p:cSld>
-  <p:clrMapOvr>
-    <a:masterClrMapping/>
-  </p:clrMapOvr>
-</p:sld>
-</file>
-
-<file path=ppt/slides/slide20.xml><?xml version="1.0" encoding="utf-8"?>
+<file path=ppt/slides/slide19.xml><?xml version="1.0" encoding="utf-8"?>
 <p:sld xmlns:a="http://schemas.openxmlformats.org/drawingml/2006/main" xmlns:r="http://schemas.openxmlformats.org/officeDocument/2006/relationships" xmlns:p="http://schemas.openxmlformats.org/presentationml/2006/main">
   <p:cSld>
     <p:spTree>
@@ -11495,7 +10625,7 @@
           <a:p>
             <a:fld id="{37290FF7-652B-4475-AEAB-8B1A5D23AE09}" type="slidenum">
               <a:rPr lang="en-US" smtClean="0"/>
-              <a:t>20</a:t>
+              <a:t>19</a:t>
             </a:fld>
             <a:endParaRPr lang="en-US"/>
           </a:p>
@@ -11702,7 +10832,528 @@
 </p:sld>
 </file>
 
-<file path=ppt/slides/slide21.xml><?xml version="1.0" encoding="utf-8"?>
+<file path=ppt/slides/slide2.xml><?xml version="1.0" encoding="utf-8"?>
+<p:sld xmlns:a="http://schemas.openxmlformats.org/drawingml/2006/main" xmlns:r="http://schemas.openxmlformats.org/officeDocument/2006/relationships" xmlns:p="http://schemas.openxmlformats.org/presentationml/2006/main">
+  <p:cSld>
+    <p:spTree>
+      <p:nvGrpSpPr>
+        <p:cNvPr id="1" name=""/>
+        <p:cNvGrpSpPr/>
+        <p:nvPr/>
+      </p:nvGrpSpPr>
+      <p:grpSpPr>
+        <a:xfrm>
+          <a:off x="0" y="0"/>
+          <a:ext cx="0" cy="0"/>
+          <a:chOff x="0" y="0"/>
+          <a:chExt cx="0" cy="0"/>
+        </a:xfrm>
+      </p:grpSpPr>
+      <p:cxnSp>
+        <p:nvCxnSpPr>
+          <p:cNvPr id="13" name="Straight Arrow Connector 12"/>
+          <p:cNvCxnSpPr/>
+          <p:nvPr/>
+        </p:nvCxnSpPr>
+        <p:spPr>
+          <a:xfrm>
+            <a:off x="653142" y="2253349"/>
+            <a:ext cx="0" cy="3200400"/>
+          </a:xfrm>
+          <a:prstGeom prst="straightConnector1">
+            <a:avLst/>
+          </a:prstGeom>
+          <a:ln>
+            <a:tailEnd type="triangle"/>
+          </a:ln>
+        </p:spPr>
+        <p:style>
+          <a:lnRef idx="1">
+            <a:schemeClr val="accent1"/>
+          </a:lnRef>
+          <a:fillRef idx="0">
+            <a:schemeClr val="accent1"/>
+          </a:fillRef>
+          <a:effectRef idx="0">
+            <a:schemeClr val="accent1"/>
+          </a:effectRef>
+          <a:fontRef idx="minor">
+            <a:schemeClr val="tx1"/>
+          </a:fontRef>
+        </p:style>
+      </p:cxnSp>
+      <p:sp>
+        <p:nvSpPr>
+          <p:cNvPr id="2" name="Date Placeholder 1"/>
+          <p:cNvSpPr>
+            <a:spLocks noGrp="1"/>
+          </p:cNvSpPr>
+          <p:nvPr>
+            <p:ph type="dt" sz="half" idx="10"/>
+          </p:nvPr>
+        </p:nvSpPr>
+        <p:spPr/>
+        <p:txBody>
+          <a:bodyPr/>
+          <a:lstStyle/>
+          <a:p>
+            <a:fld id="{6700A58B-DD98-43D0-B791-721480A02982}" type="datetime1">
+              <a:rPr lang="en-US" smtClean="0"/>
+              <a:t>3/12/23</a:t>
+            </a:fld>
+            <a:endParaRPr lang="en-US"/>
+          </a:p>
+        </p:txBody>
+      </p:sp>
+      <p:sp>
+        <p:nvSpPr>
+          <p:cNvPr id="3" name="Title 2"/>
+          <p:cNvSpPr>
+            <a:spLocks noGrp="1"/>
+          </p:cNvSpPr>
+          <p:nvPr>
+            <p:ph type="title"/>
+          </p:nvPr>
+        </p:nvSpPr>
+        <p:spPr/>
+        <p:txBody>
+          <a:bodyPr/>
+          <a:lstStyle/>
+          <a:p>
+            <a:r>
+              <a:rPr lang="en-US" dirty="0"/>
+              <a:t>Review steps</a:t>
+            </a:r>
+          </a:p>
+        </p:txBody>
+      </p:sp>
+      <p:sp>
+        <p:nvSpPr>
+          <p:cNvPr id="4" name="Slide Number Placeholder 3"/>
+          <p:cNvSpPr>
+            <a:spLocks noGrp="1"/>
+          </p:cNvSpPr>
+          <p:nvPr>
+            <p:ph type="sldNum" sz="quarter" idx="12"/>
+          </p:nvPr>
+        </p:nvSpPr>
+        <p:spPr/>
+        <p:txBody>
+          <a:bodyPr/>
+          <a:lstStyle/>
+          <a:p>
+            <a:fld id="{37290FF7-652B-4475-AEAB-8B1A5D23AE09}" type="slidenum">
+              <a:rPr lang="en-US" smtClean="0"/>
+              <a:t>2</a:t>
+            </a:fld>
+            <a:endParaRPr lang="en-US"/>
+          </a:p>
+        </p:txBody>
+      </p:sp>
+      <p:sp>
+        <p:nvSpPr>
+          <p:cNvPr id="6" name="TextBox 5"/>
+          <p:cNvSpPr txBox="1"/>
+          <p:nvPr/>
+        </p:nvSpPr>
+        <p:spPr>
+          <a:xfrm>
+            <a:off x="1387929" y="1077686"/>
+            <a:ext cx="8066315" cy="5047536"/>
+          </a:xfrm>
+          <a:prstGeom prst="rect">
+            <a:avLst/>
+          </a:prstGeom>
+          <a:noFill/>
+        </p:spPr>
+        <p:txBody>
+          <a:bodyPr wrap="square" rtlCol="0">
+            <a:spAutoFit/>
+          </a:bodyPr>
+          <a:lstStyle/>
+          <a:p>
+            <a:pPr marL="342900" indent="-342900">
+              <a:buFont typeface="+mj-lt"/>
+              <a:buAutoNum type="arabicPeriod"/>
+            </a:pPr>
+            <a:r>
+              <a:rPr lang="en-US" sz="2000" dirty="0"/>
+              <a:t>Load data</a:t>
+            </a:r>
+          </a:p>
+          <a:p>
+            <a:pPr marL="914400" lvl="1" indent="-457200">
+              <a:buFont typeface="Arial" panose="020B0604020202020204" pitchFamily="34" charset="0"/>
+              <a:buChar char="•"/>
+            </a:pPr>
+            <a:r>
+              <a:rPr lang="en-US" sz="1200" dirty="0"/>
+              <a:t>read.csv()</a:t>
+            </a:r>
+          </a:p>
+          <a:p>
+            <a:pPr marL="914400" lvl="1" indent="-457200">
+              <a:buFont typeface="Arial" panose="020B0604020202020204" pitchFamily="34" charset="0"/>
+              <a:buChar char="•"/>
+            </a:pPr>
+            <a:endParaRPr lang="en-US" sz="1600" dirty="0"/>
+          </a:p>
+          <a:p>
+            <a:pPr marL="342900" indent="-342900">
+              <a:buFont typeface="+mj-lt"/>
+              <a:buAutoNum type="arabicPeriod"/>
+            </a:pPr>
+            <a:r>
+              <a:rPr lang="en-US" sz="2000" dirty="0"/>
+              <a:t>Partition to avoid overfitting</a:t>
+            </a:r>
+          </a:p>
+          <a:p>
+            <a:pPr marL="914400" lvl="1" indent="-457200">
+              <a:buFont typeface="Arial" panose="020B0604020202020204" pitchFamily="34" charset="0"/>
+              <a:buChar char="•"/>
+            </a:pPr>
+            <a:r>
+              <a:rPr lang="en-US" sz="1200" dirty="0"/>
+              <a:t>sample(), </a:t>
+            </a:r>
+            <a:r>
+              <a:rPr lang="en-US" sz="1200" dirty="0" err="1"/>
+              <a:t>df</a:t>
+            </a:r>
+            <a:r>
+              <a:rPr lang="en-US" sz="1200" dirty="0"/>
+              <a:t>[</a:t>
+            </a:r>
+            <a:r>
+              <a:rPr lang="en-US" sz="1200" dirty="0" err="1"/>
+              <a:t>idx</a:t>
+            </a:r>
+            <a:r>
+              <a:rPr lang="en-US" sz="1200" dirty="0"/>
+              <a:t>, ] etc.</a:t>
+            </a:r>
+          </a:p>
+          <a:p>
+            <a:pPr lvl="1"/>
+            <a:endParaRPr lang="en-US" sz="1600" dirty="0"/>
+          </a:p>
+          <a:p>
+            <a:pPr marL="342900" indent="-342900">
+              <a:buFont typeface="+mj-lt"/>
+              <a:buAutoNum type="arabicPeriod"/>
+            </a:pPr>
+            <a:r>
+              <a:rPr lang="en-US" sz="2000" dirty="0"/>
+              <a:t>Exploratory Data Analysis</a:t>
+            </a:r>
+          </a:p>
+          <a:p>
+            <a:pPr marL="914400" lvl="1" indent="-457200">
+              <a:buFont typeface="Arial" panose="020B0604020202020204" pitchFamily="34" charset="0"/>
+              <a:buChar char="•"/>
+            </a:pPr>
+            <a:r>
+              <a:rPr lang="en-US" sz="1600" dirty="0"/>
+              <a:t>summary(), plot(), table() etc.</a:t>
+            </a:r>
+          </a:p>
+          <a:p>
+            <a:pPr lvl="1"/>
+            <a:endParaRPr lang="en-US" sz="1600" dirty="0"/>
+          </a:p>
+          <a:p>
+            <a:pPr marL="342900" indent="-342900">
+              <a:buFont typeface="+mj-lt"/>
+              <a:buAutoNum type="arabicPeriod"/>
+            </a:pPr>
+            <a:r>
+              <a:rPr lang="en-US" sz="2000" dirty="0"/>
+              <a:t>Prepare data for modeling</a:t>
+            </a:r>
+          </a:p>
+          <a:p>
+            <a:pPr marL="914400" lvl="1" indent="-457200">
+              <a:buFont typeface="Arial" panose="020B0604020202020204" pitchFamily="34" charset="0"/>
+              <a:buChar char="•"/>
+            </a:pPr>
+            <a:r>
+              <a:rPr lang="en-US" sz="1200" dirty="0" err="1"/>
+              <a:t>Vtreat:designTreatmentsC</a:t>
+            </a:r>
+            <a:r>
+              <a:rPr lang="en-US" sz="1200" dirty="0"/>
+              <a:t>/N(), prepare()</a:t>
+            </a:r>
+          </a:p>
+          <a:p>
+            <a:pPr marL="457200" indent="-457200">
+              <a:buFont typeface="Arial" panose="020B0604020202020204" pitchFamily="34" charset="0"/>
+              <a:buChar char="•"/>
+            </a:pPr>
+            <a:endParaRPr lang="en-US" sz="1600" dirty="0"/>
+          </a:p>
+          <a:p>
+            <a:r>
+              <a:rPr lang="en-US" sz="2000" dirty="0"/>
+              <a:t>5. Model</a:t>
+            </a:r>
+          </a:p>
+          <a:p>
+            <a:pPr marL="914400" lvl="1" indent="-457200">
+              <a:buFont typeface="Arial" panose="020B0604020202020204" pitchFamily="34" charset="0"/>
+              <a:buChar char="•"/>
+            </a:pPr>
+            <a:r>
+              <a:rPr lang="en-US" sz="1200" dirty="0"/>
+              <a:t>Regression, Logistic Regression, KNN etc.</a:t>
+            </a:r>
+          </a:p>
+          <a:p>
+            <a:endParaRPr lang="en-US" sz="1600" dirty="0"/>
+          </a:p>
+          <a:p>
+            <a:r>
+              <a:rPr lang="en-US" sz="2000" dirty="0"/>
+              <a:t>6. Get Results (classification or prediction)</a:t>
+            </a:r>
+          </a:p>
+          <a:p>
+            <a:pPr marL="914400" lvl="1" indent="-457200">
+              <a:buFont typeface="Arial" panose="020B0604020202020204" pitchFamily="34" charset="0"/>
+              <a:buChar char="•"/>
+            </a:pPr>
+            <a:r>
+              <a:rPr lang="en-US" sz="1200" dirty="0"/>
+              <a:t>predict()</a:t>
+            </a:r>
+          </a:p>
+          <a:p>
+            <a:endParaRPr lang="en-US" sz="1600" dirty="0"/>
+          </a:p>
+          <a:p>
+            <a:r>
+              <a:rPr lang="en-US" sz="2000" dirty="0"/>
+              <a:t>7. Key Performance Indicators</a:t>
+            </a:r>
+          </a:p>
+          <a:p>
+            <a:pPr marL="914400" lvl="1" indent="-457200">
+              <a:buFont typeface="Arial" panose="020B0604020202020204" pitchFamily="34" charset="0"/>
+              <a:buChar char="•"/>
+            </a:pPr>
+            <a:r>
+              <a:rPr lang="en-US" sz="1200" dirty="0"/>
+              <a:t>RMSE, Accuracy, MAPE</a:t>
+            </a:r>
+          </a:p>
+        </p:txBody>
+      </p:sp>
+      <p:sp>
+        <p:nvSpPr>
+          <p:cNvPr id="7" name="TextBox 6"/>
+          <p:cNvSpPr txBox="1"/>
+          <p:nvPr/>
+        </p:nvSpPr>
+        <p:spPr>
+          <a:xfrm>
+            <a:off x="49693" y="1828800"/>
+            <a:ext cx="1226041" cy="461665"/>
+          </a:xfrm>
+          <a:prstGeom prst="rect">
+            <a:avLst/>
+          </a:prstGeom>
+          <a:noFill/>
+        </p:spPr>
+        <p:txBody>
+          <a:bodyPr wrap="none" rtlCol="0">
+            <a:spAutoFit/>
+          </a:bodyPr>
+          <a:lstStyle/>
+          <a:p>
+            <a:r>
+              <a:rPr lang="en-US" sz="2400" b="1" u="sng" dirty="0"/>
+              <a:t>SAMPLE</a:t>
+            </a:r>
+          </a:p>
+        </p:txBody>
+      </p:sp>
+      <p:sp>
+        <p:nvSpPr>
+          <p:cNvPr id="8" name="TextBox 7"/>
+          <p:cNvSpPr txBox="1"/>
+          <p:nvPr/>
+        </p:nvSpPr>
+        <p:spPr>
+          <a:xfrm>
+            <a:off x="0" y="2667000"/>
+            <a:ext cx="1325427" cy="461665"/>
+          </a:xfrm>
+          <a:prstGeom prst="rect">
+            <a:avLst/>
+          </a:prstGeom>
+          <a:noFill/>
+        </p:spPr>
+        <p:txBody>
+          <a:bodyPr wrap="none" rtlCol="0">
+            <a:spAutoFit/>
+          </a:bodyPr>
+          <a:lstStyle/>
+          <a:p>
+            <a:r>
+              <a:rPr lang="en-US" sz="2400" b="1" u="sng" dirty="0"/>
+              <a:t>EXPLORE</a:t>
+            </a:r>
+          </a:p>
+        </p:txBody>
+      </p:sp>
+      <p:sp>
+        <p:nvSpPr>
+          <p:cNvPr id="9" name="TextBox 8"/>
+          <p:cNvSpPr txBox="1"/>
+          <p:nvPr/>
+        </p:nvSpPr>
+        <p:spPr>
+          <a:xfrm>
+            <a:off x="42992" y="3423557"/>
+            <a:ext cx="1239442" cy="461665"/>
+          </a:xfrm>
+          <a:prstGeom prst="rect">
+            <a:avLst/>
+          </a:prstGeom>
+          <a:noFill/>
+        </p:spPr>
+        <p:txBody>
+          <a:bodyPr wrap="none" rtlCol="0">
+            <a:spAutoFit/>
+          </a:bodyPr>
+          <a:lstStyle/>
+          <a:p>
+            <a:r>
+              <a:rPr lang="en-US" sz="2400" b="1" u="sng" dirty="0"/>
+              <a:t>MODIFY</a:t>
+            </a:r>
+          </a:p>
+        </p:txBody>
+      </p:sp>
+      <p:sp>
+        <p:nvSpPr>
+          <p:cNvPr id="10" name="TextBox 9"/>
+          <p:cNvSpPr txBox="1"/>
+          <p:nvPr/>
+        </p:nvSpPr>
+        <p:spPr>
+          <a:xfrm>
+            <a:off x="94288" y="4125686"/>
+            <a:ext cx="1136850" cy="461665"/>
+          </a:xfrm>
+          <a:prstGeom prst="rect">
+            <a:avLst/>
+          </a:prstGeom>
+          <a:noFill/>
+        </p:spPr>
+        <p:txBody>
+          <a:bodyPr wrap="none" rtlCol="0">
+            <a:spAutoFit/>
+          </a:bodyPr>
+          <a:lstStyle/>
+          <a:p>
+            <a:r>
+              <a:rPr lang="en-US" sz="2400" b="1" u="sng" dirty="0"/>
+              <a:t>MODEL</a:t>
+            </a:r>
+          </a:p>
+        </p:txBody>
+      </p:sp>
+      <p:sp>
+        <p:nvSpPr>
+          <p:cNvPr id="11" name="TextBox 10"/>
+          <p:cNvSpPr txBox="1"/>
+          <p:nvPr/>
+        </p:nvSpPr>
+        <p:spPr>
+          <a:xfrm>
+            <a:off x="3558" y="5502729"/>
+            <a:ext cx="1318310" cy="461665"/>
+          </a:xfrm>
+          <a:prstGeom prst="rect">
+            <a:avLst/>
+          </a:prstGeom>
+          <a:noFill/>
+        </p:spPr>
+        <p:txBody>
+          <a:bodyPr wrap="none" rtlCol="0">
+            <a:spAutoFit/>
+          </a:bodyPr>
+          <a:lstStyle/>
+          <a:p>
+            <a:r>
+              <a:rPr lang="en-US" sz="2400" b="1" u="sng" dirty="0"/>
+              <a:t>ANALYZE</a:t>
+            </a:r>
+          </a:p>
+        </p:txBody>
+      </p:sp>
+      <p:sp>
+        <p:nvSpPr>
+          <p:cNvPr id="12" name="Footer Placeholder 4">
+            <a:extLst>
+              <a:ext uri="{FF2B5EF4-FFF2-40B4-BE49-F238E27FC236}">
+                <a16:creationId xmlns:a16="http://schemas.microsoft.com/office/drawing/2014/main" id="{B05A96AF-972D-60A3-669F-7490F263F9B7}"/>
+              </a:ext>
+            </a:extLst>
+          </p:cNvPr>
+          <p:cNvSpPr>
+            <a:spLocks noGrp="1"/>
+          </p:cNvSpPr>
+          <p:nvPr>
+            <p:ph type="ftr" sz="quarter" idx="3"/>
+          </p:nvPr>
+        </p:nvSpPr>
+        <p:spPr>
+          <a:xfrm>
+            <a:off x="3028950" y="6356351"/>
+            <a:ext cx="3086100" cy="365125"/>
+          </a:xfrm>
+          <a:prstGeom prst="rect">
+            <a:avLst/>
+          </a:prstGeom>
+        </p:spPr>
+        <p:txBody>
+          <a:bodyPr vert="horz" lIns="91440" tIns="45720" rIns="91440" bIns="45720" rtlCol="0" anchor="ctr"/>
+          <a:lstStyle>
+            <a:lvl1pPr algn="ctr">
+              <a:defRPr sz="900">
+                <a:solidFill>
+                  <a:schemeClr val="tx1">
+                    <a:tint val="75000"/>
+                  </a:schemeClr>
+                </a:solidFill>
+              </a:defRPr>
+            </a:lvl1pPr>
+          </a:lstStyle>
+          <a:p>
+            <a:r>
+              <a:rPr lang="en-US" dirty="0"/>
+              <a:t>Kwartler</a:t>
+            </a:r>
+          </a:p>
+        </p:txBody>
+      </p:sp>
+    </p:spTree>
+    <p:extLst>
+      <p:ext uri="{BB962C8B-B14F-4D97-AF65-F5344CB8AC3E}">
+        <p14:creationId xmlns:p14="http://schemas.microsoft.com/office/powerpoint/2010/main" val="430253828"/>
+      </p:ext>
+    </p:extLst>
+  </p:cSld>
+  <p:clrMapOvr>
+    <a:masterClrMapping/>
+  </p:clrMapOvr>
+</p:sld>
+</file>
+
+<file path=ppt/slides/slide20.xml><?xml version="1.0" encoding="utf-8"?>
 <p:sld xmlns:a="http://schemas.openxmlformats.org/drawingml/2006/main" xmlns:r="http://schemas.openxmlformats.org/officeDocument/2006/relationships" xmlns:p="http://schemas.openxmlformats.org/presentationml/2006/main">
   <p:cSld>
     <p:spTree>
@@ -12448,7 +12099,7 @@
           <a:p>
             <a:fld id="{37290FF7-652B-4475-AEAB-8B1A5D23AE09}" type="slidenum">
               <a:rPr lang="en-US" smtClean="0"/>
-              <a:t>21</a:t>
+              <a:t>20</a:t>
             </a:fld>
             <a:endParaRPr lang="en-US"/>
           </a:p>
@@ -12655,7 +12306,7 @@
 </p:sld>
 </file>
 
-<file path=ppt/slides/slide22.xml><?xml version="1.0" encoding="utf-8"?>
+<file path=ppt/slides/slide21.xml><?xml version="1.0" encoding="utf-8"?>
 <p:sld xmlns:a="http://schemas.openxmlformats.org/drawingml/2006/main" xmlns:r="http://schemas.openxmlformats.org/officeDocument/2006/relationships" xmlns:p="http://schemas.openxmlformats.org/presentationml/2006/main">
   <p:cSld>
     <p:spTree>
@@ -13004,7 +12655,7 @@
 </p:sld>
 </file>
 
-<file path=ppt/slides/slide23.xml><?xml version="1.0" encoding="utf-8"?>
+<file path=ppt/slides/slide22.xml><?xml version="1.0" encoding="utf-8"?>
 <p:sld xmlns:a="http://schemas.openxmlformats.org/drawingml/2006/main" xmlns:r="http://schemas.openxmlformats.org/officeDocument/2006/relationships" xmlns:p="http://schemas.openxmlformats.org/presentationml/2006/main">
   <p:cSld>
     <p:spTree>
@@ -14162,7 +13813,7 @@
                 <a:tabLst/>
                 <a:defRPr/>
               </a:pPr>
-              <a:t>23</a:t>
+              <a:t>22</a:t>
             </a:fld>
             <a:endParaRPr kumimoji="0" lang="en-US" sz="900" b="0" i="0" u="none" strike="noStrike" kern="1200" cap="none" spc="0" normalizeH="0" baseline="0" noProof="0">
               <a:ln>
@@ -14480,7 +14131,7 @@
 </p:sld>
 </file>
 
-<file path=ppt/slides/slide24.xml><?xml version="1.0" encoding="utf-8"?>
+<file path=ppt/slides/slide23.xml><?xml version="1.0" encoding="utf-8"?>
 <p:sld xmlns:a="http://schemas.openxmlformats.org/drawingml/2006/main" xmlns:r="http://schemas.openxmlformats.org/officeDocument/2006/relationships" xmlns:p="http://schemas.openxmlformats.org/presentationml/2006/main">
   <p:cSld>
     <p:spTree>
@@ -15633,7 +15284,7 @@
                 <a:tabLst/>
                 <a:defRPr/>
               </a:pPr>
-              <a:t>24</a:t>
+              <a:t>23</a:t>
             </a:fld>
             <a:endParaRPr kumimoji="0" lang="en-US" sz="900" b="0" i="0" u="none" strike="noStrike" kern="1200" cap="none" spc="0" normalizeH="0" baseline="0" noProof="0">
               <a:ln>
@@ -16018,7 +15669,7 @@
 </p:sld>
 </file>
 
-<file path=ppt/slides/slide25.xml><?xml version="1.0" encoding="utf-8"?>
+<file path=ppt/slides/slide24.xml><?xml version="1.0" encoding="utf-8"?>
 <p:sld xmlns:a="http://schemas.openxmlformats.org/drawingml/2006/main" xmlns:r="http://schemas.openxmlformats.org/officeDocument/2006/relationships" xmlns:p="http://schemas.openxmlformats.org/presentationml/2006/main">
   <p:cSld>
     <p:spTree>
@@ -17171,7 +16822,7 @@
                 <a:tabLst/>
                 <a:defRPr/>
               </a:pPr>
-              <a:t>25</a:t>
+              <a:t>24</a:t>
             </a:fld>
             <a:endParaRPr kumimoji="0" lang="en-US" sz="900" b="0" i="0" u="none" strike="noStrike" kern="1200" cap="none" spc="0" normalizeH="0" baseline="0" noProof="0">
               <a:ln>
@@ -17562,7 +17213,7 @@
 </p:sld>
 </file>
 
-<file path=ppt/slides/slide26.xml><?xml version="1.0" encoding="utf-8"?>
+<file path=ppt/slides/slide25.xml><?xml version="1.0" encoding="utf-8"?>
 <p:sld xmlns:a="http://schemas.openxmlformats.org/drawingml/2006/main" xmlns:r="http://schemas.openxmlformats.org/officeDocument/2006/relationships" xmlns:p="http://schemas.openxmlformats.org/presentationml/2006/main">
   <p:cSld>
     <p:spTree>
@@ -17802,7 +17453,7 @@
                 <a:tabLst/>
                 <a:defRPr/>
               </a:pPr>
-              <a:t>26</a:t>
+              <a:t>25</a:t>
             </a:fld>
             <a:endParaRPr kumimoji="0" lang="en-US" sz="900" b="0" i="0" u="none" strike="noStrike" kern="1200" cap="none" spc="0" normalizeH="0" baseline="0" noProof="0">
               <a:ln>
@@ -18223,6 +17874,240 @@
 </p:sld>
 </file>
 
+<file path=ppt/slides/slide26.xml><?xml version="1.0" encoding="utf-8"?>
+<p:sld xmlns:a="http://schemas.openxmlformats.org/drawingml/2006/main" xmlns:r="http://schemas.openxmlformats.org/officeDocument/2006/relationships" xmlns:p="http://schemas.openxmlformats.org/presentationml/2006/main">
+  <p:cSld>
+    <p:spTree>
+      <p:nvGrpSpPr>
+        <p:cNvPr id="1" name=""/>
+        <p:cNvGrpSpPr/>
+        <p:nvPr/>
+      </p:nvGrpSpPr>
+      <p:grpSpPr>
+        <a:xfrm>
+          <a:off x="0" y="0"/>
+          <a:ext cx="0" cy="0"/>
+          <a:chOff x="0" y="0"/>
+          <a:chExt cx="0" cy="0"/>
+        </a:xfrm>
+      </p:grpSpPr>
+      <p:sp>
+        <p:nvSpPr>
+          <p:cNvPr id="16386" name="Title 1"/>
+          <p:cNvSpPr>
+            <a:spLocks noGrp="1"/>
+          </p:cNvSpPr>
+          <p:nvPr>
+            <p:ph type="title"/>
+          </p:nvPr>
+        </p:nvSpPr>
+        <p:spPr/>
+        <p:txBody>
+          <a:bodyPr/>
+          <a:lstStyle/>
+          <a:p>
+            <a:pPr eaLnBrk="1" hangingPunct="1"/>
+            <a:r>
+              <a:rPr lang="en-US" altLang="en-US" dirty="0"/>
+              <a:t>How a decision tree really splits data.</a:t>
+            </a:r>
+          </a:p>
+        </p:txBody>
+      </p:sp>
+      <p:sp>
+        <p:nvSpPr>
+          <p:cNvPr id="16387" name="Content Placeholder 2"/>
+          <p:cNvSpPr>
+            <a:spLocks noGrp="1"/>
+          </p:cNvSpPr>
+          <p:nvPr>
+            <p:ph sz="quarter" idx="1"/>
+          </p:nvPr>
+        </p:nvSpPr>
+        <p:spPr/>
+        <p:txBody>
+          <a:bodyPr/>
+          <a:lstStyle/>
+          <a:p>
+            <a:pPr eaLnBrk="1" hangingPunct="1"/>
+            <a:r>
+              <a:rPr lang="en-US" altLang="en-US" dirty="0"/>
+              <a:t>Order records according to one variable, say duration</a:t>
+            </a:r>
+          </a:p>
+          <a:p>
+            <a:pPr eaLnBrk="1" hangingPunct="1"/>
+            <a:r>
+              <a:rPr lang="en-US" altLang="en-US" dirty="0"/>
+              <a:t>Take a predictor value, say 600 (from the first record) and divide records into those with duration &gt;= 600 and those &lt; 600</a:t>
+            </a:r>
+          </a:p>
+          <a:p>
+            <a:pPr eaLnBrk="1" hangingPunct="1"/>
+            <a:r>
+              <a:rPr lang="en-US" altLang="en-US" dirty="0"/>
+              <a:t>Measure resulting purity (homogeneity) of class in each resulting portion</a:t>
+            </a:r>
+          </a:p>
+          <a:p>
+            <a:pPr eaLnBrk="1" hangingPunct="1"/>
+            <a:r>
+              <a:rPr lang="en-US" altLang="en-US" dirty="0"/>
+              <a:t>Try all other split values within the duration vector (column)</a:t>
+            </a:r>
+          </a:p>
+          <a:p>
+            <a:pPr eaLnBrk="1" hangingPunct="1"/>
+            <a:r>
+              <a:rPr lang="en-US" altLang="en-US" dirty="0"/>
+              <a:t>Repeat for other variable(s)</a:t>
+            </a:r>
+          </a:p>
+          <a:p>
+            <a:pPr eaLnBrk="1" hangingPunct="1"/>
+            <a:r>
+              <a:rPr lang="en-US" altLang="en-US" dirty="0"/>
+              <a:t>Select the one variable &amp; split that yields the most purity</a:t>
+            </a:r>
+          </a:p>
+          <a:p>
+            <a:pPr eaLnBrk="1" hangingPunct="1"/>
+            <a:r>
+              <a:rPr lang="en-US" altLang="en-US" dirty="0">
+                <a:solidFill>
+                  <a:schemeClr val="accent6"/>
+                </a:solidFill>
+              </a:rPr>
+              <a:t>Since it splits at various values within a single vector, there is no need to standardize (center, scale, normalize).</a:t>
+            </a:r>
+          </a:p>
+          <a:p>
+            <a:pPr eaLnBrk="1" hangingPunct="1"/>
+            <a:r>
+              <a:rPr lang="en-US" altLang="en-US" dirty="0">
+                <a:solidFill>
+                  <a:schemeClr val="accent6"/>
+                </a:solidFill>
+              </a:rPr>
+              <a:t>Complexity of the tree has to do with the number of layers allowed &amp; the size, how many records, within each terminal node </a:t>
+            </a:r>
+          </a:p>
+        </p:txBody>
+      </p:sp>
+      <p:sp>
+        <p:nvSpPr>
+          <p:cNvPr id="4" name="Date Placeholder 4"/>
+          <p:cNvSpPr>
+            <a:spLocks noGrp="1"/>
+          </p:cNvSpPr>
+          <p:nvPr>
+            <p:ph type="dt" sz="half" idx="10"/>
+          </p:nvPr>
+        </p:nvSpPr>
+        <p:spPr>
+          <a:xfrm>
+            <a:off x="628650" y="6356351"/>
+            <a:ext cx="2057400" cy="365125"/>
+          </a:xfrm>
+        </p:spPr>
+        <p:txBody>
+          <a:bodyPr/>
+          <a:lstStyle/>
+          <a:p>
+            <a:fld id="{9B19E99B-5349-415A-8E56-8E989211A366}" type="datetime1">
+              <a:rPr lang="en-US" smtClean="0"/>
+              <a:t>3/12/23</a:t>
+            </a:fld>
+            <a:endParaRPr lang="en-US"/>
+          </a:p>
+        </p:txBody>
+      </p:sp>
+      <p:sp>
+        <p:nvSpPr>
+          <p:cNvPr id="6" name="Slide Number Placeholder 6"/>
+          <p:cNvSpPr>
+            <a:spLocks noGrp="1"/>
+          </p:cNvSpPr>
+          <p:nvPr>
+            <p:ph type="sldNum" sz="quarter" idx="12"/>
+          </p:nvPr>
+        </p:nvSpPr>
+        <p:spPr>
+          <a:xfrm>
+            <a:off x="6457950" y="6356351"/>
+            <a:ext cx="857250" cy="365125"/>
+          </a:xfrm>
+        </p:spPr>
+        <p:txBody>
+          <a:bodyPr/>
+          <a:lstStyle/>
+          <a:p>
+            <a:r>
+              <a:rPr lang="en-US" dirty="0"/>
+              <a:t>62</a:t>
+            </a:r>
+          </a:p>
+        </p:txBody>
+      </p:sp>
+      <p:sp>
+        <p:nvSpPr>
+          <p:cNvPr id="2" name="Footer Placeholder 4">
+            <a:extLst>
+              <a:ext uri="{FF2B5EF4-FFF2-40B4-BE49-F238E27FC236}">
+                <a16:creationId xmlns:a16="http://schemas.microsoft.com/office/drawing/2014/main" id="{A379F41D-8E25-1EE5-9455-9A12E4CB6D8E}"/>
+              </a:ext>
+            </a:extLst>
+          </p:cNvPr>
+          <p:cNvSpPr>
+            <a:spLocks noGrp="1"/>
+          </p:cNvSpPr>
+          <p:nvPr>
+            <p:ph type="ftr" sz="quarter" idx="3"/>
+          </p:nvPr>
+        </p:nvSpPr>
+        <p:spPr>
+          <a:xfrm>
+            <a:off x="3028950" y="6356351"/>
+            <a:ext cx="3086100" cy="365125"/>
+          </a:xfrm>
+          <a:prstGeom prst="rect">
+            <a:avLst/>
+          </a:prstGeom>
+        </p:spPr>
+        <p:txBody>
+          <a:bodyPr vert="horz" lIns="91440" tIns="45720" rIns="91440" bIns="45720" rtlCol="0" anchor="ctr"/>
+          <a:lstStyle>
+            <a:lvl1pPr algn="ctr">
+              <a:defRPr sz="900">
+                <a:solidFill>
+                  <a:schemeClr val="tx1">
+                    <a:tint val="75000"/>
+                  </a:schemeClr>
+                </a:solidFill>
+              </a:defRPr>
+            </a:lvl1pPr>
+          </a:lstStyle>
+          <a:p>
+            <a:r>
+              <a:rPr lang="en-US" dirty="0"/>
+              <a:t>Kwartler</a:t>
+            </a:r>
+          </a:p>
+        </p:txBody>
+      </p:sp>
+    </p:spTree>
+    <p:extLst>
+      <p:ext uri="{BB962C8B-B14F-4D97-AF65-F5344CB8AC3E}">
+        <p14:creationId xmlns:p14="http://schemas.microsoft.com/office/powerpoint/2010/main" val="3388001067"/>
+      </p:ext>
+    </p:extLst>
+  </p:cSld>
+  <p:clrMapOvr>
+    <a:masterClrMapping/>
+  </p:clrMapOvr>
+</p:sld>
+</file>
+
 <file path=ppt/slides/slide27.xml><?xml version="1.0" encoding="utf-8"?>
 <p:sld xmlns:a="http://schemas.openxmlformats.org/drawingml/2006/main" xmlns:r="http://schemas.openxmlformats.org/officeDocument/2006/relationships" xmlns:p="http://schemas.openxmlformats.org/presentationml/2006/main">
   <p:cSld>
@@ -18240,9 +18125,74 @@
           <a:chExt cx="0" cy="0"/>
         </a:xfrm>
       </p:grpSpPr>
-      <p:sp>
-        <p:nvSpPr>
-          <p:cNvPr id="16386" name="Title 1"/>
+      <p:pic>
+        <p:nvPicPr>
+          <p:cNvPr id="6" name="Picture 5">
+            <a:extLst>
+              <a:ext uri="{FF2B5EF4-FFF2-40B4-BE49-F238E27FC236}">
+                <a16:creationId xmlns:a16="http://schemas.microsoft.com/office/drawing/2014/main" id="{F95EBBD1-26D1-4A95-B565-8E6DCD7C19CB}"/>
+              </a:ext>
+            </a:extLst>
+          </p:cNvPr>
+          <p:cNvPicPr>
+            <a:picLocks noChangeAspect="1"/>
+          </p:cNvPicPr>
+          <p:nvPr/>
+        </p:nvPicPr>
+        <p:blipFill>
+          <a:blip r:embed="rId2"/>
+          <a:stretch>
+            <a:fillRect/>
+          </a:stretch>
+        </p:blipFill>
+        <p:spPr>
+          <a:xfrm>
+            <a:off x="1524000" y="1200832"/>
+            <a:ext cx="5614254" cy="5332219"/>
+          </a:xfrm>
+          <a:prstGeom prst="rect">
+            <a:avLst/>
+          </a:prstGeom>
+        </p:spPr>
+      </p:pic>
+      <p:sp>
+        <p:nvSpPr>
+          <p:cNvPr id="2" name="Date Placeholder 1">
+            <a:extLst>
+              <a:ext uri="{FF2B5EF4-FFF2-40B4-BE49-F238E27FC236}">
+                <a16:creationId xmlns:a16="http://schemas.microsoft.com/office/drawing/2014/main" id="{42E0C9CE-67EB-4AD0-836D-C783C61D2488}"/>
+              </a:ext>
+            </a:extLst>
+          </p:cNvPr>
+          <p:cNvSpPr>
+            <a:spLocks noGrp="1"/>
+          </p:cNvSpPr>
+          <p:nvPr>
+            <p:ph type="dt" sz="half" idx="10"/>
+          </p:nvPr>
+        </p:nvSpPr>
+        <p:spPr/>
+        <p:txBody>
+          <a:bodyPr/>
+          <a:lstStyle/>
+          <a:p>
+            <a:fld id="{6700A58B-DD98-43D0-B791-721480A02982}" type="datetime1">
+              <a:rPr lang="en-US" smtClean="0"/>
+              <a:t>3/12/23</a:t>
+            </a:fld>
+            <a:endParaRPr lang="en-US"/>
+          </a:p>
+        </p:txBody>
+      </p:sp>
+      <p:sp>
+        <p:nvSpPr>
+          <p:cNvPr id="3" name="Title 2">
+            <a:extLst>
+              <a:ext uri="{FF2B5EF4-FFF2-40B4-BE49-F238E27FC236}">
+                <a16:creationId xmlns:a16="http://schemas.microsoft.com/office/drawing/2014/main" id="{DE073A4E-881B-4087-888F-54EFDE9A13C8}"/>
+              </a:ext>
+            </a:extLst>
+          </p:cNvPr>
           <p:cNvSpPr>
             <a:spLocks noGrp="1"/>
           </p:cNvSpPr>
@@ -18255,125 +18205,22 @@
           <a:bodyPr/>
           <a:lstStyle/>
           <a:p>
-            <a:pPr eaLnBrk="1" hangingPunct="1"/>
-            <a:r>
-              <a:rPr lang="en-US" altLang="en-US" dirty="0"/>
-              <a:t>How a decision tree really splits data.</a:t>
-            </a:r>
-          </a:p>
-        </p:txBody>
-      </p:sp>
-      <p:sp>
-        <p:nvSpPr>
-          <p:cNvPr id="16387" name="Content Placeholder 2"/>
-          <p:cNvSpPr>
-            <a:spLocks noGrp="1"/>
-          </p:cNvSpPr>
-          <p:nvPr>
-            <p:ph sz="quarter" idx="1"/>
-          </p:nvPr>
-        </p:nvSpPr>
-        <p:spPr/>
-        <p:txBody>
-          <a:bodyPr/>
-          <a:lstStyle/>
-          <a:p>
-            <a:pPr eaLnBrk="1" hangingPunct="1"/>
-            <a:r>
-              <a:rPr lang="en-US" altLang="en-US" dirty="0"/>
-              <a:t>Order records according to one variable, say duration</a:t>
-            </a:r>
-          </a:p>
-          <a:p>
-            <a:pPr eaLnBrk="1" hangingPunct="1"/>
-            <a:r>
-              <a:rPr lang="en-US" altLang="en-US" dirty="0"/>
-              <a:t>Take a predictor value, say 600 (from the first record) and divide records into those with duration &gt;= 600 and those &lt; 600</a:t>
-            </a:r>
-          </a:p>
-          <a:p>
-            <a:pPr eaLnBrk="1" hangingPunct="1"/>
-            <a:r>
-              <a:rPr lang="en-US" altLang="en-US" dirty="0"/>
-              <a:t>Measure resulting purity (homogeneity) of class in each resulting portion</a:t>
-            </a:r>
-          </a:p>
-          <a:p>
-            <a:pPr eaLnBrk="1" hangingPunct="1"/>
-            <a:r>
-              <a:rPr lang="en-US" altLang="en-US" dirty="0"/>
-              <a:t>Try all other split values within the duration vector (column)</a:t>
-            </a:r>
-          </a:p>
-          <a:p>
-            <a:pPr eaLnBrk="1" hangingPunct="1"/>
-            <a:r>
-              <a:rPr lang="en-US" altLang="en-US" dirty="0"/>
-              <a:t>Repeat for other variable(s)</a:t>
-            </a:r>
-          </a:p>
-          <a:p>
-            <a:pPr eaLnBrk="1" hangingPunct="1"/>
-            <a:r>
-              <a:rPr lang="en-US" altLang="en-US" dirty="0"/>
-              <a:t>Select the one variable &amp; split that yields the most purity</a:t>
-            </a:r>
-          </a:p>
-          <a:p>
-            <a:pPr eaLnBrk="1" hangingPunct="1"/>
-            <a:r>
-              <a:rPr lang="en-US" altLang="en-US" dirty="0">
-                <a:solidFill>
-                  <a:schemeClr val="accent6"/>
-                </a:solidFill>
-              </a:rPr>
-              <a:t>Since it splits at various values within a single vector, there is no need to standardize (center, scale, normalize).</a:t>
-            </a:r>
-          </a:p>
-          <a:p>
-            <a:pPr eaLnBrk="1" hangingPunct="1"/>
-            <a:r>
-              <a:rPr lang="en-US" altLang="en-US" dirty="0">
-                <a:solidFill>
-                  <a:schemeClr val="accent6"/>
-                </a:solidFill>
-              </a:rPr>
-              <a:t>Complexity of the tree has to do with the number of layers allowed &amp; the size, how many records, within each terminal node </a:t>
-            </a:r>
-          </a:p>
-        </p:txBody>
-      </p:sp>
-      <p:sp>
-        <p:nvSpPr>
-          <p:cNvPr id="4" name="Date Placeholder 4"/>
-          <p:cNvSpPr>
-            <a:spLocks noGrp="1"/>
-          </p:cNvSpPr>
-          <p:nvPr>
-            <p:ph type="dt" sz="half" idx="10"/>
-          </p:nvPr>
-        </p:nvSpPr>
-        <p:spPr>
-          <a:xfrm>
-            <a:off x="628650" y="6356351"/>
-            <a:ext cx="2057400" cy="365125"/>
-          </a:xfrm>
-        </p:spPr>
-        <p:txBody>
-          <a:bodyPr/>
-          <a:lstStyle/>
-          <a:p>
-            <a:fld id="{9B19E99B-5349-415A-8E56-8E989211A366}" type="datetime1">
-              <a:rPr lang="en-US" smtClean="0"/>
-              <a:t>3/12/23</a:t>
-            </a:fld>
-            <a:endParaRPr lang="en-US"/>
-          </a:p>
-        </p:txBody>
-      </p:sp>
-      <p:sp>
-        <p:nvSpPr>
-          <p:cNvPr id="6" name="Slide Number Placeholder 6"/>
+            <a:r>
+              <a:rPr lang="en-US" dirty="0"/>
+              <a:t>An example of overfitting…</a:t>
+            </a:r>
+          </a:p>
+        </p:txBody>
+      </p:sp>
+      <p:sp>
+        <p:nvSpPr>
+          <p:cNvPr id="4" name="Slide Number Placeholder 3">
+            <a:extLst>
+              <a:ext uri="{FF2B5EF4-FFF2-40B4-BE49-F238E27FC236}">
+                <a16:creationId xmlns:a16="http://schemas.microsoft.com/office/drawing/2014/main" id="{266C3AAE-17CC-4F12-939B-CC4079F7A6FA}"/>
+              </a:ext>
+            </a:extLst>
+          </p:cNvPr>
           <p:cNvSpPr>
             <a:spLocks noGrp="1"/>
           </p:cNvSpPr>
@@ -18381,29 +18228,98 @@
             <p:ph type="sldNum" sz="quarter" idx="12"/>
           </p:nvPr>
         </p:nvSpPr>
+        <p:spPr/>
+        <p:txBody>
+          <a:bodyPr/>
+          <a:lstStyle/>
+          <a:p>
+            <a:fld id="{37290FF7-652B-4475-AEAB-8B1A5D23AE09}" type="slidenum">
+              <a:rPr lang="en-US" smtClean="0"/>
+              <a:t>27</a:t>
+            </a:fld>
+            <a:endParaRPr lang="en-US"/>
+          </a:p>
+        </p:txBody>
+      </p:sp>
+      <p:sp>
+        <p:nvSpPr>
+          <p:cNvPr id="7" name="TextBox 6">
+            <a:extLst>
+              <a:ext uri="{FF2B5EF4-FFF2-40B4-BE49-F238E27FC236}">
+                <a16:creationId xmlns:a16="http://schemas.microsoft.com/office/drawing/2014/main" id="{E97BFE1E-5F1A-4D5B-A90C-2D63F23FB9BF}"/>
+              </a:ext>
+            </a:extLst>
+          </p:cNvPr>
+          <p:cNvSpPr txBox="1"/>
+          <p:nvPr/>
+        </p:nvSpPr>
         <p:spPr>
           <a:xfrm>
-            <a:off x="6457950" y="6356351"/>
-            <a:ext cx="857250" cy="365125"/>
+            <a:off x="5744308" y="1439976"/>
+            <a:ext cx="3200400" cy="738664"/>
           </a:xfrm>
+          <a:prstGeom prst="rect">
+            <a:avLst/>
+          </a:prstGeom>
+          <a:solidFill>
+            <a:schemeClr val="accent5"/>
+          </a:solidFill>
         </p:spPr>
         <p:txBody>
-          <a:bodyPr/>
+          <a:bodyPr wrap="square" rtlCol="0">
+            <a:spAutoFit/>
+          </a:bodyPr>
           <a:lstStyle/>
           <a:p>
-            <a:r>
-              <a:rPr lang="en-US" dirty="0"/>
-              <a:t>62</a:t>
-            </a:r>
-          </a:p>
-        </p:txBody>
-      </p:sp>
-      <p:sp>
-        <p:nvSpPr>
-          <p:cNvPr id="2" name="Footer Placeholder 4">
-            <a:extLst>
-              <a:ext uri="{FF2B5EF4-FFF2-40B4-BE49-F238E27FC236}">
-                <a16:creationId xmlns:a16="http://schemas.microsoft.com/office/drawing/2014/main" id="{A379F41D-8E25-1EE5-9455-9A12E4CB6D8E}"/>
+            <a:pPr marL="0" marR="0" lvl="0" indent="0" algn="l" defTabSz="914400" rtl="0" eaLnBrk="1" fontAlgn="auto" latinLnBrk="0" hangingPunct="1">
+              <a:lnSpc>
+                <a:spcPct val="100000"/>
+              </a:lnSpc>
+              <a:spcBef>
+                <a:spcPts val="0"/>
+              </a:spcBef>
+              <a:spcAft>
+                <a:spcPts val="0"/>
+              </a:spcAft>
+              <a:buClrTx/>
+              <a:buSzTx/>
+              <a:buFontTx/>
+              <a:buNone/>
+              <a:tabLst/>
+              <a:defRPr/>
+            </a:pPr>
+            <a:r>
+              <a:rPr lang="en-US" sz="1400" dirty="0">
+                <a:solidFill>
+                  <a:prstClr val="black"/>
+                </a:solidFill>
+                <a:latin typeface="Calibri" panose="020F0502020204030204"/>
+              </a:rPr>
+              <a:t>2 rules still have some impurity in each section.  Maybe we should keep adding rules.</a:t>
+            </a:r>
+            <a:endParaRPr kumimoji="0" lang="en-US" sz="1400" b="0" i="0" u="none" strike="noStrike" kern="1200" cap="none" spc="0" normalizeH="0" baseline="0" noProof="0" dirty="0">
+              <a:ln>
+                <a:noFill/>
+              </a:ln>
+              <a:solidFill>
+                <a:prstClr val="black"/>
+              </a:solidFill>
+              <a:effectLst/>
+              <a:uLnTx/>
+              <a:uFillTx/>
+              <a:latin typeface="Calibri" panose="020F0502020204030204"/>
+              <a:ea typeface="+mn-ea"/>
+              <a:cs typeface="+mn-cs"/>
+            </a:endParaRPr>
+          </a:p>
+        </p:txBody>
+      </p:sp>
+      <p:sp>
+        <p:nvSpPr>
+          <p:cNvPr id="8" name="Footer Placeholder 4">
+            <a:extLst>
+              <a:ext uri="{FF2B5EF4-FFF2-40B4-BE49-F238E27FC236}">
+                <a16:creationId xmlns:a16="http://schemas.microsoft.com/office/drawing/2014/main" id="{D3009BE2-8030-405E-75BD-2C7CE8951C92}"/>
               </a:ext>
             </a:extLst>
           </p:cNvPr>
@@ -18447,7 +18363,7 @@
     </p:spTree>
     <p:extLst>
       <p:ext uri="{BB962C8B-B14F-4D97-AF65-F5344CB8AC3E}">
-        <p14:creationId xmlns:p14="http://schemas.microsoft.com/office/powerpoint/2010/main" val="3388001067"/>
+        <p14:creationId xmlns:p14="http://schemas.microsoft.com/office/powerpoint/2010/main" val="2204241904"/>
       </p:ext>
     </p:extLst>
   </p:cSld>
@@ -18605,7 +18521,7 @@
         <p:spPr>
           <a:xfrm>
             <a:off x="5744308" y="1439976"/>
-            <a:ext cx="3200400" cy="738664"/>
+            <a:ext cx="3200400" cy="307777"/>
           </a:xfrm>
           <a:prstGeom prst="rect">
             <a:avLst/>
@@ -18644,7 +18560,7 @@
                 </a:solidFill>
                 <a:latin typeface="Calibri" panose="020F0502020204030204"/>
               </a:rPr>
-              <a:t>2 rules still have some impurity in each section.  Maybe we should keep adding rules.</a:t>
+              <a:t>Adding this rule improves the purity</a:t>
             </a:r>
             <a:endParaRPr kumimoji="0" lang="en-US" sz="1400" b="0" i="0" u="none" strike="noStrike" kern="1200" cap="none" spc="0" normalizeH="0" baseline="0" noProof="0" dirty="0">
               <a:ln>
@@ -18663,12 +18579,83 @@
           </a:p>
         </p:txBody>
       </p:sp>
+      <p:cxnSp>
+        <p:nvCxnSpPr>
+          <p:cNvPr id="9" name="Straight Connector 8">
+            <a:extLst>
+              <a:ext uri="{FF2B5EF4-FFF2-40B4-BE49-F238E27FC236}">
+                <a16:creationId xmlns:a16="http://schemas.microsoft.com/office/drawing/2014/main" id="{F1B989BF-6D09-4F99-8558-B02294075237}"/>
+              </a:ext>
+            </a:extLst>
+          </p:cNvPr>
+          <p:cNvCxnSpPr/>
+          <p:nvPr/>
+        </p:nvCxnSpPr>
+        <p:spPr>
+          <a:xfrm flipH="1">
+            <a:off x="1295400" y="5562600"/>
+            <a:ext cx="2667000" cy="0"/>
+          </a:xfrm>
+          <a:prstGeom prst="line">
+            <a:avLst/>
+          </a:prstGeom>
+        </p:spPr>
+        <p:style>
+          <a:lnRef idx="1">
+            <a:schemeClr val="accent1"/>
+          </a:lnRef>
+          <a:fillRef idx="0">
+            <a:schemeClr val="accent1"/>
+          </a:fillRef>
+          <a:effectRef idx="0">
+            <a:schemeClr val="accent1"/>
+          </a:effectRef>
+          <a:fontRef idx="minor">
+            <a:schemeClr val="tx1"/>
+          </a:fontRef>
+        </p:style>
+      </p:cxnSp>
+      <p:sp>
+        <p:nvSpPr>
+          <p:cNvPr id="10" name="TextBox 9">
+            <a:extLst>
+              <a:ext uri="{FF2B5EF4-FFF2-40B4-BE49-F238E27FC236}">
+                <a16:creationId xmlns:a16="http://schemas.microsoft.com/office/drawing/2014/main" id="{A85B5247-BAD5-4715-BC07-F01B88B46BFC}"/>
+              </a:ext>
+            </a:extLst>
+          </p:cNvPr>
+          <p:cNvSpPr txBox="1"/>
+          <p:nvPr/>
+        </p:nvSpPr>
+        <p:spPr>
+          <a:xfrm>
+            <a:off x="279565" y="5377934"/>
+            <a:ext cx="995465" cy="369332"/>
+          </a:xfrm>
+          <a:prstGeom prst="rect">
+            <a:avLst/>
+          </a:prstGeom>
+          <a:noFill/>
+        </p:spPr>
+        <p:txBody>
+          <a:bodyPr wrap="none" rtlCol="0">
+            <a:spAutoFit/>
+          </a:bodyPr>
+          <a:lstStyle/>
+          <a:p>
+            <a:r>
+              <a:rPr lang="en-US" dirty="0"/>
+              <a:t>Age &lt; 22</a:t>
+            </a:r>
+          </a:p>
+        </p:txBody>
+      </p:sp>
       <p:sp>
         <p:nvSpPr>
           <p:cNvPr id="8" name="Footer Placeholder 4">
             <a:extLst>
               <a:ext uri="{FF2B5EF4-FFF2-40B4-BE49-F238E27FC236}">
-                <a16:creationId xmlns:a16="http://schemas.microsoft.com/office/drawing/2014/main" id="{D3009BE2-8030-405E-75BD-2C7CE8951C92}"/>
+                <a16:creationId xmlns:a16="http://schemas.microsoft.com/office/drawing/2014/main" id="{ED0961BF-AE29-D051-75BC-EAE59EC1E4D0}"/>
               </a:ext>
             </a:extLst>
           </p:cNvPr>
@@ -18712,7 +18699,7 @@
     </p:spTree>
     <p:extLst>
       <p:ext uri="{BB962C8B-B14F-4D97-AF65-F5344CB8AC3E}">
-        <p14:creationId xmlns:p14="http://schemas.microsoft.com/office/powerpoint/2010/main" val="2204241904"/>
+        <p14:creationId xmlns:p14="http://schemas.microsoft.com/office/powerpoint/2010/main" val="935637694"/>
       </p:ext>
     </p:extLst>
   </p:cSld>
@@ -18870,7 +18857,7 @@
         <p:spPr>
           <a:xfrm>
             <a:off x="5744308" y="1439976"/>
-            <a:ext cx="3200400" cy="307777"/>
+            <a:ext cx="3200400" cy="523220"/>
           </a:xfrm>
           <a:prstGeom prst="rect">
             <a:avLst/>
@@ -18909,7 +18896,7 @@
                 </a:solidFill>
                 <a:latin typeface="Calibri" panose="020F0502020204030204"/>
               </a:rPr>
-              <a:t>Adding this rule improves the purity</a:t>
+              <a:t>These additional rules look like they help too.</a:t>
             </a:r>
             <a:endParaRPr kumimoji="0" lang="en-US" sz="1400" b="0" i="0" u="none" strike="noStrike" kern="1200" cap="none" spc="0" normalizeH="0" baseline="0" noProof="0" dirty="0">
               <a:ln>
@@ -18999,12 +18986,156 @@
           </a:p>
         </p:txBody>
       </p:sp>
+      <p:cxnSp>
+        <p:nvCxnSpPr>
+          <p:cNvPr id="11" name="Straight Connector 10">
+            <a:extLst>
+              <a:ext uri="{FF2B5EF4-FFF2-40B4-BE49-F238E27FC236}">
+                <a16:creationId xmlns:a16="http://schemas.microsoft.com/office/drawing/2014/main" id="{B56B45D8-4AF9-4A75-B1BC-F37A316684D3}"/>
+              </a:ext>
+            </a:extLst>
+          </p:cNvPr>
+          <p:cNvCxnSpPr/>
+          <p:nvPr/>
+        </p:nvCxnSpPr>
+        <p:spPr>
+          <a:xfrm flipH="1">
+            <a:off x="1295400" y="2667000"/>
+            <a:ext cx="2667000" cy="0"/>
+          </a:xfrm>
+          <a:prstGeom prst="line">
+            <a:avLst/>
+          </a:prstGeom>
+        </p:spPr>
+        <p:style>
+          <a:lnRef idx="1">
+            <a:schemeClr val="accent1"/>
+          </a:lnRef>
+          <a:fillRef idx="0">
+            <a:schemeClr val="accent1"/>
+          </a:fillRef>
+          <a:effectRef idx="0">
+            <a:schemeClr val="accent1"/>
+          </a:effectRef>
+          <a:fontRef idx="minor">
+            <a:schemeClr val="tx1"/>
+          </a:fontRef>
+        </p:style>
+      </p:cxnSp>
+      <p:sp>
+        <p:nvSpPr>
+          <p:cNvPr id="12" name="TextBox 11">
+            <a:extLst>
+              <a:ext uri="{FF2B5EF4-FFF2-40B4-BE49-F238E27FC236}">
+                <a16:creationId xmlns:a16="http://schemas.microsoft.com/office/drawing/2014/main" id="{7910CBFE-AE67-4759-9761-F48B3425AE17}"/>
+              </a:ext>
+            </a:extLst>
+          </p:cNvPr>
+          <p:cNvSpPr txBox="1"/>
+          <p:nvPr/>
+        </p:nvSpPr>
+        <p:spPr>
+          <a:xfrm>
+            <a:off x="279565" y="2482334"/>
+            <a:ext cx="995465" cy="369332"/>
+          </a:xfrm>
+          <a:prstGeom prst="rect">
+            <a:avLst/>
+          </a:prstGeom>
+          <a:noFill/>
+        </p:spPr>
+        <p:txBody>
+          <a:bodyPr wrap="none" rtlCol="0">
+            <a:spAutoFit/>
+          </a:bodyPr>
+          <a:lstStyle/>
+          <a:p>
+            <a:r>
+              <a:rPr lang="en-US" dirty="0"/>
+              <a:t>Age &gt; 62</a:t>
+            </a:r>
+          </a:p>
+        </p:txBody>
+      </p:sp>
+      <p:cxnSp>
+        <p:nvCxnSpPr>
+          <p:cNvPr id="13" name="Straight Connector 12">
+            <a:extLst>
+              <a:ext uri="{FF2B5EF4-FFF2-40B4-BE49-F238E27FC236}">
+                <a16:creationId xmlns:a16="http://schemas.microsoft.com/office/drawing/2014/main" id="{CC76F8C8-40AA-448A-8AA7-F73668022F4C}"/>
+              </a:ext>
+            </a:extLst>
+          </p:cNvPr>
+          <p:cNvCxnSpPr>
+            <a:cxnSpLocks/>
+          </p:cNvCxnSpPr>
+          <p:nvPr/>
+        </p:nvCxnSpPr>
+        <p:spPr>
+          <a:xfrm>
+            <a:off x="5257800" y="1371600"/>
+            <a:ext cx="0" cy="4937760"/>
+          </a:xfrm>
+          <a:prstGeom prst="line">
+            <a:avLst/>
+          </a:prstGeom>
+        </p:spPr>
+        <p:style>
+          <a:lnRef idx="1">
+            <a:schemeClr val="accent1"/>
+          </a:lnRef>
+          <a:fillRef idx="0">
+            <a:schemeClr val="accent1"/>
+          </a:fillRef>
+          <a:effectRef idx="0">
+            <a:schemeClr val="accent1"/>
+          </a:effectRef>
+          <a:fontRef idx="minor">
+            <a:schemeClr val="tx1"/>
+          </a:fontRef>
+        </p:style>
+      </p:cxnSp>
+      <p:sp>
+        <p:nvSpPr>
+          <p:cNvPr id="14" name="TextBox 13">
+            <a:extLst>
+              <a:ext uri="{FF2B5EF4-FFF2-40B4-BE49-F238E27FC236}">
+                <a16:creationId xmlns:a16="http://schemas.microsoft.com/office/drawing/2014/main" id="{3F4F65F0-4F63-428C-BBA5-F12183C27F37}"/>
+              </a:ext>
+            </a:extLst>
+          </p:cNvPr>
+          <p:cNvSpPr txBox="1"/>
+          <p:nvPr/>
+        </p:nvSpPr>
+        <p:spPr>
+          <a:xfrm rot="16200000">
+            <a:off x="4544706" y="3184542"/>
+            <a:ext cx="1748748" cy="369332"/>
+          </a:xfrm>
+          <a:prstGeom prst="rect">
+            <a:avLst/>
+          </a:prstGeom>
+          <a:noFill/>
+        </p:spPr>
+        <p:txBody>
+          <a:bodyPr wrap="none" rtlCol="0">
+            <a:spAutoFit/>
+          </a:bodyPr>
+          <a:lstStyle/>
+          <a:p>
+            <a:r>
+              <a:rPr lang="en-US" dirty="0"/>
+              <a:t>Duration &gt; 1100 </a:t>
+            </a:r>
+          </a:p>
+        </p:txBody>
+      </p:sp>
       <p:sp>
         <p:nvSpPr>
           <p:cNvPr id="8" name="Footer Placeholder 4">
             <a:extLst>
               <a:ext uri="{FF2B5EF4-FFF2-40B4-BE49-F238E27FC236}">
-                <a16:creationId xmlns:a16="http://schemas.microsoft.com/office/drawing/2014/main" id="{ED0961BF-AE29-D051-75BC-EAE59EC1E4D0}"/>
+                <a16:creationId xmlns:a16="http://schemas.microsoft.com/office/drawing/2014/main" id="{6E3A9B09-073E-9F67-8405-4B22B6C7B74D}"/>
               </a:ext>
             </a:extLst>
           </p:cNvPr>
@@ -19048,7 +19179,7 @@
     </p:spTree>
     <p:extLst>
       <p:ext uri="{BB962C8B-B14F-4D97-AF65-F5344CB8AC3E}">
-        <p14:creationId xmlns:p14="http://schemas.microsoft.com/office/powerpoint/2010/main" val="935637694"/>
+        <p14:creationId xmlns:p14="http://schemas.microsoft.com/office/powerpoint/2010/main" val="922517876"/>
       </p:ext>
     </p:extLst>
   </p:cSld>
@@ -19077,7 +19208,42 @@
       </p:grpSpPr>
       <p:sp>
         <p:nvSpPr>
-          <p:cNvPr id="2" name="Title 1"/>
+          <p:cNvPr id="2" name="Date Placeholder 1">
+            <a:extLst>
+              <a:ext uri="{FF2B5EF4-FFF2-40B4-BE49-F238E27FC236}">
+                <a16:creationId xmlns:a16="http://schemas.microsoft.com/office/drawing/2014/main" id="{69694DB3-CEFE-49D5-866E-475F55D5BDF4}"/>
+              </a:ext>
+            </a:extLst>
+          </p:cNvPr>
+          <p:cNvSpPr>
+            <a:spLocks noGrp="1"/>
+          </p:cNvSpPr>
+          <p:nvPr>
+            <p:ph type="dt" sz="half" idx="10"/>
+          </p:nvPr>
+        </p:nvSpPr>
+        <p:spPr/>
+        <p:txBody>
+          <a:bodyPr/>
+          <a:lstStyle/>
+          <a:p>
+            <a:fld id="{6700A58B-DD98-43D0-B791-721480A02982}" type="datetime1">
+              <a:rPr lang="en-US" smtClean="0"/>
+              <a:t>3/12/23</a:t>
+            </a:fld>
+            <a:endParaRPr lang="en-US"/>
+          </a:p>
+        </p:txBody>
+      </p:sp>
+      <p:sp>
+        <p:nvSpPr>
+          <p:cNvPr id="3" name="Title 2">
+            <a:extLst>
+              <a:ext uri="{FF2B5EF4-FFF2-40B4-BE49-F238E27FC236}">
+                <a16:creationId xmlns:a16="http://schemas.microsoft.com/office/drawing/2014/main" id="{787E2F7D-50B6-43F4-85CC-C9531D3F6175}"/>
+              </a:ext>
+            </a:extLst>
+          </p:cNvPr>
           <p:cNvSpPr>
             <a:spLocks noGrp="1"/>
           </p:cNvSpPr>
@@ -19092,419 +19258,20 @@
           <a:p>
             <a:r>
               <a:rPr lang="en-US" dirty="0"/>
-              <a:t>Agenda</a:t>
-            </a:r>
-          </a:p>
-        </p:txBody>
-      </p:sp>
-      <p:graphicFrame>
-        <p:nvGraphicFramePr>
-          <p:cNvPr id="4" name="Content Placeholder 3"/>
-          <p:cNvGraphicFramePr>
-            <a:graphicFrameLocks noGrp="1"/>
-          </p:cNvGraphicFramePr>
-          <p:nvPr>
-            <p:ph idx="1"/>
-            <p:extLst>
-              <p:ext uri="{D42A27DB-BD31-4B8C-83A1-F6EECF244321}">
-                <p14:modId xmlns:p14="http://schemas.microsoft.com/office/powerpoint/2010/main" val="3661393194"/>
-              </p:ext>
-            </p:extLst>
-          </p:nvPr>
-        </p:nvGraphicFramePr>
-        <p:xfrm>
-          <a:off x="614363" y="1111250"/>
-          <a:ext cx="7915275" cy="2377440"/>
-        </p:xfrm>
-        <a:graphic>
-          <a:graphicData uri="http://schemas.openxmlformats.org/drawingml/2006/table">
-            <a:tbl>
-              <a:tblPr firstRow="1" bandRow="1">
-                <a:tableStyleId>{F5AB1C69-6EDB-4FF4-983F-18BD219EF322}</a:tableStyleId>
-              </a:tblPr>
-              <a:tblGrid>
-                <a:gridCol w="1242805">
-                  <a:extLst>
-                    <a:ext uri="{9D8B030D-6E8A-4147-A177-3AD203B41FA5}">
-                      <a16:colId xmlns:a16="http://schemas.microsoft.com/office/drawing/2014/main" val="20000"/>
-                    </a:ext>
-                  </a:extLst>
-                </a:gridCol>
-                <a:gridCol w="861296">
-                  <a:extLst>
-                    <a:ext uri="{9D8B030D-6E8A-4147-A177-3AD203B41FA5}">
-                      <a16:colId xmlns:a16="http://schemas.microsoft.com/office/drawing/2014/main" val="20001"/>
-                    </a:ext>
-                  </a:extLst>
-                </a:gridCol>
-                <a:gridCol w="5811174">
-                  <a:extLst>
-                    <a:ext uri="{9D8B030D-6E8A-4147-A177-3AD203B41FA5}">
-                      <a16:colId xmlns:a16="http://schemas.microsoft.com/office/drawing/2014/main" val="20002"/>
-                    </a:ext>
-                  </a:extLst>
-                </a:gridCol>
-              </a:tblGrid>
-              <a:tr h="370840">
-                <a:tc>
-                  <a:txBody>
-                    <a:bodyPr/>
-                    <a:lstStyle/>
-                    <a:p>
-                      <a:pPr algn="ctr"/>
-                      <a:r>
-                        <a:rPr lang="en-US" sz="2000" b="0" strike="noStrike" dirty="0">
-                          <a:solidFill>
-                            <a:schemeClr val="bg1"/>
-                          </a:solidFill>
-                        </a:rPr>
-                        <a:t>Start</a:t>
-                      </a:r>
-                    </a:p>
-                  </a:txBody>
-                  <a:tcPr/>
-                </a:tc>
-                <a:tc>
-                  <a:txBody>
-                    <a:bodyPr/>
-                    <a:lstStyle/>
-                    <a:p>
-                      <a:pPr algn="ctr"/>
-                      <a:r>
-                        <a:rPr lang="en-US" sz="2000" b="0" strike="noStrike" dirty="0">
-                          <a:solidFill>
-                            <a:schemeClr val="bg1"/>
-                          </a:solidFill>
-                        </a:rPr>
-                        <a:t>End</a:t>
-                      </a:r>
-                    </a:p>
-                  </a:txBody>
-                  <a:tcPr/>
-                </a:tc>
-                <a:tc>
-                  <a:txBody>
-                    <a:bodyPr/>
-                    <a:lstStyle/>
-                    <a:p>
-                      <a:r>
-                        <a:rPr lang="en-US" sz="2000" b="0" strike="noStrike" dirty="0">
-                          <a:solidFill>
-                            <a:schemeClr val="bg1"/>
-                          </a:solidFill>
-                        </a:rPr>
-                        <a:t>Item</a:t>
-                      </a:r>
-                    </a:p>
-                  </a:txBody>
-                  <a:tcPr/>
-                </a:tc>
-                <a:extLst>
-                  <a:ext uri="{0D108BD9-81ED-4DB2-BD59-A6C34878D82A}">
-                    <a16:rowId xmlns:a16="http://schemas.microsoft.com/office/drawing/2014/main" val="10000"/>
-                  </a:ext>
-                </a:extLst>
-              </a:tr>
-              <a:tr h="370840">
-                <a:tc>
-                  <a:txBody>
-                    <a:bodyPr/>
-                    <a:lstStyle/>
-                    <a:p>
-                      <a:pPr algn="ctr"/>
-                      <a:endParaRPr lang="en-US" sz="2000" b="0" strike="noStrike" dirty="0">
-                        <a:solidFill>
-                          <a:schemeClr val="tx1"/>
-                        </a:solidFill>
-                      </a:endParaRPr>
-                    </a:p>
-                  </a:txBody>
-                  <a:tcPr/>
-                </a:tc>
-                <a:tc>
-                  <a:txBody>
-                    <a:bodyPr/>
-                    <a:lstStyle/>
-                    <a:p>
-                      <a:pPr algn="ctr"/>
-                      <a:endParaRPr lang="en-US" sz="2000" b="0" strike="noStrike" dirty="0">
-                        <a:solidFill>
-                          <a:schemeClr val="tx1"/>
-                        </a:solidFill>
-                      </a:endParaRPr>
-                    </a:p>
-                  </a:txBody>
-                  <a:tcPr/>
-                </a:tc>
-                <a:tc>
-                  <a:txBody>
-                    <a:bodyPr/>
-                    <a:lstStyle/>
-                    <a:p>
-                      <a:r>
-                        <a:rPr lang="en-US" sz="2000" b="0" strike="noStrike" dirty="0">
-                          <a:solidFill>
-                            <a:schemeClr val="tx1"/>
-                          </a:solidFill>
-                        </a:rPr>
-                        <a:t>Decision Trees - explanation</a:t>
-                      </a:r>
-                    </a:p>
-                  </a:txBody>
-                  <a:tcPr/>
-                </a:tc>
-                <a:extLst>
-                  <a:ext uri="{0D108BD9-81ED-4DB2-BD59-A6C34878D82A}">
-                    <a16:rowId xmlns:a16="http://schemas.microsoft.com/office/drawing/2014/main" val="3086568558"/>
-                  </a:ext>
-                </a:extLst>
-              </a:tr>
-              <a:tr h="370840">
-                <a:tc>
-                  <a:txBody>
-                    <a:bodyPr/>
-                    <a:lstStyle/>
-                    <a:p>
-                      <a:pPr algn="ctr"/>
-                      <a:endParaRPr lang="en-US" sz="2000" b="0" strike="noStrike" dirty="0">
-                        <a:solidFill>
-                          <a:schemeClr val="tx1"/>
-                        </a:solidFill>
-                      </a:endParaRPr>
-                    </a:p>
-                  </a:txBody>
-                  <a:tcPr/>
-                </a:tc>
-                <a:tc>
-                  <a:txBody>
-                    <a:bodyPr/>
-                    <a:lstStyle/>
-                    <a:p>
-                      <a:pPr algn="ctr"/>
-                      <a:endParaRPr lang="en-US" sz="2000" b="0" strike="noStrike" dirty="0">
-                        <a:solidFill>
-                          <a:schemeClr val="tx1"/>
-                        </a:solidFill>
-                      </a:endParaRPr>
-                    </a:p>
-                  </a:txBody>
-                  <a:tcPr/>
-                </a:tc>
-                <a:tc>
-                  <a:txBody>
-                    <a:bodyPr/>
-                    <a:lstStyle/>
-                    <a:p>
-                      <a:r>
-                        <a:rPr lang="en-US" sz="2000" b="0" strike="noStrike" dirty="0">
-                          <a:solidFill>
-                            <a:schemeClr val="tx1"/>
-                          </a:solidFill>
-                        </a:rPr>
-                        <a:t>Decision Tree Example</a:t>
-                      </a:r>
-                    </a:p>
-                  </a:txBody>
-                  <a:tcPr/>
-                </a:tc>
-                <a:extLst>
-                  <a:ext uri="{0D108BD9-81ED-4DB2-BD59-A6C34878D82A}">
-                    <a16:rowId xmlns:a16="http://schemas.microsoft.com/office/drawing/2014/main" val="1739476882"/>
-                  </a:ext>
-                </a:extLst>
-              </a:tr>
-              <a:tr h="370840">
-                <a:tc>
-                  <a:txBody>
-                    <a:bodyPr/>
-                    <a:lstStyle/>
-                    <a:p>
-                      <a:pPr algn="ctr"/>
-                      <a:endParaRPr lang="en-US" sz="2000" b="0" strike="noStrike" dirty="0">
-                        <a:solidFill>
-                          <a:schemeClr val="tx1"/>
-                        </a:solidFill>
-                      </a:endParaRPr>
-                    </a:p>
-                  </a:txBody>
-                  <a:tcPr/>
-                </a:tc>
-                <a:tc>
-                  <a:txBody>
-                    <a:bodyPr/>
-                    <a:lstStyle/>
-                    <a:p>
-                      <a:pPr algn="ctr"/>
-                      <a:endParaRPr lang="en-US" sz="2000" b="0" strike="noStrike" dirty="0">
-                        <a:solidFill>
-                          <a:schemeClr val="tx1"/>
-                        </a:solidFill>
-                      </a:endParaRPr>
-                    </a:p>
-                  </a:txBody>
-                  <a:tcPr/>
-                </a:tc>
-                <a:tc>
-                  <a:txBody>
-                    <a:bodyPr/>
-                    <a:lstStyle/>
-                    <a:p>
-                      <a:r>
-                        <a:rPr lang="en-US" sz="2000" b="0" strike="noStrike" dirty="0">
-                          <a:solidFill>
-                            <a:schemeClr val="tx1"/>
-                          </a:solidFill>
-                        </a:rPr>
-                        <a:t>A to Z Decision Trees scripting example</a:t>
-                      </a:r>
-                    </a:p>
-                  </a:txBody>
-                  <a:tcPr/>
-                </a:tc>
-                <a:extLst>
-                  <a:ext uri="{0D108BD9-81ED-4DB2-BD59-A6C34878D82A}">
-                    <a16:rowId xmlns:a16="http://schemas.microsoft.com/office/drawing/2014/main" val="4176223156"/>
-                  </a:ext>
-                </a:extLst>
-              </a:tr>
-              <a:tr h="370840">
-                <a:tc>
-                  <a:txBody>
-                    <a:bodyPr/>
-                    <a:lstStyle/>
-                    <a:p>
-                      <a:pPr algn="ctr"/>
-                      <a:endParaRPr lang="en-US" sz="2000" b="0" strike="noStrike" dirty="0">
-                        <a:solidFill>
-                          <a:schemeClr val="tx1"/>
-                        </a:solidFill>
-                      </a:endParaRPr>
-                    </a:p>
-                  </a:txBody>
-                  <a:tcPr/>
-                </a:tc>
-                <a:tc>
-                  <a:txBody>
-                    <a:bodyPr/>
-                    <a:lstStyle/>
-                    <a:p>
-                      <a:pPr algn="ctr"/>
-                      <a:endParaRPr lang="en-US" sz="2000" b="0" strike="noStrike" dirty="0">
-                        <a:solidFill>
-                          <a:schemeClr val="tx1"/>
-                        </a:solidFill>
-                      </a:endParaRPr>
-                    </a:p>
-                  </a:txBody>
-                  <a:tcPr/>
-                </a:tc>
-                <a:tc>
-                  <a:txBody>
-                    <a:bodyPr/>
-                    <a:lstStyle/>
-                    <a:p>
-                      <a:r>
-                        <a:rPr lang="en-US" sz="2000" b="0" strike="noStrike" dirty="0">
-                          <a:solidFill>
-                            <a:schemeClr val="tx1"/>
-                          </a:solidFill>
-                        </a:rPr>
-                        <a:t>Break</a:t>
-                      </a:r>
-                    </a:p>
-                  </a:txBody>
-                  <a:tcPr/>
-                </a:tc>
-                <a:extLst>
-                  <a:ext uri="{0D108BD9-81ED-4DB2-BD59-A6C34878D82A}">
-                    <a16:rowId xmlns:a16="http://schemas.microsoft.com/office/drawing/2014/main" val="375788903"/>
-                  </a:ext>
-                </a:extLst>
-              </a:tr>
-              <a:tr h="370840">
-                <a:tc>
-                  <a:txBody>
-                    <a:bodyPr/>
-                    <a:lstStyle/>
-                    <a:p>
-                      <a:pPr algn="ctr"/>
-                      <a:endParaRPr lang="en-US" sz="2000" b="0" strike="noStrike" dirty="0">
-                        <a:solidFill>
-                          <a:schemeClr val="tx1"/>
-                        </a:solidFill>
-                      </a:endParaRPr>
-                    </a:p>
-                  </a:txBody>
-                  <a:tcPr/>
-                </a:tc>
-                <a:tc>
-                  <a:txBody>
-                    <a:bodyPr/>
-                    <a:lstStyle/>
-                    <a:p>
-                      <a:pPr algn="ctr"/>
-                      <a:endParaRPr lang="en-US" sz="2000" b="0" strike="noStrike" dirty="0">
-                        <a:solidFill>
-                          <a:schemeClr val="tx1"/>
-                        </a:solidFill>
-                      </a:endParaRPr>
-                    </a:p>
-                  </a:txBody>
-                  <a:tcPr/>
-                </a:tc>
-                <a:tc>
-                  <a:txBody>
-                    <a:bodyPr/>
-                    <a:lstStyle/>
-                    <a:p>
-                      <a:r>
-                        <a:rPr lang="en-US" sz="2000" b="0" strike="noStrike" dirty="0">
-                          <a:solidFill>
-                            <a:schemeClr val="tx1"/>
-                          </a:solidFill>
-                        </a:rPr>
-                        <a:t>Random Forests</a:t>
-                      </a:r>
-                    </a:p>
-                  </a:txBody>
-                  <a:tcPr/>
-                </a:tc>
-                <a:extLst>
-                  <a:ext uri="{0D108BD9-81ED-4DB2-BD59-A6C34878D82A}">
-                    <a16:rowId xmlns:a16="http://schemas.microsoft.com/office/drawing/2014/main" val="1479263652"/>
-                  </a:ext>
-                </a:extLst>
-              </a:tr>
-            </a:tbl>
-          </a:graphicData>
-        </a:graphic>
-      </p:graphicFrame>
-      <p:sp>
-        <p:nvSpPr>
-          <p:cNvPr id="5" name="Date Placeholder 4"/>
-          <p:cNvSpPr>
-            <a:spLocks noGrp="1"/>
-          </p:cNvSpPr>
-          <p:nvPr>
-            <p:ph type="dt" sz="half" idx="10"/>
-          </p:nvPr>
-        </p:nvSpPr>
-        <p:spPr/>
-        <p:txBody>
-          <a:bodyPr/>
-          <a:lstStyle/>
-          <a:p>
-            <a:fld id="{9B19E99B-5349-415A-8E56-8E989211A366}" type="datetime1">
-              <a:rPr lang="en-US" smtClean="0"/>
-              <a:t>3/12/23</a:t>
-            </a:fld>
-            <a:endParaRPr lang="en-US"/>
-          </a:p>
-        </p:txBody>
-      </p:sp>
-      <p:sp>
-        <p:nvSpPr>
-          <p:cNvPr id="7" name="Slide Number Placeholder 6"/>
+              <a:t>Decision Trees</a:t>
+            </a:r>
+          </a:p>
+        </p:txBody>
+      </p:sp>
+      <p:sp>
+        <p:nvSpPr>
+          <p:cNvPr id="4" name="Slide Number Placeholder 3">
+            <a:extLst>
+              <a:ext uri="{FF2B5EF4-FFF2-40B4-BE49-F238E27FC236}">
+                <a16:creationId xmlns:a16="http://schemas.microsoft.com/office/drawing/2014/main" id="{3E8455AE-BF72-4683-9895-6410B5607130}"/>
+              </a:ext>
+            </a:extLst>
+          </p:cNvPr>
           <p:cNvSpPr>
             <a:spLocks noGrp="1"/>
           </p:cNvSpPr>
@@ -19527,10 +19294,104 @@
       </p:sp>
       <p:sp>
         <p:nvSpPr>
-          <p:cNvPr id="3" name="Footer Placeholder 4">
-            <a:extLst>
-              <a:ext uri="{FF2B5EF4-FFF2-40B4-BE49-F238E27FC236}">
-                <a16:creationId xmlns:a16="http://schemas.microsoft.com/office/drawing/2014/main" id="{259F1D9D-0D44-3654-AC00-5D0B406F19C0}"/>
+          <p:cNvPr id="6" name="TextBox 5">
+            <a:extLst>
+              <a:ext uri="{FF2B5EF4-FFF2-40B4-BE49-F238E27FC236}">
+                <a16:creationId xmlns:a16="http://schemas.microsoft.com/office/drawing/2014/main" id="{767B5567-5D4B-4CE6-B81E-9BAD57C4D2C1}"/>
+              </a:ext>
+            </a:extLst>
+          </p:cNvPr>
+          <p:cNvSpPr txBox="1"/>
+          <p:nvPr/>
+        </p:nvSpPr>
+        <p:spPr>
+          <a:xfrm>
+            <a:off x="250369" y="1676400"/>
+            <a:ext cx="8741232" cy="2308324"/>
+          </a:xfrm>
+          <a:prstGeom prst="rect">
+            <a:avLst/>
+          </a:prstGeom>
+          <a:noFill/>
+        </p:spPr>
+        <p:txBody>
+          <a:bodyPr wrap="square" rtlCol="0">
+            <a:spAutoFit/>
+          </a:bodyPr>
+          <a:lstStyle/>
+          <a:p>
+            <a:pPr marL="285750" indent="-285750">
+              <a:buFont typeface="Arial" panose="020B0604020202020204" pitchFamily="34" charset="0"/>
+              <a:buChar char="•"/>
+            </a:pPr>
+            <a:r>
+              <a:rPr lang="en-US" dirty="0"/>
+              <a:t>By observing the data and splitting it into sections, rules are created for either prediction or classification problems.</a:t>
+            </a:r>
+          </a:p>
+          <a:p>
+            <a:pPr marL="285750" indent="-285750">
+              <a:buFont typeface="Arial" panose="020B0604020202020204" pitchFamily="34" charset="0"/>
+              <a:buChar char="•"/>
+            </a:pPr>
+            <a:endParaRPr lang="en-US" dirty="0"/>
+          </a:p>
+          <a:p>
+            <a:pPr marL="285750" indent="-285750">
+              <a:buFont typeface="Arial" panose="020B0604020202020204" pitchFamily="34" charset="0"/>
+              <a:buChar char="•"/>
+            </a:pPr>
+            <a:r>
+              <a:rPr lang="en-US" dirty="0"/>
+              <a:t>Mimics a subject matter expert…pre data mining days.</a:t>
+            </a:r>
+          </a:p>
+          <a:p>
+            <a:pPr marL="742950" lvl="1" indent="-285750">
+              <a:buFont typeface="Arial" panose="020B0604020202020204" pitchFamily="34" charset="0"/>
+              <a:buChar char="•"/>
+            </a:pPr>
+            <a:r>
+              <a:rPr lang="en-US" dirty="0"/>
+              <a:t>Before data mining, an experienced marketing  bank manager may have said “let’s call our </a:t>
+            </a:r>
+            <a:r>
+              <a:rPr lang="en-US" i="1" dirty="0"/>
+              <a:t>married</a:t>
+            </a:r>
+            <a:r>
+              <a:rPr lang="en-US" dirty="0"/>
+              <a:t> customers </a:t>
+            </a:r>
+            <a:r>
+              <a:rPr lang="en-US" i="1" dirty="0"/>
+              <a:t>over 25 </a:t>
+            </a:r>
+            <a:r>
+              <a:rPr lang="en-US" dirty="0"/>
+              <a:t>that have at </a:t>
+            </a:r>
+            <a:r>
+              <a:rPr lang="en-US" i="1" dirty="0"/>
+              <a:t>least a college education </a:t>
+            </a:r>
+            <a:r>
+              <a:rPr lang="en-US" dirty="0"/>
+              <a:t>to see if they want another loan.”  </a:t>
+            </a:r>
+            <a:br>
+              <a:rPr lang="en-US" dirty="0"/>
+            </a:br>
+            <a:endParaRPr lang="en-US" dirty="0"/>
+          </a:p>
+        </p:txBody>
+      </p:sp>
+      <p:sp>
+        <p:nvSpPr>
+          <p:cNvPr id="7" name="Footer Placeholder 4">
+            <a:extLst>
+              <a:ext uri="{FF2B5EF4-FFF2-40B4-BE49-F238E27FC236}">
+                <a16:creationId xmlns:a16="http://schemas.microsoft.com/office/drawing/2014/main" id="{04DB79D2-1077-C1C6-DA26-14598F598B64}"/>
               </a:ext>
             </a:extLst>
           </p:cNvPr>
@@ -19574,7 +19435,7 @@
     </p:spTree>
     <p:extLst>
       <p:ext uri="{BB962C8B-B14F-4D97-AF65-F5344CB8AC3E}">
-        <p14:creationId xmlns:p14="http://schemas.microsoft.com/office/powerpoint/2010/main" val="2454613428"/>
+        <p14:creationId xmlns:p14="http://schemas.microsoft.com/office/powerpoint/2010/main" val="2239418138"/>
       </p:ext>
     </p:extLst>
   </p:cSld>
@@ -19712,486 +19573,6 @@
             <a:fld id="{37290FF7-652B-4475-AEAB-8B1A5D23AE09}" type="slidenum">
               <a:rPr lang="en-US" smtClean="0"/>
               <a:t>30</a:t>
-            </a:fld>
-            <a:endParaRPr lang="en-US"/>
-          </a:p>
-        </p:txBody>
-      </p:sp>
-      <p:sp>
-        <p:nvSpPr>
-          <p:cNvPr id="7" name="TextBox 6">
-            <a:extLst>
-              <a:ext uri="{FF2B5EF4-FFF2-40B4-BE49-F238E27FC236}">
-                <a16:creationId xmlns:a16="http://schemas.microsoft.com/office/drawing/2014/main" id="{E97BFE1E-5F1A-4D5B-A90C-2D63F23FB9BF}"/>
-              </a:ext>
-            </a:extLst>
-          </p:cNvPr>
-          <p:cNvSpPr txBox="1"/>
-          <p:nvPr/>
-        </p:nvSpPr>
-        <p:spPr>
-          <a:xfrm>
-            <a:off x="5744308" y="1439976"/>
-            <a:ext cx="3200400" cy="523220"/>
-          </a:xfrm>
-          <a:prstGeom prst="rect">
-            <a:avLst/>
-          </a:prstGeom>
-          <a:solidFill>
-            <a:schemeClr val="accent5"/>
-          </a:solidFill>
-        </p:spPr>
-        <p:txBody>
-          <a:bodyPr wrap="square" rtlCol="0">
-            <a:spAutoFit/>
-          </a:bodyPr>
-          <a:lstStyle/>
-          <a:p>
-            <a:pPr marL="0" marR="0" lvl="0" indent="0" algn="l" defTabSz="914400" rtl="0" eaLnBrk="1" fontAlgn="auto" latinLnBrk="0" hangingPunct="1">
-              <a:lnSpc>
-                <a:spcPct val="100000"/>
-              </a:lnSpc>
-              <a:spcBef>
-                <a:spcPts val="0"/>
-              </a:spcBef>
-              <a:spcAft>
-                <a:spcPts val="0"/>
-              </a:spcAft>
-              <a:buClrTx/>
-              <a:buSzTx/>
-              <a:buFontTx/>
-              <a:buNone/>
-              <a:tabLst/>
-              <a:defRPr/>
-            </a:pPr>
-            <a:r>
-              <a:rPr lang="en-US" sz="1400" dirty="0">
-                <a:solidFill>
-                  <a:prstClr val="black"/>
-                </a:solidFill>
-                <a:latin typeface="Calibri" panose="020F0502020204030204"/>
-              </a:rPr>
-              <a:t>These additional rules look like they help too.</a:t>
-            </a:r>
-            <a:endParaRPr kumimoji="0" lang="en-US" sz="1400" b="0" i="0" u="none" strike="noStrike" kern="1200" cap="none" spc="0" normalizeH="0" baseline="0" noProof="0" dirty="0">
-              <a:ln>
-                <a:noFill/>
-              </a:ln>
-              <a:solidFill>
-                <a:prstClr val="black"/>
-              </a:solidFill>
-              <a:effectLst/>
-              <a:uLnTx/>
-              <a:uFillTx/>
-              <a:latin typeface="Calibri" panose="020F0502020204030204"/>
-              <a:ea typeface="+mn-ea"/>
-              <a:cs typeface="+mn-cs"/>
-            </a:endParaRPr>
-          </a:p>
-        </p:txBody>
-      </p:sp>
-      <p:cxnSp>
-        <p:nvCxnSpPr>
-          <p:cNvPr id="9" name="Straight Connector 8">
-            <a:extLst>
-              <a:ext uri="{FF2B5EF4-FFF2-40B4-BE49-F238E27FC236}">
-                <a16:creationId xmlns:a16="http://schemas.microsoft.com/office/drawing/2014/main" id="{F1B989BF-6D09-4F99-8558-B02294075237}"/>
-              </a:ext>
-            </a:extLst>
-          </p:cNvPr>
-          <p:cNvCxnSpPr/>
-          <p:nvPr/>
-        </p:nvCxnSpPr>
-        <p:spPr>
-          <a:xfrm flipH="1">
-            <a:off x="1295400" y="5562600"/>
-            <a:ext cx="2667000" cy="0"/>
-          </a:xfrm>
-          <a:prstGeom prst="line">
-            <a:avLst/>
-          </a:prstGeom>
-        </p:spPr>
-        <p:style>
-          <a:lnRef idx="1">
-            <a:schemeClr val="accent1"/>
-          </a:lnRef>
-          <a:fillRef idx="0">
-            <a:schemeClr val="accent1"/>
-          </a:fillRef>
-          <a:effectRef idx="0">
-            <a:schemeClr val="accent1"/>
-          </a:effectRef>
-          <a:fontRef idx="minor">
-            <a:schemeClr val="tx1"/>
-          </a:fontRef>
-        </p:style>
-      </p:cxnSp>
-      <p:sp>
-        <p:nvSpPr>
-          <p:cNvPr id="10" name="TextBox 9">
-            <a:extLst>
-              <a:ext uri="{FF2B5EF4-FFF2-40B4-BE49-F238E27FC236}">
-                <a16:creationId xmlns:a16="http://schemas.microsoft.com/office/drawing/2014/main" id="{A85B5247-BAD5-4715-BC07-F01B88B46BFC}"/>
-              </a:ext>
-            </a:extLst>
-          </p:cNvPr>
-          <p:cNvSpPr txBox="1"/>
-          <p:nvPr/>
-        </p:nvSpPr>
-        <p:spPr>
-          <a:xfrm>
-            <a:off x="279565" y="5377934"/>
-            <a:ext cx="995465" cy="369332"/>
-          </a:xfrm>
-          <a:prstGeom prst="rect">
-            <a:avLst/>
-          </a:prstGeom>
-          <a:noFill/>
-        </p:spPr>
-        <p:txBody>
-          <a:bodyPr wrap="none" rtlCol="0">
-            <a:spAutoFit/>
-          </a:bodyPr>
-          <a:lstStyle/>
-          <a:p>
-            <a:r>
-              <a:rPr lang="en-US" dirty="0"/>
-              <a:t>Age &lt; 22</a:t>
-            </a:r>
-          </a:p>
-        </p:txBody>
-      </p:sp>
-      <p:cxnSp>
-        <p:nvCxnSpPr>
-          <p:cNvPr id="11" name="Straight Connector 10">
-            <a:extLst>
-              <a:ext uri="{FF2B5EF4-FFF2-40B4-BE49-F238E27FC236}">
-                <a16:creationId xmlns:a16="http://schemas.microsoft.com/office/drawing/2014/main" id="{B56B45D8-4AF9-4A75-B1BC-F37A316684D3}"/>
-              </a:ext>
-            </a:extLst>
-          </p:cNvPr>
-          <p:cNvCxnSpPr/>
-          <p:nvPr/>
-        </p:nvCxnSpPr>
-        <p:spPr>
-          <a:xfrm flipH="1">
-            <a:off x="1295400" y="2667000"/>
-            <a:ext cx="2667000" cy="0"/>
-          </a:xfrm>
-          <a:prstGeom prst="line">
-            <a:avLst/>
-          </a:prstGeom>
-        </p:spPr>
-        <p:style>
-          <a:lnRef idx="1">
-            <a:schemeClr val="accent1"/>
-          </a:lnRef>
-          <a:fillRef idx="0">
-            <a:schemeClr val="accent1"/>
-          </a:fillRef>
-          <a:effectRef idx="0">
-            <a:schemeClr val="accent1"/>
-          </a:effectRef>
-          <a:fontRef idx="minor">
-            <a:schemeClr val="tx1"/>
-          </a:fontRef>
-        </p:style>
-      </p:cxnSp>
-      <p:sp>
-        <p:nvSpPr>
-          <p:cNvPr id="12" name="TextBox 11">
-            <a:extLst>
-              <a:ext uri="{FF2B5EF4-FFF2-40B4-BE49-F238E27FC236}">
-                <a16:creationId xmlns:a16="http://schemas.microsoft.com/office/drawing/2014/main" id="{7910CBFE-AE67-4759-9761-F48B3425AE17}"/>
-              </a:ext>
-            </a:extLst>
-          </p:cNvPr>
-          <p:cNvSpPr txBox="1"/>
-          <p:nvPr/>
-        </p:nvSpPr>
-        <p:spPr>
-          <a:xfrm>
-            <a:off x="279565" y="2482334"/>
-            <a:ext cx="995465" cy="369332"/>
-          </a:xfrm>
-          <a:prstGeom prst="rect">
-            <a:avLst/>
-          </a:prstGeom>
-          <a:noFill/>
-        </p:spPr>
-        <p:txBody>
-          <a:bodyPr wrap="none" rtlCol="0">
-            <a:spAutoFit/>
-          </a:bodyPr>
-          <a:lstStyle/>
-          <a:p>
-            <a:r>
-              <a:rPr lang="en-US" dirty="0"/>
-              <a:t>Age &gt; 62</a:t>
-            </a:r>
-          </a:p>
-        </p:txBody>
-      </p:sp>
-      <p:cxnSp>
-        <p:nvCxnSpPr>
-          <p:cNvPr id="13" name="Straight Connector 12">
-            <a:extLst>
-              <a:ext uri="{FF2B5EF4-FFF2-40B4-BE49-F238E27FC236}">
-                <a16:creationId xmlns:a16="http://schemas.microsoft.com/office/drawing/2014/main" id="{CC76F8C8-40AA-448A-8AA7-F73668022F4C}"/>
-              </a:ext>
-            </a:extLst>
-          </p:cNvPr>
-          <p:cNvCxnSpPr>
-            <a:cxnSpLocks/>
-          </p:cNvCxnSpPr>
-          <p:nvPr/>
-        </p:nvCxnSpPr>
-        <p:spPr>
-          <a:xfrm>
-            <a:off x="5257800" y="1371600"/>
-            <a:ext cx="0" cy="4937760"/>
-          </a:xfrm>
-          <a:prstGeom prst="line">
-            <a:avLst/>
-          </a:prstGeom>
-        </p:spPr>
-        <p:style>
-          <a:lnRef idx="1">
-            <a:schemeClr val="accent1"/>
-          </a:lnRef>
-          <a:fillRef idx="0">
-            <a:schemeClr val="accent1"/>
-          </a:fillRef>
-          <a:effectRef idx="0">
-            <a:schemeClr val="accent1"/>
-          </a:effectRef>
-          <a:fontRef idx="minor">
-            <a:schemeClr val="tx1"/>
-          </a:fontRef>
-        </p:style>
-      </p:cxnSp>
-      <p:sp>
-        <p:nvSpPr>
-          <p:cNvPr id="14" name="TextBox 13">
-            <a:extLst>
-              <a:ext uri="{FF2B5EF4-FFF2-40B4-BE49-F238E27FC236}">
-                <a16:creationId xmlns:a16="http://schemas.microsoft.com/office/drawing/2014/main" id="{3F4F65F0-4F63-428C-BBA5-F12183C27F37}"/>
-              </a:ext>
-            </a:extLst>
-          </p:cNvPr>
-          <p:cNvSpPr txBox="1"/>
-          <p:nvPr/>
-        </p:nvSpPr>
-        <p:spPr>
-          <a:xfrm rot="16200000">
-            <a:off x="4544706" y="3184542"/>
-            <a:ext cx="1748748" cy="369332"/>
-          </a:xfrm>
-          <a:prstGeom prst="rect">
-            <a:avLst/>
-          </a:prstGeom>
-          <a:noFill/>
-        </p:spPr>
-        <p:txBody>
-          <a:bodyPr wrap="none" rtlCol="0">
-            <a:spAutoFit/>
-          </a:bodyPr>
-          <a:lstStyle/>
-          <a:p>
-            <a:r>
-              <a:rPr lang="en-US" dirty="0"/>
-              <a:t>Duration &gt; 1100 </a:t>
-            </a:r>
-          </a:p>
-        </p:txBody>
-      </p:sp>
-      <p:sp>
-        <p:nvSpPr>
-          <p:cNvPr id="8" name="Footer Placeholder 4">
-            <a:extLst>
-              <a:ext uri="{FF2B5EF4-FFF2-40B4-BE49-F238E27FC236}">
-                <a16:creationId xmlns:a16="http://schemas.microsoft.com/office/drawing/2014/main" id="{6E3A9B09-073E-9F67-8405-4B22B6C7B74D}"/>
-              </a:ext>
-            </a:extLst>
-          </p:cNvPr>
-          <p:cNvSpPr>
-            <a:spLocks noGrp="1"/>
-          </p:cNvSpPr>
-          <p:nvPr>
-            <p:ph type="ftr" sz="quarter" idx="3"/>
-          </p:nvPr>
-        </p:nvSpPr>
-        <p:spPr>
-          <a:xfrm>
-            <a:off x="3028950" y="6356351"/>
-            <a:ext cx="3086100" cy="365125"/>
-          </a:xfrm>
-          <a:prstGeom prst="rect">
-            <a:avLst/>
-          </a:prstGeom>
-        </p:spPr>
-        <p:txBody>
-          <a:bodyPr vert="horz" lIns="91440" tIns="45720" rIns="91440" bIns="45720" rtlCol="0" anchor="ctr"/>
-          <a:lstStyle>
-            <a:lvl1pPr algn="ctr">
-              <a:defRPr sz="900">
-                <a:solidFill>
-                  <a:schemeClr val="tx1">
-                    <a:tint val="75000"/>
-                  </a:schemeClr>
-                </a:solidFill>
-              </a:defRPr>
-            </a:lvl1pPr>
-          </a:lstStyle>
-          <a:p>
-            <a:r>
-              <a:rPr lang="en-US" dirty="0"/>
-              <a:t>Kwartler</a:t>
-            </a:r>
-          </a:p>
-        </p:txBody>
-      </p:sp>
-    </p:spTree>
-    <p:extLst>
-      <p:ext uri="{BB962C8B-B14F-4D97-AF65-F5344CB8AC3E}">
-        <p14:creationId xmlns:p14="http://schemas.microsoft.com/office/powerpoint/2010/main" val="922517876"/>
-      </p:ext>
-    </p:extLst>
-  </p:cSld>
-  <p:clrMapOvr>
-    <a:masterClrMapping/>
-  </p:clrMapOvr>
-</p:sld>
-</file>
-
-<file path=ppt/slides/slide31.xml><?xml version="1.0" encoding="utf-8"?>
-<p:sld xmlns:a="http://schemas.openxmlformats.org/drawingml/2006/main" xmlns:r="http://schemas.openxmlformats.org/officeDocument/2006/relationships" xmlns:p="http://schemas.openxmlformats.org/presentationml/2006/main">
-  <p:cSld>
-    <p:spTree>
-      <p:nvGrpSpPr>
-        <p:cNvPr id="1" name=""/>
-        <p:cNvGrpSpPr/>
-        <p:nvPr/>
-      </p:nvGrpSpPr>
-      <p:grpSpPr>
-        <a:xfrm>
-          <a:off x="0" y="0"/>
-          <a:ext cx="0" cy="0"/>
-          <a:chOff x="0" y="0"/>
-          <a:chExt cx="0" cy="0"/>
-        </a:xfrm>
-      </p:grpSpPr>
-      <p:pic>
-        <p:nvPicPr>
-          <p:cNvPr id="6" name="Picture 5">
-            <a:extLst>
-              <a:ext uri="{FF2B5EF4-FFF2-40B4-BE49-F238E27FC236}">
-                <a16:creationId xmlns:a16="http://schemas.microsoft.com/office/drawing/2014/main" id="{F95EBBD1-26D1-4A95-B565-8E6DCD7C19CB}"/>
-              </a:ext>
-            </a:extLst>
-          </p:cNvPr>
-          <p:cNvPicPr>
-            <a:picLocks noChangeAspect="1"/>
-          </p:cNvPicPr>
-          <p:nvPr/>
-        </p:nvPicPr>
-        <p:blipFill>
-          <a:blip r:embed="rId2"/>
-          <a:stretch>
-            <a:fillRect/>
-          </a:stretch>
-        </p:blipFill>
-        <p:spPr>
-          <a:xfrm>
-            <a:off x="1524000" y="1200832"/>
-            <a:ext cx="5614254" cy="5332219"/>
-          </a:xfrm>
-          <a:prstGeom prst="rect">
-            <a:avLst/>
-          </a:prstGeom>
-        </p:spPr>
-      </p:pic>
-      <p:sp>
-        <p:nvSpPr>
-          <p:cNvPr id="2" name="Date Placeholder 1">
-            <a:extLst>
-              <a:ext uri="{FF2B5EF4-FFF2-40B4-BE49-F238E27FC236}">
-                <a16:creationId xmlns:a16="http://schemas.microsoft.com/office/drawing/2014/main" id="{42E0C9CE-67EB-4AD0-836D-C783C61D2488}"/>
-              </a:ext>
-            </a:extLst>
-          </p:cNvPr>
-          <p:cNvSpPr>
-            <a:spLocks noGrp="1"/>
-          </p:cNvSpPr>
-          <p:nvPr>
-            <p:ph type="dt" sz="half" idx="10"/>
-          </p:nvPr>
-        </p:nvSpPr>
-        <p:spPr/>
-        <p:txBody>
-          <a:bodyPr/>
-          <a:lstStyle/>
-          <a:p>
-            <a:fld id="{6700A58B-DD98-43D0-B791-721480A02982}" type="datetime1">
-              <a:rPr lang="en-US" smtClean="0"/>
-              <a:t>3/12/23</a:t>
-            </a:fld>
-            <a:endParaRPr lang="en-US"/>
-          </a:p>
-        </p:txBody>
-      </p:sp>
-      <p:sp>
-        <p:nvSpPr>
-          <p:cNvPr id="3" name="Title 2">
-            <a:extLst>
-              <a:ext uri="{FF2B5EF4-FFF2-40B4-BE49-F238E27FC236}">
-                <a16:creationId xmlns:a16="http://schemas.microsoft.com/office/drawing/2014/main" id="{DE073A4E-881B-4087-888F-54EFDE9A13C8}"/>
-              </a:ext>
-            </a:extLst>
-          </p:cNvPr>
-          <p:cNvSpPr>
-            <a:spLocks noGrp="1"/>
-          </p:cNvSpPr>
-          <p:nvPr>
-            <p:ph type="title"/>
-          </p:nvPr>
-        </p:nvSpPr>
-        <p:spPr/>
-        <p:txBody>
-          <a:bodyPr/>
-          <a:lstStyle/>
-          <a:p>
-            <a:r>
-              <a:rPr lang="en-US" dirty="0"/>
-              <a:t>An example of overfitting…</a:t>
-            </a:r>
-          </a:p>
-        </p:txBody>
-      </p:sp>
-      <p:sp>
-        <p:nvSpPr>
-          <p:cNvPr id="4" name="Slide Number Placeholder 3">
-            <a:extLst>
-              <a:ext uri="{FF2B5EF4-FFF2-40B4-BE49-F238E27FC236}">
-                <a16:creationId xmlns:a16="http://schemas.microsoft.com/office/drawing/2014/main" id="{266C3AAE-17CC-4F12-939B-CC4079F7A6FA}"/>
-              </a:ext>
-            </a:extLst>
-          </p:cNvPr>
-          <p:cNvSpPr>
-            <a:spLocks noGrp="1"/>
-          </p:cNvSpPr>
-          <p:nvPr>
-            <p:ph type="sldNum" sz="quarter" idx="12"/>
-          </p:nvPr>
-        </p:nvSpPr>
-        <p:spPr/>
-        <p:txBody>
-          <a:bodyPr/>
-          <a:lstStyle/>
-          <a:p>
-            <a:fld id="{37290FF7-652B-4475-AEAB-8B1A5D23AE09}" type="slidenum">
-              <a:rPr lang="en-US" smtClean="0"/>
-              <a:t>31</a:t>
             </a:fld>
             <a:endParaRPr lang="en-US"/>
           </a:p>
@@ -21559,7 +20940,7 @@
 </p:sld>
 </file>
 
-<file path=ppt/slides/slide32.xml><?xml version="1.0" encoding="utf-8"?>
+<file path=ppt/slides/slide31.xml><?xml version="1.0" encoding="utf-8"?>
 <p:sld xmlns:a="http://schemas.openxmlformats.org/drawingml/2006/main" xmlns:r="http://schemas.openxmlformats.org/officeDocument/2006/relationships" xmlns:p="http://schemas.openxmlformats.org/presentationml/2006/main">
   <p:cSld>
     <p:spTree>
@@ -21660,7 +21041,7 @@
           <a:p>
             <a:fld id="{37290FF7-652B-4475-AEAB-8B1A5D23AE09}" type="slidenum">
               <a:rPr lang="en-US" smtClean="0"/>
-              <a:t>32</a:t>
+              <a:t>31</a:t>
             </a:fld>
             <a:endParaRPr lang="en-US"/>
           </a:p>
@@ -21977,7 +21358,7 @@
 </p:sld>
 </file>
 
-<file path=ppt/slides/slide33.xml><?xml version="1.0" encoding="utf-8"?>
+<file path=ppt/slides/slide32.xml><?xml version="1.0" encoding="utf-8"?>
 <p:sld xmlns:a="http://schemas.openxmlformats.org/drawingml/2006/main" xmlns:r="http://schemas.openxmlformats.org/officeDocument/2006/relationships" xmlns:p="http://schemas.openxmlformats.org/presentationml/2006/main">
   <p:cSld>
     <p:spTree>
@@ -22078,7 +21459,7 @@
           <a:p>
             <a:fld id="{37290FF7-652B-4475-AEAB-8B1A5D23AE09}" type="slidenum">
               <a:rPr lang="en-US" smtClean="0"/>
-              <a:t>33</a:t>
+              <a:t>32</a:t>
             </a:fld>
             <a:endParaRPr lang="en-US"/>
           </a:p>
@@ -22956,7 +22337,7 @@
 </p:sld>
 </file>
 
-<file path=ppt/slides/slide34.xml><?xml version="1.0" encoding="utf-8"?>
+<file path=ppt/slides/slide33.xml><?xml version="1.0" encoding="utf-8"?>
 <p:sld xmlns:a="http://schemas.openxmlformats.org/drawingml/2006/main" xmlns:r="http://schemas.openxmlformats.org/officeDocument/2006/relationships" xmlns:p="http://schemas.openxmlformats.org/presentationml/2006/main">
   <p:cSld>
     <p:spTree>
@@ -23057,7 +22438,7 @@
           <a:p>
             <a:fld id="{37290FF7-652B-4475-AEAB-8B1A5D23AE09}" type="slidenum">
               <a:rPr lang="en-US" smtClean="0"/>
-              <a:t>34</a:t>
+              <a:t>33</a:t>
             </a:fld>
             <a:endParaRPr lang="en-US"/>
           </a:p>
@@ -24008,6 +23389,184 @@
 </p:sld>
 </file>
 
+<file path=ppt/slides/slide34.xml><?xml version="1.0" encoding="utf-8"?>
+<p:sld xmlns:a="http://schemas.openxmlformats.org/drawingml/2006/main" xmlns:r="http://schemas.openxmlformats.org/officeDocument/2006/relationships" xmlns:p="http://schemas.openxmlformats.org/presentationml/2006/main">
+  <p:cSld>
+    <p:spTree>
+      <p:nvGrpSpPr>
+        <p:cNvPr id="1" name=""/>
+        <p:cNvGrpSpPr/>
+        <p:nvPr/>
+      </p:nvGrpSpPr>
+      <p:grpSpPr>
+        <a:xfrm>
+          <a:off x="0" y="0"/>
+          <a:ext cx="0" cy="0"/>
+          <a:chOff x="0" y="0"/>
+          <a:chExt cx="0" cy="0"/>
+        </a:xfrm>
+      </p:grpSpPr>
+      <p:sp>
+        <p:nvSpPr>
+          <p:cNvPr id="2" name="Date Placeholder 1">
+            <a:extLst>
+              <a:ext uri="{FF2B5EF4-FFF2-40B4-BE49-F238E27FC236}">
+                <a16:creationId xmlns:a16="http://schemas.microsoft.com/office/drawing/2014/main" id="{33B68FDF-BAA1-41D8-8639-0CC6E91B7C84}"/>
+              </a:ext>
+            </a:extLst>
+          </p:cNvPr>
+          <p:cNvSpPr>
+            <a:spLocks noGrp="1"/>
+          </p:cNvSpPr>
+          <p:nvPr>
+            <p:ph type="dt" sz="half" idx="10"/>
+          </p:nvPr>
+        </p:nvSpPr>
+        <p:spPr/>
+        <p:txBody>
+          <a:bodyPr/>
+          <a:lstStyle/>
+          <a:p>
+            <a:fld id="{6700A58B-DD98-43D0-B791-721480A02982}" type="datetime1">
+              <a:rPr lang="en-US" smtClean="0"/>
+              <a:t>3/12/23</a:t>
+            </a:fld>
+            <a:endParaRPr lang="en-US"/>
+          </a:p>
+        </p:txBody>
+      </p:sp>
+      <p:sp>
+        <p:nvSpPr>
+          <p:cNvPr id="3" name="Title 2">
+            <a:extLst>
+              <a:ext uri="{FF2B5EF4-FFF2-40B4-BE49-F238E27FC236}">
+                <a16:creationId xmlns:a16="http://schemas.microsoft.com/office/drawing/2014/main" id="{EC8C470A-A9D9-4532-A35A-727A53F32E02}"/>
+              </a:ext>
+            </a:extLst>
+          </p:cNvPr>
+          <p:cNvSpPr>
+            <a:spLocks noGrp="1"/>
+          </p:cNvSpPr>
+          <p:nvPr>
+            <p:ph type="title"/>
+          </p:nvPr>
+        </p:nvSpPr>
+        <p:spPr/>
+        <p:txBody>
+          <a:bodyPr/>
+          <a:lstStyle/>
+          <a:p>
+            <a:r>
+              <a:rPr lang="en-US" dirty="0"/>
+              <a:t>Open </a:t>
+            </a:r>
+            <a:r>
+              <a:rPr lang="en-US" dirty="0" err="1"/>
+              <a:t>B_Bank</a:t>
+            </a:r>
+            <a:r>
+              <a:rPr lang="en-US" dirty="0"/>
+              <a:t> Loans Decision </a:t>
+            </a:r>
+            <a:r>
+              <a:rPr lang="en-US" dirty="0" err="1"/>
+              <a:t>Tree.R</a:t>
+            </a:r>
+            <a:r>
+              <a:rPr lang="en-US" dirty="0"/>
+              <a:t> </a:t>
+            </a:r>
+          </a:p>
+        </p:txBody>
+      </p:sp>
+      <p:sp>
+        <p:nvSpPr>
+          <p:cNvPr id="4" name="Slide Number Placeholder 3">
+            <a:extLst>
+              <a:ext uri="{FF2B5EF4-FFF2-40B4-BE49-F238E27FC236}">
+                <a16:creationId xmlns:a16="http://schemas.microsoft.com/office/drawing/2014/main" id="{823EBB99-0263-4790-B269-3B2EA3F7C622}"/>
+              </a:ext>
+            </a:extLst>
+          </p:cNvPr>
+          <p:cNvSpPr>
+            <a:spLocks noGrp="1"/>
+          </p:cNvSpPr>
+          <p:nvPr>
+            <p:ph type="sldNum" sz="quarter" idx="12"/>
+          </p:nvPr>
+        </p:nvSpPr>
+        <p:spPr/>
+        <p:txBody>
+          <a:bodyPr/>
+          <a:lstStyle/>
+          <a:p>
+            <a:fld id="{37290FF7-652B-4475-AEAB-8B1A5D23AE09}" type="slidenum">
+              <a:rPr lang="en-US" smtClean="0"/>
+              <a:t>34</a:t>
+            </a:fld>
+            <a:endParaRPr lang="en-US"/>
+          </a:p>
+        </p:txBody>
+      </p:sp>
+      <p:sp>
+        <p:nvSpPr>
+          <p:cNvPr id="6" name="Footer Placeholder 4">
+            <a:extLst>
+              <a:ext uri="{FF2B5EF4-FFF2-40B4-BE49-F238E27FC236}">
+                <a16:creationId xmlns:a16="http://schemas.microsoft.com/office/drawing/2014/main" id="{EBC4788D-8869-7E19-A9AB-0861AEE436A9}"/>
+              </a:ext>
+            </a:extLst>
+          </p:cNvPr>
+          <p:cNvSpPr>
+            <a:spLocks noGrp="1"/>
+          </p:cNvSpPr>
+          <p:nvPr>
+            <p:ph type="ftr" sz="quarter" idx="3"/>
+          </p:nvPr>
+        </p:nvSpPr>
+        <p:spPr>
+          <a:xfrm>
+            <a:off x="3028950" y="6356351"/>
+            <a:ext cx="3086100" cy="365125"/>
+          </a:xfrm>
+          <a:prstGeom prst="rect">
+            <a:avLst/>
+          </a:prstGeom>
+        </p:spPr>
+        <p:txBody>
+          <a:bodyPr vert="horz" lIns="91440" tIns="45720" rIns="91440" bIns="45720" rtlCol="0" anchor="ctr"/>
+          <a:lstStyle>
+            <a:lvl1pPr algn="ctr">
+              <a:defRPr sz="900">
+                <a:solidFill>
+                  <a:schemeClr val="tx1">
+                    <a:tint val="75000"/>
+                  </a:schemeClr>
+                </a:solidFill>
+              </a:defRPr>
+            </a:lvl1pPr>
+          </a:lstStyle>
+          <a:p>
+            <a:r>
+              <a:rPr lang="en-US" dirty="0"/>
+              <a:t>Kwartler</a:t>
+            </a:r>
+          </a:p>
+        </p:txBody>
+      </p:sp>
+    </p:spTree>
+    <p:extLst>
+      <p:ext uri="{BB962C8B-B14F-4D97-AF65-F5344CB8AC3E}">
+        <p14:creationId xmlns:p14="http://schemas.microsoft.com/office/powerpoint/2010/main" val="1210889520"/>
+      </p:ext>
+    </p:extLst>
+  </p:cSld>
+  <p:clrMapOvr>
+    <a:masterClrMapping/>
+  </p:clrMapOvr>
+</p:sld>
+</file>
+
 <file path=ppt/slides/slide35.xml><?xml version="1.0" encoding="utf-8"?>
 <p:sld xmlns:a="http://schemas.openxmlformats.org/drawingml/2006/main" xmlns:r="http://schemas.openxmlformats.org/officeDocument/2006/relationships" xmlns:p="http://schemas.openxmlformats.org/presentationml/2006/main">
   <p:cSld>
@@ -24027,184 +23586,6 @@
       </p:grpSpPr>
       <p:sp>
         <p:nvSpPr>
-          <p:cNvPr id="2" name="Date Placeholder 1">
-            <a:extLst>
-              <a:ext uri="{FF2B5EF4-FFF2-40B4-BE49-F238E27FC236}">
-                <a16:creationId xmlns:a16="http://schemas.microsoft.com/office/drawing/2014/main" id="{33B68FDF-BAA1-41D8-8639-0CC6E91B7C84}"/>
-              </a:ext>
-            </a:extLst>
-          </p:cNvPr>
-          <p:cNvSpPr>
-            <a:spLocks noGrp="1"/>
-          </p:cNvSpPr>
-          <p:nvPr>
-            <p:ph type="dt" sz="half" idx="10"/>
-          </p:nvPr>
-        </p:nvSpPr>
-        <p:spPr/>
-        <p:txBody>
-          <a:bodyPr/>
-          <a:lstStyle/>
-          <a:p>
-            <a:fld id="{6700A58B-DD98-43D0-B791-721480A02982}" type="datetime1">
-              <a:rPr lang="en-US" smtClean="0"/>
-              <a:t>3/12/23</a:t>
-            </a:fld>
-            <a:endParaRPr lang="en-US"/>
-          </a:p>
-        </p:txBody>
-      </p:sp>
-      <p:sp>
-        <p:nvSpPr>
-          <p:cNvPr id="3" name="Title 2">
-            <a:extLst>
-              <a:ext uri="{FF2B5EF4-FFF2-40B4-BE49-F238E27FC236}">
-                <a16:creationId xmlns:a16="http://schemas.microsoft.com/office/drawing/2014/main" id="{EC8C470A-A9D9-4532-A35A-727A53F32E02}"/>
-              </a:ext>
-            </a:extLst>
-          </p:cNvPr>
-          <p:cNvSpPr>
-            <a:spLocks noGrp="1"/>
-          </p:cNvSpPr>
-          <p:nvPr>
-            <p:ph type="title"/>
-          </p:nvPr>
-        </p:nvSpPr>
-        <p:spPr/>
-        <p:txBody>
-          <a:bodyPr/>
-          <a:lstStyle/>
-          <a:p>
-            <a:r>
-              <a:rPr lang="en-US" dirty="0"/>
-              <a:t>Open </a:t>
-            </a:r>
-            <a:r>
-              <a:rPr lang="en-US" dirty="0" err="1"/>
-              <a:t>A_Bank</a:t>
-            </a:r>
-            <a:r>
-              <a:rPr lang="en-US" dirty="0"/>
-              <a:t> Loans Decision </a:t>
-            </a:r>
-            <a:r>
-              <a:rPr lang="en-US" dirty="0" err="1"/>
-              <a:t>Tree.R</a:t>
-            </a:r>
-            <a:r>
-              <a:rPr lang="en-US" dirty="0"/>
-              <a:t> </a:t>
-            </a:r>
-          </a:p>
-        </p:txBody>
-      </p:sp>
-      <p:sp>
-        <p:nvSpPr>
-          <p:cNvPr id="4" name="Slide Number Placeholder 3">
-            <a:extLst>
-              <a:ext uri="{FF2B5EF4-FFF2-40B4-BE49-F238E27FC236}">
-                <a16:creationId xmlns:a16="http://schemas.microsoft.com/office/drawing/2014/main" id="{823EBB99-0263-4790-B269-3B2EA3F7C622}"/>
-              </a:ext>
-            </a:extLst>
-          </p:cNvPr>
-          <p:cNvSpPr>
-            <a:spLocks noGrp="1"/>
-          </p:cNvSpPr>
-          <p:nvPr>
-            <p:ph type="sldNum" sz="quarter" idx="12"/>
-          </p:nvPr>
-        </p:nvSpPr>
-        <p:spPr/>
-        <p:txBody>
-          <a:bodyPr/>
-          <a:lstStyle/>
-          <a:p>
-            <a:fld id="{37290FF7-652B-4475-AEAB-8B1A5D23AE09}" type="slidenum">
-              <a:rPr lang="en-US" smtClean="0"/>
-              <a:t>35</a:t>
-            </a:fld>
-            <a:endParaRPr lang="en-US"/>
-          </a:p>
-        </p:txBody>
-      </p:sp>
-      <p:sp>
-        <p:nvSpPr>
-          <p:cNvPr id="6" name="Footer Placeholder 4">
-            <a:extLst>
-              <a:ext uri="{FF2B5EF4-FFF2-40B4-BE49-F238E27FC236}">
-                <a16:creationId xmlns:a16="http://schemas.microsoft.com/office/drawing/2014/main" id="{EBC4788D-8869-7E19-A9AB-0861AEE436A9}"/>
-              </a:ext>
-            </a:extLst>
-          </p:cNvPr>
-          <p:cNvSpPr>
-            <a:spLocks noGrp="1"/>
-          </p:cNvSpPr>
-          <p:nvPr>
-            <p:ph type="ftr" sz="quarter" idx="3"/>
-          </p:nvPr>
-        </p:nvSpPr>
-        <p:spPr>
-          <a:xfrm>
-            <a:off x="3028950" y="6356351"/>
-            <a:ext cx="3086100" cy="365125"/>
-          </a:xfrm>
-          <a:prstGeom prst="rect">
-            <a:avLst/>
-          </a:prstGeom>
-        </p:spPr>
-        <p:txBody>
-          <a:bodyPr vert="horz" lIns="91440" tIns="45720" rIns="91440" bIns="45720" rtlCol="0" anchor="ctr"/>
-          <a:lstStyle>
-            <a:lvl1pPr algn="ctr">
-              <a:defRPr sz="900">
-                <a:solidFill>
-                  <a:schemeClr val="tx1">
-                    <a:tint val="75000"/>
-                  </a:schemeClr>
-                </a:solidFill>
-              </a:defRPr>
-            </a:lvl1pPr>
-          </a:lstStyle>
-          <a:p>
-            <a:r>
-              <a:rPr lang="en-US" dirty="0"/>
-              <a:t>Kwartler</a:t>
-            </a:r>
-          </a:p>
-        </p:txBody>
-      </p:sp>
-    </p:spTree>
-    <p:extLst>
-      <p:ext uri="{BB962C8B-B14F-4D97-AF65-F5344CB8AC3E}">
-        <p14:creationId xmlns:p14="http://schemas.microsoft.com/office/powerpoint/2010/main" val="1210889520"/>
-      </p:ext>
-    </p:extLst>
-  </p:cSld>
-  <p:clrMapOvr>
-    <a:masterClrMapping/>
-  </p:clrMapOvr>
-</p:sld>
-</file>
-
-<file path=ppt/slides/slide36.xml><?xml version="1.0" encoding="utf-8"?>
-<p:sld xmlns:a="http://schemas.openxmlformats.org/drawingml/2006/main" xmlns:r="http://schemas.openxmlformats.org/officeDocument/2006/relationships" xmlns:p="http://schemas.openxmlformats.org/presentationml/2006/main">
-  <p:cSld>
-    <p:spTree>
-      <p:nvGrpSpPr>
-        <p:cNvPr id="1" name=""/>
-        <p:cNvGrpSpPr/>
-        <p:nvPr/>
-      </p:nvGrpSpPr>
-      <p:grpSpPr>
-        <a:xfrm>
-          <a:off x="0" y="0"/>
-          <a:ext cx="0" cy="0"/>
-          <a:chOff x="0" y="0"/>
-          <a:chExt cx="0" cy="0"/>
-        </a:xfrm>
-      </p:grpSpPr>
-      <p:sp>
-        <p:nvSpPr>
           <p:cNvPr id="2" name="Date Placeholder 1"/>
           <p:cNvSpPr>
             <a:spLocks noGrp="1"/>
@@ -24265,7 +23646,7 @@
           <a:p>
             <a:fld id="{37290FF7-652B-4475-AEAB-8B1A5D23AE09}" type="slidenum">
               <a:rPr lang="en-US" smtClean="0"/>
-              <a:t>36</a:t>
+              <a:t>35</a:t>
             </a:fld>
             <a:endParaRPr lang="en-US"/>
           </a:p>
@@ -24870,13 +24251,91 @@
       </p:grpSpPr>
       <p:sp>
         <p:nvSpPr>
-          <p:cNvPr id="2" name="Date Placeholder 1">
-            <a:extLst>
-              <a:ext uri="{FF2B5EF4-FFF2-40B4-BE49-F238E27FC236}">
-                <a16:creationId xmlns:a16="http://schemas.microsoft.com/office/drawing/2014/main" id="{69694DB3-CEFE-49D5-866E-475F55D5BDF4}"/>
-              </a:ext>
-            </a:extLst>
-          </p:cNvPr>
+          <p:cNvPr id="11266" name="Title 1"/>
+          <p:cNvSpPr>
+            <a:spLocks noGrp="1"/>
+          </p:cNvSpPr>
+          <p:nvPr>
+            <p:ph type="title"/>
+          </p:nvPr>
+        </p:nvSpPr>
+        <p:spPr/>
+        <p:txBody>
+          <a:bodyPr/>
+          <a:lstStyle/>
+          <a:p>
+            <a:pPr eaLnBrk="1" hangingPunct="1"/>
+            <a:r>
+              <a:rPr lang="en-US" altLang="en-US"/>
+              <a:t>Key Ideas </a:t>
+            </a:r>
+          </a:p>
+        </p:txBody>
+      </p:sp>
+      <p:sp>
+        <p:nvSpPr>
+          <p:cNvPr id="11267" name="Content Placeholder 2"/>
+          <p:cNvSpPr>
+            <a:spLocks noGrp="1"/>
+          </p:cNvSpPr>
+          <p:nvPr>
+            <p:ph sz="quarter" idx="1"/>
+          </p:nvPr>
+        </p:nvSpPr>
+        <p:spPr>
+          <a:xfrm>
+            <a:off x="914400" y="1752600"/>
+            <a:ext cx="7772400" cy="4267200"/>
+          </a:xfrm>
+        </p:spPr>
+        <p:txBody>
+          <a:bodyPr/>
+          <a:lstStyle/>
+          <a:p>
+            <a:pPr marL="0" indent="0" eaLnBrk="1" hangingPunct="1">
+              <a:buFont typeface="Wingdings 2" pitchFamily="18" charset="2"/>
+              <a:buNone/>
+            </a:pPr>
+            <a:r>
+              <a:rPr lang="en-US" altLang="en-US" sz="2800" b="1" dirty="0"/>
+              <a:t>Recursive partitioning</a:t>
+            </a:r>
+            <a:r>
+              <a:rPr lang="en-US" altLang="en-US" b="1" dirty="0"/>
+              <a:t>: </a:t>
+            </a:r>
+            <a:r>
+              <a:rPr lang="en-US" altLang="en-US" sz="2800" dirty="0"/>
+              <a:t>Repeatedly split the records into two sections so as to achieve maximum homogeneity of outcome within each new section</a:t>
+            </a:r>
+          </a:p>
+          <a:p>
+            <a:pPr marL="0" indent="0" eaLnBrk="1" hangingPunct="1"/>
+            <a:endParaRPr lang="en-US" altLang="en-US" dirty="0"/>
+          </a:p>
+          <a:p>
+            <a:pPr marL="0" indent="0" eaLnBrk="1" hangingPunct="1">
+              <a:buFont typeface="Wingdings 2" pitchFamily="18" charset="2"/>
+              <a:buNone/>
+            </a:pPr>
+            <a:r>
+              <a:rPr lang="en-US" altLang="en-US" sz="2800" b="1" dirty="0"/>
+              <a:t>Pruning the tree</a:t>
+            </a:r>
+            <a:r>
+              <a:rPr lang="en-US" altLang="en-US" b="1" dirty="0"/>
+              <a:t>: </a:t>
+            </a:r>
+            <a:r>
+              <a:rPr lang="en-US" altLang="en-US" sz="2800" dirty="0"/>
+              <a:t>Simplify the tree by pruning peripheral branches to avoid overfitting – measure and reduce complexity</a:t>
+            </a:r>
+          </a:p>
+        </p:txBody>
+      </p:sp>
+      <p:sp>
+        <p:nvSpPr>
+          <p:cNvPr id="4" name="Date Placeholder 4"/>
           <p:cNvSpPr>
             <a:spLocks noGrp="1"/>
           </p:cNvSpPr>
@@ -24884,12 +24343,17 @@
             <p:ph type="dt" sz="half" idx="10"/>
           </p:nvPr>
         </p:nvSpPr>
-        <p:spPr/>
+        <p:spPr>
+          <a:xfrm>
+            <a:off x="628650" y="6356351"/>
+            <a:ext cx="2057400" cy="365125"/>
+          </a:xfrm>
+        </p:spPr>
         <p:txBody>
           <a:bodyPr/>
           <a:lstStyle/>
           <a:p>
-            <a:fld id="{6700A58B-DD98-43D0-B791-721480A02982}" type="datetime1">
+            <a:fld id="{9B19E99B-5349-415A-8E56-8E989211A366}" type="datetime1">
               <a:rPr lang="en-US" smtClean="0"/>
               <a:t>3/12/23</a:t>
             </a:fld>
@@ -24899,41 +24363,7 @@
       </p:sp>
       <p:sp>
         <p:nvSpPr>
-          <p:cNvPr id="3" name="Title 2">
-            <a:extLst>
-              <a:ext uri="{FF2B5EF4-FFF2-40B4-BE49-F238E27FC236}">
-                <a16:creationId xmlns:a16="http://schemas.microsoft.com/office/drawing/2014/main" id="{787E2F7D-50B6-43F4-85CC-C9531D3F6175}"/>
-              </a:ext>
-            </a:extLst>
-          </p:cNvPr>
-          <p:cNvSpPr>
-            <a:spLocks noGrp="1"/>
-          </p:cNvSpPr>
-          <p:nvPr>
-            <p:ph type="title"/>
-          </p:nvPr>
-        </p:nvSpPr>
-        <p:spPr/>
-        <p:txBody>
-          <a:bodyPr/>
-          <a:lstStyle/>
-          <a:p>
-            <a:r>
-              <a:rPr lang="en-US" dirty="0"/>
-              <a:t>Decision Trees</a:t>
-            </a:r>
-          </a:p>
-        </p:txBody>
-      </p:sp>
-      <p:sp>
-        <p:nvSpPr>
-          <p:cNvPr id="4" name="Slide Number Placeholder 3">
-            <a:extLst>
-              <a:ext uri="{FF2B5EF4-FFF2-40B4-BE49-F238E27FC236}">
-                <a16:creationId xmlns:a16="http://schemas.microsoft.com/office/drawing/2014/main" id="{3E8455AE-BF72-4683-9895-6410B5607130}"/>
-              </a:ext>
-            </a:extLst>
-          </p:cNvPr>
+          <p:cNvPr id="6" name="Slide Number Placeholder 6"/>
           <p:cNvSpPr>
             <a:spLocks noGrp="1"/>
           </p:cNvSpPr>
@@ -24941,119 +24371,29 @@
             <p:ph type="sldNum" sz="quarter" idx="12"/>
           </p:nvPr>
         </p:nvSpPr>
-        <p:spPr/>
+        <p:spPr>
+          <a:xfrm>
+            <a:off x="6457950" y="6356351"/>
+            <a:ext cx="857250" cy="365125"/>
+          </a:xfrm>
+        </p:spPr>
         <p:txBody>
           <a:bodyPr/>
           <a:lstStyle/>
           <a:p>
-            <a:fld id="{37290FF7-652B-4475-AEAB-8B1A5D23AE09}" type="slidenum">
-              <a:rPr lang="en-US" smtClean="0"/>
-              <a:t>4</a:t>
-            </a:fld>
-            <a:endParaRPr lang="en-US"/>
-          </a:p>
-        </p:txBody>
-      </p:sp>
-      <p:sp>
-        <p:nvSpPr>
-          <p:cNvPr id="6" name="TextBox 5">
-            <a:extLst>
-              <a:ext uri="{FF2B5EF4-FFF2-40B4-BE49-F238E27FC236}">
-                <a16:creationId xmlns:a16="http://schemas.microsoft.com/office/drawing/2014/main" id="{767B5567-5D4B-4CE6-B81E-9BAD57C4D2C1}"/>
-              </a:ext>
-            </a:extLst>
-          </p:cNvPr>
-          <p:cNvSpPr txBox="1"/>
-          <p:nvPr/>
-        </p:nvSpPr>
-        <p:spPr>
-          <a:xfrm>
-            <a:off x="250369" y="1676400"/>
-            <a:ext cx="8741232" cy="2308324"/>
-          </a:xfrm>
-          <a:prstGeom prst="rect">
-            <a:avLst/>
-          </a:prstGeom>
-          <a:noFill/>
-        </p:spPr>
-        <p:txBody>
-          <a:bodyPr wrap="square" rtlCol="0">
-            <a:spAutoFit/>
-          </a:bodyPr>
-          <a:lstStyle/>
-          <a:p>
-            <a:pPr marL="285750" indent="-285750">
-              <a:buFont typeface="Arial" panose="020B0604020202020204" pitchFamily="34" charset="0"/>
-              <a:buChar char="•"/>
-            </a:pPr>
             <a:r>
               <a:rPr lang="en-US" dirty="0"/>
-              <a:t>By observing the data and splitting it into sections, rules are created for either prediction or classification problems.</a:t>
-            </a:r>
-          </a:p>
-          <a:p>
-            <a:pPr marL="285750" indent="-285750">
-              <a:buFont typeface="Arial" panose="020B0604020202020204" pitchFamily="34" charset="0"/>
-              <a:buChar char="•"/>
-            </a:pPr>
-            <a:endParaRPr lang="en-US" dirty="0"/>
-          </a:p>
-          <a:p>
-            <a:pPr marL="285750" indent="-285750">
-              <a:buFont typeface="Arial" panose="020B0604020202020204" pitchFamily="34" charset="0"/>
-              <a:buChar char="•"/>
-            </a:pPr>
-            <a:r>
-              <a:rPr lang="en-US" dirty="0"/>
-              <a:t>Mimics a subject matter expert…pre data mining days.</a:t>
-            </a:r>
-          </a:p>
-          <a:p>
-            <a:pPr marL="742950" lvl="1" indent="-285750">
-              <a:buFont typeface="Arial" panose="020B0604020202020204" pitchFamily="34" charset="0"/>
-              <a:buChar char="•"/>
-            </a:pPr>
-            <a:r>
-              <a:rPr lang="en-US" dirty="0"/>
-              <a:t>Before data mining, an experienced marketing  bank manager may have said “let’s call our </a:t>
-            </a:r>
-            <a:r>
-              <a:rPr lang="en-US" i="1" dirty="0"/>
-              <a:t>married</a:t>
-            </a:r>
-            <a:r>
-              <a:rPr lang="en-US" dirty="0"/>
-              <a:t> customers </a:t>
-            </a:r>
-            <a:r>
-              <a:rPr lang="en-US" i="1" dirty="0"/>
-              <a:t>over 25 </a:t>
-            </a:r>
-            <a:r>
-              <a:rPr lang="en-US" dirty="0"/>
-              <a:t>that have at </a:t>
-            </a:r>
-            <a:r>
-              <a:rPr lang="en-US" i="1" dirty="0"/>
-              <a:t>least a college education </a:t>
-            </a:r>
-            <a:r>
-              <a:rPr lang="en-US" dirty="0"/>
-              <a:t>to see if they want another loan.”  </a:t>
-            </a:r>
-            <a:br>
-              <a:rPr lang="en-US" dirty="0"/>
-            </a:br>
-            <a:endParaRPr lang="en-US" dirty="0"/>
-          </a:p>
-        </p:txBody>
-      </p:sp>
-      <p:sp>
-        <p:nvSpPr>
-          <p:cNvPr id="7" name="Footer Placeholder 4">
-            <a:extLst>
-              <a:ext uri="{FF2B5EF4-FFF2-40B4-BE49-F238E27FC236}">
-                <a16:creationId xmlns:a16="http://schemas.microsoft.com/office/drawing/2014/main" id="{04DB79D2-1077-C1C6-DA26-14598F598B64}"/>
+              <a:t>40</a:t>
+            </a:r>
+          </a:p>
+        </p:txBody>
+      </p:sp>
+      <p:sp>
+        <p:nvSpPr>
+          <p:cNvPr id="2" name="Footer Placeholder 4">
+            <a:extLst>
+              <a:ext uri="{FF2B5EF4-FFF2-40B4-BE49-F238E27FC236}">
+                <a16:creationId xmlns:a16="http://schemas.microsoft.com/office/drawing/2014/main" id="{FE99A9BF-A9C3-7C83-FBEF-B2A06CEDDC59}"/>
               </a:ext>
             </a:extLst>
           </p:cNvPr>
@@ -25097,7 +24437,7 @@
     </p:spTree>
     <p:extLst>
       <p:ext uri="{BB962C8B-B14F-4D97-AF65-F5344CB8AC3E}">
-        <p14:creationId xmlns:p14="http://schemas.microsoft.com/office/powerpoint/2010/main" val="2239418138"/>
+        <p14:creationId xmlns:p14="http://schemas.microsoft.com/office/powerpoint/2010/main" val="969002587"/>
       </p:ext>
     </p:extLst>
   </p:cSld>
@@ -25126,7 +24466,42 @@
       </p:grpSpPr>
       <p:sp>
         <p:nvSpPr>
-          <p:cNvPr id="11266" name="Title 1"/>
+          <p:cNvPr id="2" name="Date Placeholder 1">
+            <a:extLst>
+              <a:ext uri="{FF2B5EF4-FFF2-40B4-BE49-F238E27FC236}">
+                <a16:creationId xmlns:a16="http://schemas.microsoft.com/office/drawing/2014/main" id="{D3277295-FD88-4A00-A9C7-1FD3DC493727}"/>
+              </a:ext>
+            </a:extLst>
+          </p:cNvPr>
+          <p:cNvSpPr>
+            <a:spLocks noGrp="1"/>
+          </p:cNvSpPr>
+          <p:nvPr>
+            <p:ph type="dt" sz="half" idx="10"/>
+          </p:nvPr>
+        </p:nvSpPr>
+        <p:spPr/>
+        <p:txBody>
+          <a:bodyPr/>
+          <a:lstStyle/>
+          <a:p>
+            <a:fld id="{6700A58B-DD98-43D0-B791-721480A02982}" type="datetime1">
+              <a:rPr lang="en-US" smtClean="0"/>
+              <a:t>3/12/23</a:t>
+            </a:fld>
+            <a:endParaRPr lang="en-US"/>
+          </a:p>
+        </p:txBody>
+      </p:sp>
+      <p:sp>
+        <p:nvSpPr>
+          <p:cNvPr id="3" name="Title 2">
+            <a:extLst>
+              <a:ext uri="{FF2B5EF4-FFF2-40B4-BE49-F238E27FC236}">
+                <a16:creationId xmlns:a16="http://schemas.microsoft.com/office/drawing/2014/main" id="{E713042C-1E26-445F-ACF3-E8432C728EDB}"/>
+              </a:ext>
+            </a:extLst>
+          </p:cNvPr>
           <p:cNvSpPr>
             <a:spLocks noGrp="1"/>
           </p:cNvSpPr>
@@ -25139,106 +24514,22 @@
           <a:bodyPr/>
           <a:lstStyle/>
           <a:p>
-            <a:pPr eaLnBrk="1" hangingPunct="1"/>
-            <a:r>
-              <a:rPr lang="en-US" altLang="en-US"/>
-              <a:t>Key Ideas </a:t>
-            </a:r>
-          </a:p>
-        </p:txBody>
-      </p:sp>
-      <p:sp>
-        <p:nvSpPr>
-          <p:cNvPr id="11267" name="Content Placeholder 2"/>
-          <p:cNvSpPr>
-            <a:spLocks noGrp="1"/>
-          </p:cNvSpPr>
-          <p:nvPr>
-            <p:ph sz="quarter" idx="1"/>
-          </p:nvPr>
-        </p:nvSpPr>
-        <p:spPr>
-          <a:xfrm>
-            <a:off x="914400" y="1752600"/>
-            <a:ext cx="7772400" cy="4267200"/>
-          </a:xfrm>
-        </p:spPr>
-        <p:txBody>
-          <a:bodyPr/>
-          <a:lstStyle/>
-          <a:p>
-            <a:pPr marL="0" indent="0" eaLnBrk="1" hangingPunct="1">
-              <a:buFont typeface="Wingdings 2" pitchFamily="18" charset="2"/>
-              <a:buNone/>
-            </a:pPr>
-            <a:r>
-              <a:rPr lang="en-US" altLang="en-US" sz="2800" b="1" dirty="0"/>
-              <a:t>Recursive partitioning</a:t>
-            </a:r>
-            <a:r>
-              <a:rPr lang="en-US" altLang="en-US" b="1" dirty="0"/>
-              <a:t>: </a:t>
-            </a:r>
-            <a:r>
-              <a:rPr lang="en-US" altLang="en-US" sz="2800" dirty="0"/>
-              <a:t>Repeatedly split the records into two sections so as to achieve maximum homogeneity of outcome within each new section</a:t>
-            </a:r>
-          </a:p>
-          <a:p>
-            <a:pPr marL="0" indent="0" eaLnBrk="1" hangingPunct="1"/>
-            <a:endParaRPr lang="en-US" altLang="en-US" dirty="0"/>
-          </a:p>
-          <a:p>
-            <a:pPr marL="0" indent="0" eaLnBrk="1" hangingPunct="1">
-              <a:buFont typeface="Wingdings 2" pitchFamily="18" charset="2"/>
-              <a:buNone/>
-            </a:pPr>
-            <a:r>
-              <a:rPr lang="en-US" altLang="en-US" sz="2800" b="1" dirty="0"/>
-              <a:t>Pruning the tree</a:t>
-            </a:r>
-            <a:r>
-              <a:rPr lang="en-US" altLang="en-US" b="1" dirty="0"/>
-              <a:t>: </a:t>
-            </a:r>
-            <a:r>
-              <a:rPr lang="en-US" altLang="en-US" sz="2800" dirty="0"/>
-              <a:t>Simplify the tree by pruning peripheral branches to avoid overfitting – measure and reduce complexity</a:t>
-            </a:r>
-          </a:p>
-        </p:txBody>
-      </p:sp>
-      <p:sp>
-        <p:nvSpPr>
-          <p:cNvPr id="4" name="Date Placeholder 4"/>
-          <p:cNvSpPr>
-            <a:spLocks noGrp="1"/>
-          </p:cNvSpPr>
-          <p:nvPr>
-            <p:ph type="dt" sz="half" idx="10"/>
-          </p:nvPr>
-        </p:nvSpPr>
-        <p:spPr>
-          <a:xfrm>
-            <a:off x="628650" y="6356351"/>
-            <a:ext cx="2057400" cy="365125"/>
-          </a:xfrm>
-        </p:spPr>
-        <p:txBody>
-          <a:bodyPr/>
-          <a:lstStyle/>
-          <a:p>
-            <a:fld id="{9B19E99B-5349-415A-8E56-8E989211A366}" type="datetime1">
-              <a:rPr lang="en-US" smtClean="0"/>
-              <a:t>3/12/23</a:t>
-            </a:fld>
-            <a:endParaRPr lang="en-US"/>
-          </a:p>
-        </p:txBody>
-      </p:sp>
-      <p:sp>
-        <p:nvSpPr>
-          <p:cNvPr id="6" name="Slide Number Placeholder 6"/>
+            <a:r>
+              <a:rPr lang="en-US" dirty="0"/>
+              <a:t>Advantages of Decision Trees</a:t>
+            </a:r>
+          </a:p>
+        </p:txBody>
+      </p:sp>
+      <p:sp>
+        <p:nvSpPr>
+          <p:cNvPr id="4" name="Slide Number Placeholder 3">
+            <a:extLst>
+              <a:ext uri="{FF2B5EF4-FFF2-40B4-BE49-F238E27FC236}">
+                <a16:creationId xmlns:a16="http://schemas.microsoft.com/office/drawing/2014/main" id="{36191873-DABC-4FDD-8172-6BE8E9190282}"/>
+              </a:ext>
+            </a:extLst>
+          </p:cNvPr>
           <p:cNvSpPr>
             <a:spLocks noGrp="1"/>
           </p:cNvSpPr>
@@ -25246,29 +24537,114 @@
             <p:ph type="sldNum" sz="quarter" idx="12"/>
           </p:nvPr>
         </p:nvSpPr>
+        <p:spPr/>
+        <p:txBody>
+          <a:bodyPr/>
+          <a:lstStyle/>
+          <a:p>
+            <a:fld id="{37290FF7-652B-4475-AEAB-8B1A5D23AE09}" type="slidenum">
+              <a:rPr lang="en-US" smtClean="0"/>
+              <a:t>5</a:t>
+            </a:fld>
+            <a:endParaRPr lang="en-US"/>
+          </a:p>
+        </p:txBody>
+      </p:sp>
+      <p:sp>
+        <p:nvSpPr>
+          <p:cNvPr id="6" name="TextBox 5">
+            <a:extLst>
+              <a:ext uri="{FF2B5EF4-FFF2-40B4-BE49-F238E27FC236}">
+                <a16:creationId xmlns:a16="http://schemas.microsoft.com/office/drawing/2014/main" id="{E376388E-9950-4701-A4E8-03EC1111D9C2}"/>
+              </a:ext>
+            </a:extLst>
+          </p:cNvPr>
+          <p:cNvSpPr txBox="1"/>
+          <p:nvPr/>
+        </p:nvSpPr>
         <p:spPr>
           <a:xfrm>
-            <a:off x="6457950" y="6356351"/>
-            <a:ext cx="857250" cy="365125"/>
+            <a:off x="628650" y="1447800"/>
+            <a:ext cx="7554760" cy="1754326"/>
           </a:xfrm>
+          <a:prstGeom prst="rect">
+            <a:avLst/>
+          </a:prstGeom>
+          <a:noFill/>
         </p:spPr>
         <p:txBody>
-          <a:bodyPr/>
+          <a:bodyPr wrap="none" rtlCol="0">
+            <a:spAutoFit/>
+          </a:bodyPr>
           <a:lstStyle/>
           <a:p>
+            <a:pPr marL="285750" indent="-285750">
+              <a:buFont typeface="Arial" panose="020B0604020202020204" pitchFamily="34" charset="0"/>
+              <a:buChar char="•"/>
+            </a:pPr>
             <a:r>
               <a:rPr lang="en-US" dirty="0"/>
-              <a:t>40</a:t>
-            </a:r>
-          </a:p>
-        </p:txBody>
-      </p:sp>
-      <p:sp>
-        <p:nvSpPr>
-          <p:cNvPr id="2" name="Footer Placeholder 4">
-            <a:extLst>
-              <a:ext uri="{FF2B5EF4-FFF2-40B4-BE49-F238E27FC236}">
-                <a16:creationId xmlns:a16="http://schemas.microsoft.com/office/drawing/2014/main" id="{FE99A9BF-A9C3-7C83-FBEF-B2A06CEDDC59}"/>
+              <a:t>Understandable, rules are human readable; executives love looking at them</a:t>
+            </a:r>
+          </a:p>
+          <a:p>
+            <a:pPr marL="285750" indent="-285750">
+              <a:buFont typeface="Arial" panose="020B0604020202020204" pitchFamily="34" charset="0"/>
+              <a:buChar char="•"/>
+            </a:pPr>
+            <a:r>
+              <a:rPr lang="en-US" dirty="0"/>
+              <a:t>Light weight, fast</a:t>
+            </a:r>
+          </a:p>
+          <a:p>
+            <a:pPr marL="285750" indent="-285750">
+              <a:buFont typeface="Arial" panose="020B0604020202020204" pitchFamily="34" charset="0"/>
+              <a:buChar char="•"/>
+            </a:pPr>
+            <a:r>
+              <a:rPr lang="en-US" dirty="0"/>
+              <a:t>Easy to implement…logic can be built in Excel even</a:t>
+            </a:r>
+          </a:p>
+          <a:p>
+            <a:pPr marL="285750" indent="-285750">
+              <a:buFont typeface="Arial" panose="020B0604020202020204" pitchFamily="34" charset="0"/>
+              <a:buChar char="•"/>
+            </a:pPr>
+            <a:r>
+              <a:rPr lang="en-US" dirty="0"/>
+              <a:t>Variable selection is automatic</a:t>
+            </a:r>
+          </a:p>
+          <a:p>
+            <a:pPr marL="285750" indent="-285750">
+              <a:buFont typeface="Arial" panose="020B0604020202020204" pitchFamily="34" charset="0"/>
+              <a:buChar char="•"/>
+            </a:pPr>
+            <a:r>
+              <a:rPr lang="en-US" dirty="0"/>
+              <a:t>No assumptions of data </a:t>
+            </a:r>
+          </a:p>
+          <a:p>
+            <a:pPr marL="285750" indent="-285750">
+              <a:buFont typeface="Arial" panose="020B0604020202020204" pitchFamily="34" charset="0"/>
+              <a:buChar char="•"/>
+            </a:pPr>
+            <a:r>
+              <a:rPr lang="en-US" dirty="0"/>
+              <a:t>Works with minimal data preprocessing</a:t>
+            </a:r>
+          </a:p>
+        </p:txBody>
+      </p:sp>
+      <p:sp>
+        <p:nvSpPr>
+          <p:cNvPr id="7" name="Footer Placeholder 4">
+            <a:extLst>
+              <a:ext uri="{FF2B5EF4-FFF2-40B4-BE49-F238E27FC236}">
+                <a16:creationId xmlns:a16="http://schemas.microsoft.com/office/drawing/2014/main" id="{4BF29C41-8A42-C015-BFEE-E94AEF89C1A3}"/>
               </a:ext>
             </a:extLst>
           </p:cNvPr>
@@ -25312,7 +24688,7 @@
     </p:spTree>
     <p:extLst>
       <p:ext uri="{BB962C8B-B14F-4D97-AF65-F5344CB8AC3E}">
-        <p14:creationId xmlns:p14="http://schemas.microsoft.com/office/powerpoint/2010/main" val="969002587"/>
+        <p14:creationId xmlns:p14="http://schemas.microsoft.com/office/powerpoint/2010/main" val="304402710"/>
       </p:ext>
     </p:extLst>
   </p:cSld>
@@ -25391,7 +24767,7 @@
           <a:p>
             <a:r>
               <a:rPr lang="en-US" dirty="0"/>
-              <a:t>Advantages of Decision Trees</a:t>
+              <a:t>Disadvantages of Decision Trees</a:t>
             </a:r>
           </a:p>
         </p:txBody>
@@ -25439,8 +24815,8 @@
         </p:nvSpPr>
         <p:spPr>
           <a:xfrm>
-            <a:off x="628650" y="1447800"/>
-            <a:ext cx="7554760" cy="1754326"/>
+            <a:off x="304801" y="1447800"/>
+            <a:ext cx="8610600" cy="646331"/>
           </a:xfrm>
           <a:prstGeom prst="rect">
             <a:avLst/>
@@ -25448,7 +24824,7 @@
           <a:noFill/>
         </p:spPr>
         <p:txBody>
-          <a:bodyPr wrap="none" rtlCol="0">
+          <a:bodyPr wrap="square" rtlCol="0">
             <a:spAutoFit/>
           </a:bodyPr>
           <a:lstStyle/>
@@ -25459,67 +24835,47 @@
             </a:pPr>
             <a:r>
               <a:rPr lang="en-US" dirty="0"/>
-              <a:t>Understandable, rules are human readable; executives love looking at them</a:t>
-            </a:r>
-          </a:p>
-          <a:p>
-            <a:pPr marL="285750" indent="-285750">
-              <a:buFont typeface="Arial" panose="020B0604020202020204" pitchFamily="34" charset="0"/>
-              <a:buChar char="•"/>
-            </a:pPr>
-            <a:r>
-              <a:rPr lang="en-US" dirty="0"/>
-              <a:t>Light weight, fast</a:t>
-            </a:r>
-          </a:p>
-          <a:p>
-            <a:pPr marL="285750" indent="-285750">
-              <a:buFont typeface="Arial" panose="020B0604020202020204" pitchFamily="34" charset="0"/>
-              <a:buChar char="•"/>
-            </a:pPr>
-            <a:r>
-              <a:rPr lang="en-US" dirty="0"/>
-              <a:t>Easy to implement…logic can be built in Excel even</a:t>
-            </a:r>
-          </a:p>
-          <a:p>
-            <a:pPr marL="285750" indent="-285750">
-              <a:buFont typeface="Arial" panose="020B0604020202020204" pitchFamily="34" charset="0"/>
-              <a:buChar char="•"/>
-            </a:pPr>
-            <a:r>
-              <a:rPr lang="en-US" dirty="0"/>
-              <a:t>Variable selection is automatic</a:t>
-            </a:r>
-          </a:p>
-          <a:p>
-            <a:pPr marL="285750" indent="-285750">
-              <a:buFont typeface="Arial" panose="020B0604020202020204" pitchFamily="34" charset="0"/>
-              <a:buChar char="•"/>
-            </a:pPr>
-            <a:r>
-              <a:rPr lang="en-US" dirty="0"/>
-              <a:t>No assumptions of data </a:t>
-            </a:r>
-          </a:p>
-          <a:p>
-            <a:pPr marL="285750" indent="-285750">
-              <a:buFont typeface="Arial" panose="020B0604020202020204" pitchFamily="34" charset="0"/>
-              <a:buChar char="•"/>
-            </a:pPr>
-            <a:r>
-              <a:rPr lang="en-US" dirty="0"/>
-              <a:t>Works with minimal data preprocessing</a:t>
-            </a:r>
-          </a:p>
-        </p:txBody>
-      </p:sp>
+              <a:t>Overfitting!!  You could create rules down to individual records so you get perfect accuracy (100% purity in each section).  This wouldn’t generalize to new unseen data.</a:t>
+            </a:r>
+          </a:p>
+        </p:txBody>
+      </p:sp>
+      <p:pic>
+        <p:nvPicPr>
+          <p:cNvPr id="9" name="Picture 8">
+            <a:extLst>
+              <a:ext uri="{FF2B5EF4-FFF2-40B4-BE49-F238E27FC236}">
+                <a16:creationId xmlns:a16="http://schemas.microsoft.com/office/drawing/2014/main" id="{71C88952-38F6-1C41-BAD7-E2F2CFACB55A}"/>
+              </a:ext>
+            </a:extLst>
+          </p:cNvPr>
+          <p:cNvPicPr>
+            <a:picLocks noChangeAspect="1"/>
+          </p:cNvPicPr>
+          <p:nvPr/>
+        </p:nvPicPr>
+        <p:blipFill>
+          <a:blip r:embed="rId2"/>
+          <a:stretch>
+            <a:fillRect/>
+          </a:stretch>
+        </p:blipFill>
+        <p:spPr>
+          <a:xfrm>
+            <a:off x="3090041" y="2568904"/>
+            <a:ext cx="2507374" cy="3153930"/>
+          </a:xfrm>
+          <a:prstGeom prst="rect">
+            <a:avLst/>
+          </a:prstGeom>
+        </p:spPr>
+      </p:pic>
       <p:sp>
         <p:nvSpPr>
           <p:cNvPr id="7" name="Footer Placeholder 4">
             <a:extLst>
               <a:ext uri="{FF2B5EF4-FFF2-40B4-BE49-F238E27FC236}">
-                <a16:creationId xmlns:a16="http://schemas.microsoft.com/office/drawing/2014/main" id="{4BF29C41-8A42-C015-BFEE-E94AEF89C1A3}"/>
+                <a16:creationId xmlns:a16="http://schemas.microsoft.com/office/drawing/2014/main" id="{3F086363-FBCC-6F58-EB0A-B0D8768C4FF7}"/>
               </a:ext>
             </a:extLst>
           </p:cNvPr>
@@ -25563,7 +24919,7 @@
     </p:spTree>
     <p:extLst>
       <p:ext uri="{BB962C8B-B14F-4D97-AF65-F5344CB8AC3E}">
-        <p14:creationId xmlns:p14="http://schemas.microsoft.com/office/powerpoint/2010/main" val="304402710"/>
+        <p14:creationId xmlns:p14="http://schemas.microsoft.com/office/powerpoint/2010/main" val="1237270842"/>
       </p:ext>
     </p:extLst>
   </p:cSld>
@@ -25671,237 +25027,6 @@
             <a:fld id="{37290FF7-652B-4475-AEAB-8B1A5D23AE09}" type="slidenum">
               <a:rPr lang="en-US" smtClean="0"/>
               <a:t>7</a:t>
-            </a:fld>
-            <a:endParaRPr lang="en-US"/>
-          </a:p>
-        </p:txBody>
-      </p:sp>
-      <p:sp>
-        <p:nvSpPr>
-          <p:cNvPr id="6" name="TextBox 5">
-            <a:extLst>
-              <a:ext uri="{FF2B5EF4-FFF2-40B4-BE49-F238E27FC236}">
-                <a16:creationId xmlns:a16="http://schemas.microsoft.com/office/drawing/2014/main" id="{E376388E-9950-4701-A4E8-03EC1111D9C2}"/>
-              </a:ext>
-            </a:extLst>
-          </p:cNvPr>
-          <p:cNvSpPr txBox="1"/>
-          <p:nvPr/>
-        </p:nvSpPr>
-        <p:spPr>
-          <a:xfrm>
-            <a:off x="304801" y="1447800"/>
-            <a:ext cx="8610600" cy="646331"/>
-          </a:xfrm>
-          <a:prstGeom prst="rect">
-            <a:avLst/>
-          </a:prstGeom>
-          <a:noFill/>
-        </p:spPr>
-        <p:txBody>
-          <a:bodyPr wrap="square" rtlCol="0">
-            <a:spAutoFit/>
-          </a:bodyPr>
-          <a:lstStyle/>
-          <a:p>
-            <a:pPr marL="285750" indent="-285750">
-              <a:buFont typeface="Arial" panose="020B0604020202020204" pitchFamily="34" charset="0"/>
-              <a:buChar char="•"/>
-            </a:pPr>
-            <a:r>
-              <a:rPr lang="en-US" dirty="0"/>
-              <a:t>Overfitting!!  You could create rules down to individual records so you get perfect accuracy (100% purity in each section).  This wouldn’t generalize to new unseen data.</a:t>
-            </a:r>
-          </a:p>
-        </p:txBody>
-      </p:sp>
-      <p:pic>
-        <p:nvPicPr>
-          <p:cNvPr id="9" name="Picture 8">
-            <a:extLst>
-              <a:ext uri="{FF2B5EF4-FFF2-40B4-BE49-F238E27FC236}">
-                <a16:creationId xmlns:a16="http://schemas.microsoft.com/office/drawing/2014/main" id="{71C88952-38F6-1C41-BAD7-E2F2CFACB55A}"/>
-              </a:ext>
-            </a:extLst>
-          </p:cNvPr>
-          <p:cNvPicPr>
-            <a:picLocks noChangeAspect="1"/>
-          </p:cNvPicPr>
-          <p:nvPr/>
-        </p:nvPicPr>
-        <p:blipFill>
-          <a:blip r:embed="rId2"/>
-          <a:stretch>
-            <a:fillRect/>
-          </a:stretch>
-        </p:blipFill>
-        <p:spPr>
-          <a:xfrm>
-            <a:off x="3090041" y="2568904"/>
-            <a:ext cx="2507374" cy="3153930"/>
-          </a:xfrm>
-          <a:prstGeom prst="rect">
-            <a:avLst/>
-          </a:prstGeom>
-        </p:spPr>
-      </p:pic>
-      <p:sp>
-        <p:nvSpPr>
-          <p:cNvPr id="7" name="Footer Placeholder 4">
-            <a:extLst>
-              <a:ext uri="{FF2B5EF4-FFF2-40B4-BE49-F238E27FC236}">
-                <a16:creationId xmlns:a16="http://schemas.microsoft.com/office/drawing/2014/main" id="{3F086363-FBCC-6F58-EB0A-B0D8768C4FF7}"/>
-              </a:ext>
-            </a:extLst>
-          </p:cNvPr>
-          <p:cNvSpPr>
-            <a:spLocks noGrp="1"/>
-          </p:cNvSpPr>
-          <p:nvPr>
-            <p:ph type="ftr" sz="quarter" idx="3"/>
-          </p:nvPr>
-        </p:nvSpPr>
-        <p:spPr>
-          <a:xfrm>
-            <a:off x="3028950" y="6356351"/>
-            <a:ext cx="3086100" cy="365125"/>
-          </a:xfrm>
-          <a:prstGeom prst="rect">
-            <a:avLst/>
-          </a:prstGeom>
-        </p:spPr>
-        <p:txBody>
-          <a:bodyPr vert="horz" lIns="91440" tIns="45720" rIns="91440" bIns="45720" rtlCol="0" anchor="ctr"/>
-          <a:lstStyle>
-            <a:lvl1pPr algn="ctr">
-              <a:defRPr sz="900">
-                <a:solidFill>
-                  <a:schemeClr val="tx1">
-                    <a:tint val="75000"/>
-                  </a:schemeClr>
-                </a:solidFill>
-              </a:defRPr>
-            </a:lvl1pPr>
-          </a:lstStyle>
-          <a:p>
-            <a:r>
-              <a:rPr lang="en-US" dirty="0"/>
-              <a:t>Kwartler</a:t>
-            </a:r>
-          </a:p>
-        </p:txBody>
-      </p:sp>
-    </p:spTree>
-    <p:extLst>
-      <p:ext uri="{BB962C8B-B14F-4D97-AF65-F5344CB8AC3E}">
-        <p14:creationId xmlns:p14="http://schemas.microsoft.com/office/powerpoint/2010/main" val="1237270842"/>
-      </p:ext>
-    </p:extLst>
-  </p:cSld>
-  <p:clrMapOvr>
-    <a:masterClrMapping/>
-  </p:clrMapOvr>
-</p:sld>
-</file>
-
-<file path=ppt/slides/slide8.xml><?xml version="1.0" encoding="utf-8"?>
-<p:sld xmlns:a="http://schemas.openxmlformats.org/drawingml/2006/main" xmlns:r="http://schemas.openxmlformats.org/officeDocument/2006/relationships" xmlns:p="http://schemas.openxmlformats.org/presentationml/2006/main">
-  <p:cSld>
-    <p:spTree>
-      <p:nvGrpSpPr>
-        <p:cNvPr id="1" name=""/>
-        <p:cNvGrpSpPr/>
-        <p:nvPr/>
-      </p:nvGrpSpPr>
-      <p:grpSpPr>
-        <a:xfrm>
-          <a:off x="0" y="0"/>
-          <a:ext cx="0" cy="0"/>
-          <a:chOff x="0" y="0"/>
-          <a:chExt cx="0" cy="0"/>
-        </a:xfrm>
-      </p:grpSpPr>
-      <p:sp>
-        <p:nvSpPr>
-          <p:cNvPr id="2" name="Date Placeholder 1">
-            <a:extLst>
-              <a:ext uri="{FF2B5EF4-FFF2-40B4-BE49-F238E27FC236}">
-                <a16:creationId xmlns:a16="http://schemas.microsoft.com/office/drawing/2014/main" id="{D3277295-FD88-4A00-A9C7-1FD3DC493727}"/>
-              </a:ext>
-            </a:extLst>
-          </p:cNvPr>
-          <p:cNvSpPr>
-            <a:spLocks noGrp="1"/>
-          </p:cNvSpPr>
-          <p:nvPr>
-            <p:ph type="dt" sz="half" idx="10"/>
-          </p:nvPr>
-        </p:nvSpPr>
-        <p:spPr/>
-        <p:txBody>
-          <a:bodyPr/>
-          <a:lstStyle/>
-          <a:p>
-            <a:fld id="{6700A58B-DD98-43D0-B791-721480A02982}" type="datetime1">
-              <a:rPr lang="en-US" smtClean="0"/>
-              <a:t>3/12/23</a:t>
-            </a:fld>
-            <a:endParaRPr lang="en-US"/>
-          </a:p>
-        </p:txBody>
-      </p:sp>
-      <p:sp>
-        <p:nvSpPr>
-          <p:cNvPr id="3" name="Title 2">
-            <a:extLst>
-              <a:ext uri="{FF2B5EF4-FFF2-40B4-BE49-F238E27FC236}">
-                <a16:creationId xmlns:a16="http://schemas.microsoft.com/office/drawing/2014/main" id="{E713042C-1E26-445F-ACF3-E8432C728EDB}"/>
-              </a:ext>
-            </a:extLst>
-          </p:cNvPr>
-          <p:cNvSpPr>
-            <a:spLocks noGrp="1"/>
-          </p:cNvSpPr>
-          <p:nvPr>
-            <p:ph type="title"/>
-          </p:nvPr>
-        </p:nvSpPr>
-        <p:spPr/>
-        <p:txBody>
-          <a:bodyPr/>
-          <a:lstStyle/>
-          <a:p>
-            <a:r>
-              <a:rPr lang="en-US" dirty="0"/>
-              <a:t>Disadvantages of Decision Trees</a:t>
-            </a:r>
-          </a:p>
-        </p:txBody>
-      </p:sp>
-      <p:sp>
-        <p:nvSpPr>
-          <p:cNvPr id="4" name="Slide Number Placeholder 3">
-            <a:extLst>
-              <a:ext uri="{FF2B5EF4-FFF2-40B4-BE49-F238E27FC236}">
-                <a16:creationId xmlns:a16="http://schemas.microsoft.com/office/drawing/2014/main" id="{36191873-DABC-4FDD-8172-6BE8E9190282}"/>
-              </a:ext>
-            </a:extLst>
-          </p:cNvPr>
-          <p:cNvSpPr>
-            <a:spLocks noGrp="1"/>
-          </p:cNvSpPr>
-          <p:nvPr>
-            <p:ph type="sldNum" sz="quarter" idx="12"/>
-          </p:nvPr>
-        </p:nvSpPr>
-        <p:spPr/>
-        <p:txBody>
-          <a:bodyPr/>
-          <a:lstStyle/>
-          <a:p>
-            <a:fld id="{37290FF7-652B-4475-AEAB-8B1A5D23AE09}" type="slidenum">
-              <a:rPr lang="en-US" smtClean="0"/>
-              <a:t>8</a:t>
             </a:fld>
             <a:endParaRPr lang="en-US"/>
           </a:p>
@@ -26118,6 +25243,287 @@
 </p:sld>
 </file>
 
+<file path=ppt/slides/slide8.xml><?xml version="1.0" encoding="utf-8"?>
+<p:sld xmlns:a="http://schemas.openxmlformats.org/drawingml/2006/main" xmlns:r="http://schemas.openxmlformats.org/officeDocument/2006/relationships" xmlns:p="http://schemas.openxmlformats.org/presentationml/2006/main">
+  <p:cSld>
+    <p:spTree>
+      <p:nvGrpSpPr>
+        <p:cNvPr id="1" name=""/>
+        <p:cNvGrpSpPr/>
+        <p:nvPr/>
+      </p:nvGrpSpPr>
+      <p:grpSpPr>
+        <a:xfrm>
+          <a:off x="0" y="0"/>
+          <a:ext cx="0" cy="0"/>
+          <a:chOff x="0" y="0"/>
+          <a:chExt cx="0" cy="0"/>
+        </a:xfrm>
+      </p:grpSpPr>
+      <p:sp>
+        <p:nvSpPr>
+          <p:cNvPr id="13314" name="Title 2"/>
+          <p:cNvSpPr>
+            <a:spLocks noGrp="1"/>
+          </p:cNvSpPr>
+          <p:nvPr>
+            <p:ph type="title"/>
+          </p:nvPr>
+        </p:nvSpPr>
+        <p:spPr/>
+        <p:txBody>
+          <a:bodyPr/>
+          <a:lstStyle/>
+          <a:p>
+            <a:pPr eaLnBrk="1" hangingPunct="1"/>
+            <a:r>
+              <a:rPr lang="en-US" altLang="en-US"/>
+              <a:t>Recursive Partitioning Steps</a:t>
+            </a:r>
+          </a:p>
+        </p:txBody>
+      </p:sp>
+      <p:sp>
+        <p:nvSpPr>
+          <p:cNvPr id="13315" name="Content Placeholder 3"/>
+          <p:cNvSpPr>
+            <a:spLocks noGrp="1"/>
+          </p:cNvSpPr>
+          <p:nvPr>
+            <p:ph sz="quarter" idx="1"/>
+          </p:nvPr>
+        </p:nvSpPr>
+        <p:spPr>
+          <a:xfrm>
+            <a:off x="533400" y="1752600"/>
+            <a:ext cx="8153400" cy="4572000"/>
+          </a:xfrm>
+        </p:spPr>
+        <p:txBody>
+          <a:bodyPr/>
+          <a:lstStyle/>
+          <a:p>
+            <a:pPr eaLnBrk="1" hangingPunct="1"/>
+            <a:r>
+              <a:rPr lang="en-US" altLang="en-US" dirty="0"/>
+              <a:t>Pick one of the predictor variables, </a:t>
+            </a:r>
+            <a:r>
+              <a:rPr lang="en-US" altLang="en-US" i="1" dirty="0"/>
+              <a:t>x</a:t>
+            </a:r>
+            <a:r>
+              <a:rPr lang="en-US" altLang="en-US" baseline="-25000" dirty="0"/>
+              <a:t>i</a:t>
+            </a:r>
+            <a:endParaRPr lang="en-US" altLang="en-US" dirty="0"/>
+          </a:p>
+          <a:p>
+            <a:pPr eaLnBrk="1" hangingPunct="1"/>
+            <a:r>
+              <a:rPr lang="en-US" altLang="en-US" dirty="0"/>
+              <a:t>Pick a value of </a:t>
+            </a:r>
+            <a:r>
+              <a:rPr lang="en-US" altLang="en-US" i="1" dirty="0"/>
+              <a:t>x</a:t>
+            </a:r>
+            <a:r>
+              <a:rPr lang="en-US" altLang="en-US" baseline="-25000" dirty="0"/>
+              <a:t>i, </a:t>
+            </a:r>
+            <a:r>
+              <a:rPr lang="en-US" altLang="en-US" dirty="0"/>
+              <a:t>say </a:t>
+            </a:r>
+            <a:r>
+              <a:rPr lang="en-US" altLang="en-US" i="1" dirty="0" err="1"/>
+              <a:t>s</a:t>
+            </a:r>
+            <a:r>
+              <a:rPr lang="en-US" altLang="en-US" baseline="-25000" dirty="0" err="1"/>
+              <a:t>i</a:t>
+            </a:r>
+            <a:r>
+              <a:rPr lang="en-US" altLang="en-US" dirty="0"/>
+              <a:t>, that divides the training data into two (not necessarily equal) portions</a:t>
+            </a:r>
+          </a:p>
+          <a:p>
+            <a:pPr eaLnBrk="1" hangingPunct="1"/>
+            <a:r>
+              <a:rPr lang="en-US" altLang="en-US" dirty="0"/>
+              <a:t>Measure how “pure” or homogeneous each of the resulting portions is</a:t>
+            </a:r>
+          </a:p>
+          <a:p>
+            <a:pPr lvl="1" eaLnBrk="1" hangingPunct="1">
+              <a:buFont typeface="Wingdings 2" pitchFamily="18" charset="2"/>
+              <a:buNone/>
+            </a:pPr>
+            <a:r>
+              <a:rPr lang="en-US" altLang="en-US" sz="2000" dirty="0"/>
+              <a:t>“Pure” = containing records of mostly one class (or, for prediction, records with similar outcome values)</a:t>
+            </a:r>
+          </a:p>
+          <a:p>
+            <a:pPr eaLnBrk="1" hangingPunct="1"/>
+            <a:r>
+              <a:rPr lang="en-US" altLang="en-US" dirty="0"/>
+              <a:t>Algorithm tries different values of </a:t>
+            </a:r>
+            <a:r>
+              <a:rPr lang="en-US" altLang="en-US" i="1" dirty="0"/>
+              <a:t>x</a:t>
+            </a:r>
+            <a:r>
+              <a:rPr lang="en-US" altLang="en-US" baseline="-25000" dirty="0"/>
+              <a:t>i, </a:t>
+            </a:r>
+            <a:r>
+              <a:rPr lang="en-US" altLang="en-US" dirty="0"/>
+              <a:t>and </a:t>
+            </a:r>
+            <a:r>
+              <a:rPr lang="en-US" altLang="en-US" i="1" dirty="0" err="1"/>
+              <a:t>s</a:t>
+            </a:r>
+            <a:r>
+              <a:rPr lang="en-US" altLang="en-US" baseline="-25000" dirty="0" err="1"/>
+              <a:t>i</a:t>
+            </a:r>
+            <a:r>
+              <a:rPr lang="en-US" altLang="en-US" baseline="-25000" dirty="0"/>
+              <a:t> </a:t>
+            </a:r>
+            <a:r>
+              <a:rPr lang="en-US" altLang="en-US" dirty="0"/>
+              <a:t>to maximize purity in initial split</a:t>
+            </a:r>
+          </a:p>
+          <a:p>
+            <a:pPr eaLnBrk="1" hangingPunct="1"/>
+            <a:r>
+              <a:rPr lang="en-US" altLang="en-US" dirty="0"/>
+              <a:t>After you get a “maximum purity” split, repeat the process for a second split (on any variable), and so on</a:t>
+            </a:r>
+          </a:p>
+        </p:txBody>
+      </p:sp>
+      <p:sp>
+        <p:nvSpPr>
+          <p:cNvPr id="4" name="Date Placeholder 4"/>
+          <p:cNvSpPr>
+            <a:spLocks noGrp="1"/>
+          </p:cNvSpPr>
+          <p:nvPr>
+            <p:ph type="dt" sz="half" idx="10"/>
+          </p:nvPr>
+        </p:nvSpPr>
+        <p:spPr>
+          <a:xfrm>
+            <a:off x="628650" y="6356351"/>
+            <a:ext cx="2057400" cy="365125"/>
+          </a:xfrm>
+        </p:spPr>
+        <p:txBody>
+          <a:bodyPr/>
+          <a:lstStyle/>
+          <a:p>
+            <a:fld id="{9B19E99B-5349-415A-8E56-8E989211A366}" type="datetime1">
+              <a:rPr lang="en-US" smtClean="0"/>
+              <a:t>3/12/23</a:t>
+            </a:fld>
+            <a:endParaRPr lang="en-US"/>
+          </a:p>
+        </p:txBody>
+      </p:sp>
+      <p:sp>
+        <p:nvSpPr>
+          <p:cNvPr id="6" name="Slide Number Placeholder 6"/>
+          <p:cNvSpPr>
+            <a:spLocks noGrp="1"/>
+          </p:cNvSpPr>
+          <p:nvPr>
+            <p:ph type="sldNum" sz="quarter" idx="12"/>
+          </p:nvPr>
+        </p:nvSpPr>
+        <p:spPr>
+          <a:xfrm>
+            <a:off x="6457950" y="6356351"/>
+            <a:ext cx="857250" cy="365125"/>
+          </a:xfrm>
+        </p:spPr>
+        <p:txBody>
+          <a:bodyPr/>
+          <a:lstStyle/>
+          <a:p>
+            <a:r>
+              <a:rPr lang="en-US" dirty="0"/>
+              <a:t>43</a:t>
+            </a:r>
+          </a:p>
+        </p:txBody>
+      </p:sp>
+      <p:sp>
+        <p:nvSpPr>
+          <p:cNvPr id="2" name="Footer Placeholder 4">
+            <a:extLst>
+              <a:ext uri="{FF2B5EF4-FFF2-40B4-BE49-F238E27FC236}">
+                <a16:creationId xmlns:a16="http://schemas.microsoft.com/office/drawing/2014/main" id="{F0A5232A-9B5E-8A99-90AF-29296A5AADFA}"/>
+              </a:ext>
+            </a:extLst>
+          </p:cNvPr>
+          <p:cNvSpPr>
+            <a:spLocks noGrp="1"/>
+          </p:cNvSpPr>
+          <p:nvPr>
+            <p:ph type="ftr" sz="quarter" idx="3"/>
+          </p:nvPr>
+        </p:nvSpPr>
+        <p:spPr>
+          <a:xfrm>
+            <a:off x="3028950" y="6356351"/>
+            <a:ext cx="3086100" cy="365125"/>
+          </a:xfrm>
+          <a:prstGeom prst="rect">
+            <a:avLst/>
+          </a:prstGeom>
+        </p:spPr>
+        <p:txBody>
+          <a:bodyPr vert="horz" lIns="91440" tIns="45720" rIns="91440" bIns="45720" rtlCol="0" anchor="ctr"/>
+          <a:lstStyle>
+            <a:lvl1pPr algn="ctr">
+              <a:defRPr sz="900">
+                <a:solidFill>
+                  <a:schemeClr val="tx1">
+                    <a:tint val="75000"/>
+                  </a:schemeClr>
+                </a:solidFill>
+              </a:defRPr>
+            </a:lvl1pPr>
+          </a:lstStyle>
+          <a:p>
+            <a:r>
+              <a:rPr lang="en-US" dirty="0"/>
+              <a:t>Kwartler</a:t>
+            </a:r>
+          </a:p>
+        </p:txBody>
+      </p:sp>
+    </p:spTree>
+    <p:extLst>
+      <p:ext uri="{BB962C8B-B14F-4D97-AF65-F5344CB8AC3E}">
+        <p14:creationId xmlns:p14="http://schemas.microsoft.com/office/powerpoint/2010/main" val="4069771050"/>
+      </p:ext>
+    </p:extLst>
+  </p:cSld>
+  <p:clrMapOvr>
+    <a:masterClrMapping/>
+  </p:clrMapOvr>
+</p:sld>
+</file>
+
 <file path=ppt/slides/slide9.xml><?xml version="1.0" encoding="utf-8"?>
 <p:sld xmlns:a="http://schemas.openxmlformats.org/drawingml/2006/main" xmlns:r="http://schemas.openxmlformats.org/officeDocument/2006/relationships" xmlns:p="http://schemas.openxmlformats.org/presentationml/2006/main">
   <p:cSld>
@@ -26137,7 +25543,42 @@
       </p:grpSpPr>
       <p:sp>
         <p:nvSpPr>
-          <p:cNvPr id="13314" name="Title 2"/>
+          <p:cNvPr id="2" name="Date Placeholder 1">
+            <a:extLst>
+              <a:ext uri="{FF2B5EF4-FFF2-40B4-BE49-F238E27FC236}">
+                <a16:creationId xmlns:a16="http://schemas.microsoft.com/office/drawing/2014/main" id="{FC1E04CA-2A57-4713-853C-788369A13485}"/>
+              </a:ext>
+            </a:extLst>
+          </p:cNvPr>
+          <p:cNvSpPr>
+            <a:spLocks noGrp="1"/>
+          </p:cNvSpPr>
+          <p:nvPr>
+            <p:ph type="dt" sz="half" idx="10"/>
+          </p:nvPr>
+        </p:nvSpPr>
+        <p:spPr/>
+        <p:txBody>
+          <a:bodyPr/>
+          <a:lstStyle/>
+          <a:p>
+            <a:fld id="{6700A58B-DD98-43D0-B791-721480A02982}" type="datetime1">
+              <a:rPr lang="en-US" smtClean="0"/>
+              <a:t>3/12/23</a:t>
+            </a:fld>
+            <a:endParaRPr lang="en-US"/>
+          </a:p>
+        </p:txBody>
+      </p:sp>
+      <p:sp>
+        <p:nvSpPr>
+          <p:cNvPr id="3" name="Title 2">
+            <a:extLst>
+              <a:ext uri="{FF2B5EF4-FFF2-40B4-BE49-F238E27FC236}">
+                <a16:creationId xmlns:a16="http://schemas.microsoft.com/office/drawing/2014/main" id="{5076A9AB-36A3-4EEE-BABE-564991106A82}"/>
+              </a:ext>
+            </a:extLst>
+          </p:cNvPr>
           <p:cNvSpPr>
             <a:spLocks noGrp="1"/>
           </p:cNvSpPr>
@@ -26150,172 +25591,22 @@
           <a:bodyPr/>
           <a:lstStyle/>
           <a:p>
-            <a:pPr eaLnBrk="1" hangingPunct="1"/>
-            <a:r>
-              <a:rPr lang="en-US" altLang="en-US"/>
-              <a:t>Recursive Partitioning Steps</a:t>
-            </a:r>
-          </a:p>
-        </p:txBody>
-      </p:sp>
-      <p:sp>
-        <p:nvSpPr>
-          <p:cNvPr id="13315" name="Content Placeholder 3"/>
-          <p:cNvSpPr>
-            <a:spLocks noGrp="1"/>
-          </p:cNvSpPr>
-          <p:nvPr>
-            <p:ph sz="quarter" idx="1"/>
-          </p:nvPr>
-        </p:nvSpPr>
-        <p:spPr>
-          <a:xfrm>
-            <a:off x="533400" y="1752600"/>
-            <a:ext cx="8153400" cy="4572000"/>
-          </a:xfrm>
-        </p:spPr>
-        <p:txBody>
-          <a:bodyPr/>
-          <a:lstStyle/>
-          <a:p>
-            <a:pPr eaLnBrk="1" hangingPunct="1"/>
-            <a:r>
-              <a:rPr lang="en-US" altLang="en-US" dirty="0"/>
-              <a:t>Pick one of the predictor variables, </a:t>
-            </a:r>
-            <a:r>
-              <a:rPr lang="en-US" altLang="en-US" i="1" dirty="0"/>
-              <a:t>x</a:t>
-            </a:r>
-            <a:r>
-              <a:rPr lang="en-US" altLang="en-US" baseline="-25000" dirty="0"/>
-              <a:t>i</a:t>
-            </a:r>
-            <a:endParaRPr lang="en-US" altLang="en-US" dirty="0"/>
-          </a:p>
-          <a:p>
-            <a:pPr eaLnBrk="1" hangingPunct="1"/>
-            <a:r>
-              <a:rPr lang="en-US" altLang="en-US" dirty="0"/>
-              <a:t>Pick a value of </a:t>
-            </a:r>
-            <a:r>
-              <a:rPr lang="en-US" altLang="en-US" i="1" dirty="0"/>
-              <a:t>x</a:t>
-            </a:r>
-            <a:r>
-              <a:rPr lang="en-US" altLang="en-US" baseline="-25000" dirty="0"/>
-              <a:t>i, </a:t>
-            </a:r>
-            <a:r>
-              <a:rPr lang="en-US" altLang="en-US" dirty="0"/>
-              <a:t>say </a:t>
-            </a:r>
-            <a:r>
-              <a:rPr lang="en-US" altLang="en-US" i="1" dirty="0" err="1"/>
-              <a:t>s</a:t>
-            </a:r>
-            <a:r>
-              <a:rPr lang="en-US" altLang="en-US" baseline="-25000" dirty="0" err="1"/>
-              <a:t>i</a:t>
-            </a:r>
-            <a:r>
-              <a:rPr lang="en-US" altLang="en-US" dirty="0"/>
-              <a:t>, that divides the training data into two (not necessarily equal) portions</a:t>
-            </a:r>
-          </a:p>
-          <a:p>
-            <a:pPr eaLnBrk="1" hangingPunct="1"/>
-            <a:r>
-              <a:rPr lang="en-US" altLang="en-US" dirty="0"/>
-              <a:t>Measure how “pure” or homogeneous each of the resulting portions is</a:t>
-            </a:r>
-          </a:p>
-          <a:p>
-            <a:pPr lvl="1" eaLnBrk="1" hangingPunct="1">
-              <a:buFont typeface="Wingdings 2" pitchFamily="18" charset="2"/>
-              <a:buNone/>
-            </a:pPr>
-            <a:r>
-              <a:rPr lang="en-US" altLang="en-US" sz="2000" dirty="0"/>
-              <a:t>“Pure” = containing records of mostly one class (or, for prediction, records with similar outcome values)</a:t>
-            </a:r>
-          </a:p>
-          <a:p>
-            <a:pPr eaLnBrk="1" hangingPunct="1"/>
-            <a:r>
-              <a:rPr lang="en-US" altLang="en-US" dirty="0"/>
-              <a:t>Algorithm tries different values of </a:t>
-            </a:r>
-            <a:r>
-              <a:rPr lang="en-US" altLang="en-US" i="1" dirty="0"/>
-              <a:t>x</a:t>
-            </a:r>
-            <a:r>
-              <a:rPr lang="en-US" altLang="en-US" baseline="-25000" dirty="0"/>
-              <a:t>i, </a:t>
-            </a:r>
-            <a:r>
-              <a:rPr lang="en-US" altLang="en-US" dirty="0"/>
-              <a:t>and </a:t>
-            </a:r>
-            <a:r>
-              <a:rPr lang="en-US" altLang="en-US" i="1" dirty="0" err="1"/>
-              <a:t>s</a:t>
-            </a:r>
-            <a:r>
-              <a:rPr lang="en-US" altLang="en-US" baseline="-25000" dirty="0" err="1"/>
-              <a:t>i</a:t>
-            </a:r>
-            <a:r>
-              <a:rPr lang="en-US" altLang="en-US" baseline="-25000" dirty="0"/>
-              <a:t> </a:t>
-            </a:r>
-            <a:r>
-              <a:rPr lang="en-US" altLang="en-US" dirty="0"/>
-              <a:t>to maximize purity in initial split</a:t>
-            </a:r>
-          </a:p>
-          <a:p>
-            <a:pPr eaLnBrk="1" hangingPunct="1"/>
-            <a:r>
-              <a:rPr lang="en-US" altLang="en-US" dirty="0"/>
-              <a:t>After you get a “maximum purity” split, repeat the process for a second split (on any variable), and so on</a:t>
-            </a:r>
-          </a:p>
-        </p:txBody>
-      </p:sp>
-      <p:sp>
-        <p:nvSpPr>
-          <p:cNvPr id="4" name="Date Placeholder 4"/>
-          <p:cNvSpPr>
-            <a:spLocks noGrp="1"/>
-          </p:cNvSpPr>
-          <p:nvPr>
-            <p:ph type="dt" sz="half" idx="10"/>
-          </p:nvPr>
-        </p:nvSpPr>
-        <p:spPr>
-          <a:xfrm>
-            <a:off x="628650" y="6356351"/>
-            <a:ext cx="2057400" cy="365125"/>
-          </a:xfrm>
-        </p:spPr>
-        <p:txBody>
-          <a:bodyPr/>
-          <a:lstStyle/>
-          <a:p>
-            <a:fld id="{9B19E99B-5349-415A-8E56-8E989211A366}" type="datetime1">
-              <a:rPr lang="en-US" smtClean="0"/>
-              <a:t>3/12/23</a:t>
-            </a:fld>
-            <a:endParaRPr lang="en-US"/>
-          </a:p>
-        </p:txBody>
-      </p:sp>
-      <p:sp>
-        <p:nvSpPr>
-          <p:cNvPr id="6" name="Slide Number Placeholder 6"/>
+            <a:r>
+              <a:rPr lang="en-US" dirty="0"/>
+              <a:t>Suppose this is our data</a:t>
+            </a:r>
+          </a:p>
+        </p:txBody>
+      </p:sp>
+      <p:sp>
+        <p:nvSpPr>
+          <p:cNvPr id="4" name="Slide Number Placeholder 3">
+            <a:extLst>
+              <a:ext uri="{FF2B5EF4-FFF2-40B4-BE49-F238E27FC236}">
+                <a16:creationId xmlns:a16="http://schemas.microsoft.com/office/drawing/2014/main" id="{3AA16FB6-4158-4A32-8D9D-2F3422374E78}"/>
+              </a:ext>
+            </a:extLst>
+          </p:cNvPr>
           <p:cNvSpPr>
             <a:spLocks noGrp="1"/>
           </p:cNvSpPr>
@@ -26323,29 +25614,211 @@
             <p:ph type="sldNum" sz="quarter" idx="12"/>
           </p:nvPr>
         </p:nvSpPr>
+        <p:spPr/>
+        <p:txBody>
+          <a:bodyPr/>
+          <a:lstStyle/>
+          <a:p>
+            <a:fld id="{37290FF7-652B-4475-AEAB-8B1A5D23AE09}" type="slidenum">
+              <a:rPr lang="en-US" smtClean="0"/>
+              <a:t>9</a:t>
+            </a:fld>
+            <a:endParaRPr lang="en-US"/>
+          </a:p>
+        </p:txBody>
+      </p:sp>
+      <p:sp>
+        <p:nvSpPr>
+          <p:cNvPr id="7" name="TextBox 6">
+            <a:extLst>
+              <a:ext uri="{FF2B5EF4-FFF2-40B4-BE49-F238E27FC236}">
+                <a16:creationId xmlns:a16="http://schemas.microsoft.com/office/drawing/2014/main" id="{0609B832-5D0A-4804-B6E6-D6F066F912D5}"/>
+              </a:ext>
+            </a:extLst>
+          </p:cNvPr>
+          <p:cNvSpPr txBox="1"/>
+          <p:nvPr/>
+        </p:nvSpPr>
         <p:spPr>
           <a:xfrm>
-            <a:off x="6457950" y="6356351"/>
-            <a:ext cx="857250" cy="365125"/>
+            <a:off x="304799" y="5638800"/>
+            <a:ext cx="8729545" cy="424423"/>
           </a:xfrm>
+          <a:prstGeom prst="rect">
+            <a:avLst/>
+          </a:prstGeom>
+          <a:solidFill>
+            <a:schemeClr val="accent3"/>
+          </a:solidFill>
+          <a:ln>
+            <a:noFill/>
+          </a:ln>
         </p:spPr>
-        <p:txBody>
-          <a:bodyPr/>
+        <p:style>
+          <a:lnRef idx="2">
+            <a:schemeClr val="accent1">
+              <a:shade val="50000"/>
+            </a:schemeClr>
+          </a:lnRef>
+          <a:fillRef idx="1">
+            <a:schemeClr val="accent1"/>
+          </a:fillRef>
+          <a:effectRef idx="0">
+            <a:schemeClr val="accent1"/>
+          </a:effectRef>
+          <a:fontRef idx="minor">
+            <a:schemeClr val="lt1"/>
+          </a:fontRef>
+        </p:style>
+        <p:txBody>
+          <a:bodyPr rtlCol="0" anchor="ctr"/>
+          <a:lstStyle>
+            <a:defPPr>
+              <a:defRPr lang="en-US"/>
+            </a:defPPr>
+            <a:lvl1pPr algn="ctr">
+              <a:defRPr sz="1400" i="1">
+                <a:solidFill>
+                  <a:schemeClr val="lt1"/>
+                </a:solidFill>
+              </a:defRPr>
+            </a:lvl1pPr>
+            <a:lvl2pPr>
+              <a:defRPr>
+                <a:solidFill>
+                  <a:schemeClr val="lt1"/>
+                </a:solidFill>
+              </a:defRPr>
+            </a:lvl2pPr>
+            <a:lvl3pPr>
+              <a:defRPr>
+                <a:solidFill>
+                  <a:schemeClr val="lt1"/>
+                </a:solidFill>
+              </a:defRPr>
+            </a:lvl3pPr>
+            <a:lvl4pPr>
+              <a:defRPr>
+                <a:solidFill>
+                  <a:schemeClr val="lt1"/>
+                </a:solidFill>
+              </a:defRPr>
+            </a:lvl4pPr>
+            <a:lvl5pPr>
+              <a:defRPr>
+                <a:solidFill>
+                  <a:schemeClr val="lt1"/>
+                </a:solidFill>
+              </a:defRPr>
+            </a:lvl5pPr>
+            <a:lvl6pPr>
+              <a:defRPr>
+                <a:solidFill>
+                  <a:schemeClr val="lt1"/>
+                </a:solidFill>
+              </a:defRPr>
+            </a:lvl6pPr>
+            <a:lvl7pPr>
+              <a:defRPr>
+                <a:solidFill>
+                  <a:schemeClr val="lt1"/>
+                </a:solidFill>
+              </a:defRPr>
+            </a:lvl7pPr>
+            <a:lvl8pPr>
+              <a:defRPr>
+                <a:solidFill>
+                  <a:schemeClr val="lt1"/>
+                </a:solidFill>
+              </a:defRPr>
+            </a:lvl8pPr>
+            <a:lvl9pPr>
+              <a:defRPr>
+                <a:solidFill>
+                  <a:schemeClr val="lt1"/>
+                </a:solidFill>
+              </a:defRPr>
+            </a:lvl9pPr>
+          </a:lstStyle>
+          <a:p>
+            <a:r>
+              <a:rPr lang="en-US" i="0" dirty="0"/>
+              <a:t>Let’s classify offer acceptance among real bank customers using a decision tree.  Green means they accepted the offer to open a new deposit account.</a:t>
+            </a:r>
+          </a:p>
+        </p:txBody>
+      </p:sp>
+      <p:pic>
+        <p:nvPicPr>
+          <p:cNvPr id="8" name="Picture 7">
+            <a:extLst>
+              <a:ext uri="{FF2B5EF4-FFF2-40B4-BE49-F238E27FC236}">
+                <a16:creationId xmlns:a16="http://schemas.microsoft.com/office/drawing/2014/main" id="{164CECB3-DD05-4052-BCF4-56235F8AD871}"/>
+              </a:ext>
+            </a:extLst>
+          </p:cNvPr>
+          <p:cNvPicPr>
+            <a:picLocks noChangeAspect="1"/>
+          </p:cNvPicPr>
+          <p:nvPr/>
+        </p:nvPicPr>
+        <p:blipFill>
+          <a:blip r:embed="rId2"/>
+          <a:stretch>
+            <a:fillRect/>
+          </a:stretch>
+        </p:blipFill>
+        <p:spPr>
+          <a:xfrm>
+            <a:off x="2160063" y="1136804"/>
+            <a:ext cx="4823875" cy="4468511"/>
+          </a:xfrm>
+          <a:prstGeom prst="rect">
+            <a:avLst/>
+          </a:prstGeom>
+        </p:spPr>
+      </p:pic>
+      <p:sp>
+        <p:nvSpPr>
+          <p:cNvPr id="10" name="TextBox 9">
+            <a:extLst>
+              <a:ext uri="{FF2B5EF4-FFF2-40B4-BE49-F238E27FC236}">
+                <a16:creationId xmlns:a16="http://schemas.microsoft.com/office/drawing/2014/main" id="{1526015B-07AA-47E7-9557-22A116676EDC}"/>
+              </a:ext>
+            </a:extLst>
+          </p:cNvPr>
+          <p:cNvSpPr txBox="1"/>
+          <p:nvPr/>
+        </p:nvSpPr>
+        <p:spPr>
+          <a:xfrm>
+            <a:off x="5474728" y="6033915"/>
+            <a:ext cx="3680944" cy="276999"/>
+          </a:xfrm>
+          <a:prstGeom prst="rect">
+            <a:avLst/>
+          </a:prstGeom>
+          <a:noFill/>
+        </p:spPr>
+        <p:txBody>
+          <a:bodyPr wrap="none" rtlCol="0">
+            <a:spAutoFit/>
+          </a:bodyPr>
           <a:lstStyle/>
           <a:p>
             <a:r>
-              <a:rPr lang="en-US" dirty="0"/>
-              <a:t>43</a:t>
-            </a:r>
-          </a:p>
-        </p:txBody>
-      </p:sp>
-      <p:sp>
-        <p:nvSpPr>
-          <p:cNvPr id="2" name="Footer Placeholder 4">
-            <a:extLst>
-              <a:ext uri="{FF2B5EF4-FFF2-40B4-BE49-F238E27FC236}">
-                <a16:creationId xmlns:a16="http://schemas.microsoft.com/office/drawing/2014/main" id="{F0A5232A-9B5E-8A99-90AF-29296A5AADFA}"/>
+              <a:rPr lang="en-US" sz="1200" dirty="0"/>
+              <a:t>https://archive.ics.uci.edu/ml/datasets/bank+marketing</a:t>
+            </a:r>
+          </a:p>
+        </p:txBody>
+      </p:sp>
+      <p:sp>
+        <p:nvSpPr>
+          <p:cNvPr id="6" name="Footer Placeholder 4">
+            <a:extLst>
+              <a:ext uri="{FF2B5EF4-FFF2-40B4-BE49-F238E27FC236}">
+                <a16:creationId xmlns:a16="http://schemas.microsoft.com/office/drawing/2014/main" id="{22173D88-3E59-D48F-252A-89B303B22051}"/>
               </a:ext>
             </a:extLst>
           </p:cNvPr>
@@ -26389,7 +25862,7 @@
     </p:spTree>
     <p:extLst>
       <p:ext uri="{BB962C8B-B14F-4D97-AF65-F5344CB8AC3E}">
-        <p14:creationId xmlns:p14="http://schemas.microsoft.com/office/powerpoint/2010/main" val="4069771050"/>
+        <p14:creationId xmlns:p14="http://schemas.microsoft.com/office/powerpoint/2010/main" val="1918679248"/>
       </p:ext>
     </p:extLst>
   </p:cSld>
